--- a/Notes and Slides/CIS399Wk2Day4-MultipleActivities.pptx
+++ b/Notes and Slides/CIS399Wk2Day4-MultipleActivities.pptx
@@ -128,7 +128,7 @@
   </p:defaultTextStyle>
   <p:extLst>
     <p:ext uri="{EFAFB233-063F-42B5-8137-9DF3F51BA10A}">
-      <p15:sldGuideLst xmlns="" xmlns:p15="http://schemas.microsoft.com/office/powerpoint/2012/main">
+      <p15:sldGuideLst xmlns:p15="http://schemas.microsoft.com/office/powerpoint/2012/main">
         <p15:guide id="1" orient="horz" pos="2160">
           <p15:clr>
             <a:srgbClr val="A4A3A4"/>
@@ -227,7 +227,7 @@
           <a:p>
             <a:fld id="{1FC32AA1-1225-9048-80C3-2B6F58548154}" type="datetimeFigureOut">
               <a:rPr lang="en-US" smtClean="0"/>
-              <a:t>6/30/16</a:t>
+              <a:t>7/6/17</a:t>
             </a:fld>
             <a:endParaRPr lang="en-US"/>
           </a:p>
@@ -539,6 +539,10 @@
           <a:bodyPr/>
           <a:lstStyle/>
           <a:p>
+            <a:r>
+              <a:rPr lang="en-US" dirty="0" smtClean="0"/>
+              <a:t>BD-8 Architecture </a:t>
+            </a:r>
             <a:endParaRPr lang="en-US" dirty="0"/>
           </a:p>
         </p:txBody>
@@ -725,53 +729,23 @@
           <a:p>
             <a:r>
               <a:rPr lang="en-US" dirty="0" smtClean="0"/>
-              <a:t>&lt;intent-filter&gt; specifies the type of intent</a:t>
-            </a:r>
-            <a:r>
-              <a:rPr lang="en-US" baseline="0" dirty="0" smtClean="0"/>
-              <a:t> that an activity can respond to</a:t>
-            </a:r>
-            <a:endParaRPr lang="en-US" dirty="0" smtClean="0"/>
-          </a:p>
-          <a:p>
+              <a:t>https://</a:t>
+            </a:r>
             <a:r>
               <a:rPr lang="en-US" dirty="0" err="1" smtClean="0"/>
-              <a:t>android.intent.action.MAIN</a:t>
+              <a:t>developer.android.com</a:t>
             </a:r>
             <a:r>
               <a:rPr lang="en-US" dirty="0" smtClean="0"/>
-              <a:t> means that this activity is the entry point of the application</a:t>
-            </a:r>
-          </a:p>
-          <a:p>
-            <a:pPr marL="0" marR="0" indent="0" algn="l" defTabSz="457200" rtl="0" eaLnBrk="1" fontAlgn="auto" latinLnBrk="0" hangingPunct="1">
-              <a:lnSpc>
-                <a:spcPct val="100000"/>
-              </a:lnSpc>
-              <a:spcBef>
-                <a:spcPts val="0"/>
-              </a:spcBef>
-              <a:spcAft>
-                <a:spcPts val="0"/>
-              </a:spcAft>
-              <a:buClrTx/>
-              <a:buSzTx/>
-              <a:buFontTx/>
-              <a:buNone/>
-              <a:tabLst/>
-              <a:defRPr/>
-            </a:pPr>
+              <a:t>/guide/topics/manifest/manifest-</a:t>
+            </a:r>
             <a:r>
               <a:rPr lang="en-US" dirty="0" err="1" smtClean="0"/>
-              <a:t>android.intent.category.LAUNCHER</a:t>
+              <a:t>intro.html</a:t>
             </a:r>
             <a:r>
               <a:rPr lang="en-US" dirty="0" smtClean="0"/>
-              <a:t> means that this activity should be displayed in the top-level</a:t>
-            </a:r>
-            <a:r>
-              <a:rPr lang="en-US" baseline="0" dirty="0" smtClean="0"/>
-              <a:t> launcher</a:t>
+              <a:t> </a:t>
             </a:r>
             <a:endParaRPr lang="en-US" dirty="0"/>
           </a:p>
@@ -794,7 +768,7 @@
           <a:p>
             <a:fld id="{44EB6C7D-DFD8-944D-93E3-D07F7EBDDEA8}" type="slidenum">
               <a:rPr lang="en-US" smtClean="0"/>
-              <a:t>14</a:t>
+              <a:t>11</a:t>
             </a:fld>
             <a:endParaRPr lang="en-US"/>
           </a:p>
@@ -803,7 +777,7 @@
     </p:spTree>
     <p:extLst>
       <p:ext uri="{BB962C8B-B14F-4D97-AF65-F5344CB8AC3E}">
-        <p14:creationId xmlns:p14="http://schemas.microsoft.com/office/powerpoint/2010/main" val="1504165775"/>
+        <p14:creationId xmlns:p14="http://schemas.microsoft.com/office/powerpoint/2010/main" val="688196766"/>
       </p:ext>
     </p:extLst>
   </p:cSld>
@@ -859,19 +833,53 @@
           <a:p>
             <a:r>
               <a:rPr lang="en-US" dirty="0" smtClean="0"/>
-              <a:t>https://</a:t>
-            </a:r>
+              <a:t>&lt;intent-filter&gt; specifies the type of intent</a:t>
+            </a:r>
+            <a:r>
+              <a:rPr lang="en-US" baseline="0" dirty="0" smtClean="0"/>
+              <a:t> that an activity can respond to</a:t>
+            </a:r>
+            <a:endParaRPr lang="en-US" dirty="0" smtClean="0"/>
+          </a:p>
+          <a:p>
             <a:r>
               <a:rPr lang="en-US" dirty="0" err="1" smtClean="0"/>
-              <a:t>developer.android.com</a:t>
+              <a:t>android.intent.action.MAIN</a:t>
             </a:r>
             <a:r>
               <a:rPr lang="en-US" dirty="0" smtClean="0"/>
-              <a:t>/design/patterns/</a:t>
-            </a:r>
+              <a:t> means that this activity is the entry point of the application</a:t>
+            </a:r>
+          </a:p>
+          <a:p>
+            <a:pPr marL="0" marR="0" indent="0" algn="l" defTabSz="457200" rtl="0" eaLnBrk="1" fontAlgn="auto" latinLnBrk="0" hangingPunct="1">
+              <a:lnSpc>
+                <a:spcPct val="100000"/>
+              </a:lnSpc>
+              <a:spcBef>
+                <a:spcPts val="0"/>
+              </a:spcBef>
+              <a:spcAft>
+                <a:spcPts val="0"/>
+              </a:spcAft>
+              <a:buClrTx/>
+              <a:buSzTx/>
+              <a:buFontTx/>
+              <a:buNone/>
+              <a:tabLst/>
+              <a:defRPr/>
+            </a:pPr>
             <a:r>
               <a:rPr lang="en-US" dirty="0" err="1" smtClean="0"/>
-              <a:t>navigation.html</a:t>
+              <a:t>android.intent.category.LAUNCHER</a:t>
+            </a:r>
+            <a:r>
+              <a:rPr lang="en-US" dirty="0" smtClean="0"/>
+              <a:t> means that this activity should be displayed in the top-level</a:t>
+            </a:r>
+            <a:r>
+              <a:rPr lang="en-US" baseline="0" dirty="0" smtClean="0"/>
+              <a:t> launcher</a:t>
             </a:r>
             <a:endParaRPr lang="en-US" dirty="0"/>
           </a:p>
@@ -894,7 +902,7 @@
           <a:p>
             <a:fld id="{44EB6C7D-DFD8-944D-93E3-D07F7EBDDEA8}" type="slidenum">
               <a:rPr lang="en-US" smtClean="0"/>
-              <a:t>17</a:t>
+              <a:t>14</a:t>
             </a:fld>
             <a:endParaRPr lang="en-US"/>
           </a:p>
@@ -903,7 +911,7 @@
     </p:spTree>
     <p:extLst>
       <p:ext uri="{BB962C8B-B14F-4D97-AF65-F5344CB8AC3E}">
-        <p14:creationId xmlns:p14="http://schemas.microsoft.com/office/powerpoint/2010/main" val="4293731305"/>
+        <p14:creationId xmlns:p14="http://schemas.microsoft.com/office/powerpoint/2010/main" val="1504165775"/>
       </p:ext>
     </p:extLst>
   </p:cSld>
@@ -967,6 +975,106 @@
             </a:r>
             <a:r>
               <a:rPr lang="en-US" dirty="0" smtClean="0"/>
+              <a:t>/design/patterns/</a:t>
+            </a:r>
+            <a:r>
+              <a:rPr lang="en-US" dirty="0" err="1" smtClean="0"/>
+              <a:t>navigation.html</a:t>
+            </a:r>
+            <a:endParaRPr lang="en-US" dirty="0"/>
+          </a:p>
+        </p:txBody>
+      </p:sp>
+      <p:sp>
+        <p:nvSpPr>
+          <p:cNvPr id="4" name="Slide Number Placeholder 3"/>
+          <p:cNvSpPr>
+            <a:spLocks noGrp="1"/>
+          </p:cNvSpPr>
+          <p:nvPr>
+            <p:ph type="sldNum" sz="quarter" idx="10"/>
+          </p:nvPr>
+        </p:nvSpPr>
+        <p:spPr/>
+        <p:txBody>
+          <a:bodyPr/>
+          <a:lstStyle/>
+          <a:p>
+            <a:fld id="{44EB6C7D-DFD8-944D-93E3-D07F7EBDDEA8}" type="slidenum">
+              <a:rPr lang="en-US" smtClean="0"/>
+              <a:t>17</a:t>
+            </a:fld>
+            <a:endParaRPr lang="en-US"/>
+          </a:p>
+        </p:txBody>
+      </p:sp>
+    </p:spTree>
+    <p:extLst>
+      <p:ext uri="{BB962C8B-B14F-4D97-AF65-F5344CB8AC3E}">
+        <p14:creationId xmlns:p14="http://schemas.microsoft.com/office/powerpoint/2010/main" val="4293731305"/>
+      </p:ext>
+    </p:extLst>
+  </p:cSld>
+  <p:clrMapOvr>
+    <a:masterClrMapping/>
+  </p:clrMapOvr>
+</p:notes>
+</file>
+
+<file path=ppt/notesSlides/notesSlide6.xml><?xml version="1.0" encoding="utf-8"?>
+<p:notes xmlns:a="http://schemas.openxmlformats.org/drawingml/2006/main" xmlns:r="http://schemas.openxmlformats.org/officeDocument/2006/relationships" xmlns:p="http://schemas.openxmlformats.org/presentationml/2006/main">
+  <p:cSld>
+    <p:spTree>
+      <p:nvGrpSpPr>
+        <p:cNvPr id="1" name=""/>
+        <p:cNvGrpSpPr/>
+        <p:nvPr/>
+      </p:nvGrpSpPr>
+      <p:grpSpPr>
+        <a:xfrm>
+          <a:off x="0" y="0"/>
+          <a:ext cx="0" cy="0"/>
+          <a:chOff x="0" y="0"/>
+          <a:chExt cx="0" cy="0"/>
+        </a:xfrm>
+      </p:grpSpPr>
+      <p:sp>
+        <p:nvSpPr>
+          <p:cNvPr id="2" name="Slide Image Placeholder 1"/>
+          <p:cNvSpPr>
+            <a:spLocks noGrp="1" noRot="1" noChangeAspect="1"/>
+          </p:cNvSpPr>
+          <p:nvPr>
+            <p:ph type="sldImg"/>
+          </p:nvPr>
+        </p:nvSpPr>
+        <p:spPr/>
+      </p:sp>
+      <p:sp>
+        <p:nvSpPr>
+          <p:cNvPr id="3" name="Notes Placeholder 2"/>
+          <p:cNvSpPr>
+            <a:spLocks noGrp="1"/>
+          </p:cNvSpPr>
+          <p:nvPr>
+            <p:ph type="body" idx="1"/>
+          </p:nvPr>
+        </p:nvSpPr>
+        <p:spPr/>
+        <p:txBody>
+          <a:bodyPr/>
+          <a:lstStyle/>
+          <a:p>
+            <a:r>
+              <a:rPr lang="en-US" dirty="0" smtClean="0"/>
+              <a:t>https://</a:t>
+            </a:r>
+            <a:r>
+              <a:rPr lang="en-US" dirty="0" err="1" smtClean="0"/>
+              <a:t>developer.android.com</a:t>
+            </a:r>
+            <a:r>
+              <a:rPr lang="en-US" dirty="0" smtClean="0"/>
               <a:t>/reference/android/widget/</a:t>
             </a:r>
             <a:r>
@@ -1032,7 +1140,7 @@
 </p:notes>
 </file>
 
-<file path=ppt/notesSlides/notesSlide6.xml><?xml version="1.0" encoding="utf-8"?>
+<file path=ppt/notesSlides/notesSlide7.xml><?xml version="1.0" encoding="utf-8"?>
 <p:notes xmlns:a="http://schemas.openxmlformats.org/drawingml/2006/main" xmlns:r="http://schemas.openxmlformats.org/officeDocument/2006/relationships" xmlns:p="http://schemas.openxmlformats.org/presentationml/2006/main">
   <p:cSld>
     <p:spTree>
@@ -1374,7 +1482,7 @@
           <a:p>
             <a:fld id="{12110144-19AD-4D4E-902D-E18AF93089D3}" type="datetimeFigureOut">
               <a:rPr lang="en-US" smtClean="0"/>
-              <a:t>6/30/16</a:t>
+              <a:t>7/6/17</a:t>
             </a:fld>
             <a:endParaRPr lang="en-US"/>
           </a:p>
@@ -1544,7 +1652,7 @@
           <a:p>
             <a:fld id="{12110144-19AD-4D4E-902D-E18AF93089D3}" type="datetimeFigureOut">
               <a:rPr lang="en-US" smtClean="0"/>
-              <a:t>6/30/16</a:t>
+              <a:t>7/6/17</a:t>
             </a:fld>
             <a:endParaRPr lang="en-US"/>
           </a:p>
@@ -1724,7 +1832,7 @@
           <a:p>
             <a:fld id="{12110144-19AD-4D4E-902D-E18AF93089D3}" type="datetimeFigureOut">
               <a:rPr lang="en-US" smtClean="0"/>
-              <a:t>6/30/16</a:t>
+              <a:t>7/6/17</a:t>
             </a:fld>
             <a:endParaRPr lang="en-US"/>
           </a:p>
@@ -1894,7 +2002,7 @@
           <a:p>
             <a:fld id="{12110144-19AD-4D4E-902D-E18AF93089D3}" type="datetimeFigureOut">
               <a:rPr lang="en-US" smtClean="0"/>
-              <a:t>6/30/16</a:t>
+              <a:t>7/6/17</a:t>
             </a:fld>
             <a:endParaRPr lang="en-US"/>
           </a:p>
@@ -2140,7 +2248,7 @@
           <a:p>
             <a:fld id="{12110144-19AD-4D4E-902D-E18AF93089D3}" type="datetimeFigureOut">
               <a:rPr lang="en-US" smtClean="0"/>
-              <a:t>6/30/16</a:t>
+              <a:t>7/6/17</a:t>
             </a:fld>
             <a:endParaRPr lang="en-US"/>
           </a:p>
@@ -2428,7 +2536,7 @@
           <a:p>
             <a:fld id="{12110144-19AD-4D4E-902D-E18AF93089D3}" type="datetimeFigureOut">
               <a:rPr lang="en-US" smtClean="0"/>
-              <a:t>6/30/16</a:t>
+              <a:t>7/6/17</a:t>
             </a:fld>
             <a:endParaRPr lang="en-US"/>
           </a:p>
@@ -2850,7 +2958,7 @@
           <a:p>
             <a:fld id="{12110144-19AD-4D4E-902D-E18AF93089D3}" type="datetimeFigureOut">
               <a:rPr lang="en-US" smtClean="0"/>
-              <a:t>6/30/16</a:t>
+              <a:t>7/6/17</a:t>
             </a:fld>
             <a:endParaRPr lang="en-US"/>
           </a:p>
@@ -2968,7 +3076,7 @@
           <a:p>
             <a:fld id="{12110144-19AD-4D4E-902D-E18AF93089D3}" type="datetimeFigureOut">
               <a:rPr lang="en-US" smtClean="0"/>
-              <a:t>6/30/16</a:t>
+              <a:t>7/6/17</a:t>
             </a:fld>
             <a:endParaRPr lang="en-US"/>
           </a:p>
@@ -3063,7 +3171,7 @@
           <a:p>
             <a:fld id="{12110144-19AD-4D4E-902D-E18AF93089D3}" type="datetimeFigureOut">
               <a:rPr lang="en-US" smtClean="0"/>
-              <a:t>6/30/16</a:t>
+              <a:t>7/6/17</a:t>
             </a:fld>
             <a:endParaRPr lang="en-US"/>
           </a:p>
@@ -3340,7 +3448,7 @@
           <a:p>
             <a:fld id="{12110144-19AD-4D4E-902D-E18AF93089D3}" type="datetimeFigureOut">
               <a:rPr lang="en-US" smtClean="0"/>
-              <a:t>6/30/16</a:t>
+              <a:t>7/6/17</a:t>
             </a:fld>
             <a:endParaRPr lang="en-US"/>
           </a:p>
@@ -3593,7 +3701,7 @@
           <a:p>
             <a:fld id="{12110144-19AD-4D4E-902D-E18AF93089D3}" type="datetimeFigureOut">
               <a:rPr lang="en-US" smtClean="0"/>
-              <a:t>6/30/16</a:t>
+              <a:t>7/6/17</a:t>
             </a:fld>
             <a:endParaRPr lang="en-US"/>
           </a:p>
@@ -3824,7 +3932,7 @@
           <a:p>
             <a:fld id="{12110144-19AD-4D4E-902D-E18AF93089D3}" type="datetimeFigureOut">
               <a:rPr lang="en-US" smtClean="0"/>
-              <a:t>6/30/16</a:t>
+              <a:t>7/6/17</a:t>
             </a:fld>
             <a:endParaRPr lang="en-US"/>
           </a:p>
@@ -4298,7 +4406,7 @@
   <p:timing>
     <p:tnLst>
       <p:par>
-        <p:cTn xmlns:p14="http://schemas.microsoft.com/office/powerpoint/2010/main" id="1" dur="indefinite" restart="never" nodeType="tmRoot"/>
+        <p:cTn id="1" dur="indefinite" restart="never" nodeType="tmRoot"/>
       </p:par>
     </p:tnLst>
   </p:timing>
@@ -4580,7 +4688,7 @@
   <p:timing>
     <p:tnLst>
       <p:par>
-        <p:cTn xmlns:p14="http://schemas.microsoft.com/office/powerpoint/2010/main" id="1" dur="indefinite" restart="never" nodeType="tmRoot"/>
+        <p:cTn id="1" dur="indefinite" restart="never" nodeType="tmRoot"/>
       </p:par>
     </p:tnLst>
   </p:timing>
@@ -4814,34 +4922,51 @@
           </a:lstStyle>
           <a:p>
             <a:r>
-              <a:rPr lang="en-US" smtClean="0"/>
+              <a:rPr lang="en-US" dirty="0" smtClean="0"/>
               <a:t>Required for every application</a:t>
             </a:r>
           </a:p>
           <a:p>
             <a:r>
-              <a:rPr lang="en-US" smtClean="0"/>
+              <a:rPr lang="en-US" dirty="0" smtClean="0"/>
               <a:t>Registers information about the app:</a:t>
             </a:r>
           </a:p>
           <a:p>
             <a:pPr lvl="1"/>
             <a:r>
-              <a:rPr lang="en-US" smtClean="0"/>
-              <a:t>Components that make up the application (including Activities and Intents)</a:t>
-            </a:r>
+              <a:rPr lang="en-US" dirty="0" smtClean="0"/>
+              <a:t>Components that make up the application (including </a:t>
+            </a:r>
+            <a:r>
+              <a:rPr lang="en-US" dirty="0"/>
+              <a:t>a</a:t>
+            </a:r>
+            <a:r>
+              <a:rPr lang="en-US" dirty="0" smtClean="0"/>
+              <a:t>ctivities, </a:t>
+            </a:r>
+            <a:r>
+              <a:rPr lang="en-US" dirty="0"/>
+              <a:t>services, broadcast receivers, and content providers</a:t>
+            </a:r>
+            <a:r>
+              <a:rPr lang="en-US" dirty="0" smtClean="0"/>
+              <a:t>)</a:t>
+            </a:r>
+            <a:endParaRPr lang="en-US" dirty="0" smtClean="0"/>
           </a:p>
           <a:p>
             <a:pPr lvl="1"/>
             <a:r>
-              <a:rPr lang="en-US" smtClean="0"/>
+              <a:rPr lang="en-US" dirty="0" smtClean="0"/>
               <a:t>Required permissions</a:t>
             </a:r>
           </a:p>
           <a:p>
             <a:pPr lvl="1"/>
             <a:r>
-              <a:rPr lang="en-US" smtClean="0"/>
+              <a:rPr lang="en-US" dirty="0" smtClean="0"/>
               <a:t>Minimum OS version supported</a:t>
             </a:r>
             <a:endParaRPr lang="en-US" dirty="0"/>
@@ -4861,7 +4986,7 @@
   <p:timing>
     <p:tnLst>
       <p:par>
-        <p:cTn xmlns:p14="http://schemas.microsoft.com/office/powerpoint/2010/main" id="1" dur="indefinite" restart="never" nodeType="tmRoot"/>
+        <p:cTn id="1" dur="indefinite" restart="never" nodeType="tmRoot"/>
       </p:par>
     </p:tnLst>
   </p:timing>
@@ -5011,7 +5136,7 @@
   <p:timing>
     <p:tnLst>
       <p:par>
-        <p:cTn xmlns:p14="http://schemas.microsoft.com/office/powerpoint/2010/main" id="1" dur="indefinite" restart="never" nodeType="tmRoot"/>
+        <p:cTn id="1" dur="indefinite" restart="never" nodeType="tmRoot"/>
       </p:par>
     </p:tnLst>
   </p:timing>
@@ -5144,7 +5269,7 @@
   <p:timing>
     <p:tnLst>
       <p:par>
-        <p:cTn xmlns:p14="http://schemas.microsoft.com/office/powerpoint/2010/main" id="1" dur="indefinite" restart="never" nodeType="tmRoot"/>
+        <p:cTn id="1" dur="indefinite" restart="never" nodeType="tmRoot"/>
       </p:par>
     </p:tnLst>
   </p:timing>
@@ -5831,7 +5956,7 @@
   <p:timing>
     <p:tnLst>
       <p:par>
-        <p:cTn xmlns:p14="http://schemas.microsoft.com/office/powerpoint/2010/main" id="1" dur="indefinite" restart="never" nodeType="tmRoot"/>
+        <p:cTn id="1" dur="indefinite" restart="never" nodeType="tmRoot"/>
       </p:par>
     </p:tnLst>
   </p:timing>
@@ -5865,7 +5990,12 @@
             <p:ph type="title"/>
           </p:nvPr>
         </p:nvSpPr>
-        <p:spPr/>
+        <p:spPr>
+          <a:xfrm>
+            <a:off x="457200" y="274638"/>
+            <a:ext cx="8229600" cy="816032"/>
+          </a:xfrm>
+        </p:spPr>
         <p:txBody>
           <a:bodyPr/>
           <a:lstStyle/>
@@ -5896,7 +6026,12 @@
             <p:ph idx="1"/>
           </p:nvPr>
         </p:nvSpPr>
-        <p:spPr/>
+        <p:spPr>
+          <a:xfrm>
+            <a:off x="457200" y="1178805"/>
+            <a:ext cx="8229600" cy="5133859"/>
+          </a:xfrm>
+        </p:spPr>
         <p:txBody>
           <a:bodyPr>
             <a:normAutofit fontScale="92500" lnSpcReduction="20000"/>
@@ -5914,8 +6049,17 @@
           <a:p>
             <a:r>
               <a:rPr lang="en-US" dirty="0" smtClean="0"/>
-              <a:t>Write a class that is derived from Activity</a:t>
-            </a:r>
+              <a:t>Write a class that is derived from </a:t>
+            </a:r>
+            <a:r>
+              <a:rPr lang="en-US" dirty="0" smtClean="0"/>
+              <a:t>Activity or </a:t>
+            </a:r>
+            <a:r>
+              <a:rPr lang="en-US" dirty="0" err="1" smtClean="0"/>
+              <a:t>AppCompatActivity</a:t>
+            </a:r>
+            <a:endParaRPr lang="en-US" dirty="0" smtClean="0"/>
           </a:p>
           <a:p>
             <a:pPr lvl="1"/>
@@ -5952,7 +6096,15 @@
             </a:r>
             <a:r>
               <a:rPr lang="en-US" dirty="0" smtClean="0"/>
-              <a:t>element to the manifest</a:t>
+              <a:t>element </a:t>
+            </a:r>
+            <a:r>
+              <a:rPr lang="en-US" dirty="0" smtClean="0"/>
+              <a:t>for this activity to </a:t>
+            </a:r>
+            <a:r>
+              <a:rPr lang="en-US" dirty="0" smtClean="0"/>
+              <a:t>the manifest</a:t>
             </a:r>
           </a:p>
           <a:p>
@@ -5988,7 +6140,7 @@
   <p:timing>
     <p:tnLst>
       <p:par>
-        <p:cTn xmlns:p14="http://schemas.microsoft.com/office/powerpoint/2010/main" id="1" dur="indefinite" restart="never" nodeType="tmRoot"/>
+        <p:cTn id="1" dur="indefinite" restart="never" nodeType="tmRoot"/>
       </p:par>
     </p:tnLst>
   </p:timing>
@@ -6064,7 +6216,7 @@
         <p:spPr/>
         <p:txBody>
           <a:bodyPr>
-            <a:normAutofit fontScale="77500" lnSpcReduction="20000"/>
+            <a:normAutofit fontScale="85000" lnSpcReduction="20000"/>
           </a:bodyPr>
           <a:lstStyle/>
           <a:p>
@@ -6083,8 +6235,13 @@
             <a:pPr lvl="1"/>
             <a:r>
               <a:rPr lang="en-US" sz="3600" dirty="0" smtClean="0"/>
-              <a:t>Specifies the activity to start</a:t>
-            </a:r>
+              <a:t>Specifies the activity </a:t>
+            </a:r>
+            <a:r>
+              <a:rPr lang="en-US" sz="3600" dirty="0" smtClean="0"/>
+              <a:t>to be started</a:t>
+            </a:r>
+            <a:endParaRPr lang="en-US" sz="3600" dirty="0" smtClean="0"/>
           </a:p>
           <a:p>
             <a:pPr lvl="1"/>
@@ -6265,7 +6422,7 @@
                 </a:solidFill>
                 <a:latin typeface="Menlo"/>
               </a:rPr>
-              <a:t>);  </a:t>
+              <a:t>); </a:t>
             </a:r>
             <a:r>
               <a:rPr lang="en-US" sz="2900" i="1" dirty="0">
@@ -6274,7 +6431,7 @@
                 </a:solidFill>
                 <a:latin typeface="Menlo"/>
               </a:rPr>
-              <a:t>// send data to 2nd activity</a:t>
+              <a:t/>
             </a:r>
             <a:br>
               <a:rPr lang="en-US" sz="2900" i="1" dirty="0">
@@ -6334,7 +6491,7 @@
   <p:timing>
     <p:tnLst>
       <p:par>
-        <p:cTn xmlns:p14="http://schemas.microsoft.com/office/powerpoint/2010/main" id="1" dur="indefinite" restart="never" nodeType="tmRoot"/>
+        <p:cTn id="1" dur="indefinite" restart="never" nodeType="tmRoot"/>
       </p:par>
     </p:tnLst>
   </p:timing>
@@ -6473,11 +6630,7 @@
             <a:pPr lvl="1"/>
             <a:r>
               <a:rPr lang="en-US" dirty="0" smtClean="0"/>
-              <a:t>Or, adding a Toolbar to the activity (see the following slides</a:t>
-            </a:r>
-            <a:r>
-              <a:rPr lang="en-US" dirty="0" smtClean="0"/>
-              <a:t>)</a:t>
+              <a:t>Or, adding a Toolbar to the activity (see the following slides)</a:t>
             </a:r>
           </a:p>
           <a:p>
@@ -6572,7 +6725,7 @@
   <p:timing>
     <p:tnLst>
       <p:par>
-        <p:cTn xmlns:p14="http://schemas.microsoft.com/office/powerpoint/2010/main" id="1" dur="indefinite" restart="never" nodeType="tmRoot"/>
+        <p:cTn id="1" dur="indefinite" restart="never" nodeType="tmRoot"/>
       </p:par>
     </p:tnLst>
   </p:timing>
@@ -6631,11 +6784,13 @@
         <p:spPr>
           <a:xfrm>
             <a:off x="457200" y="274638"/>
-            <a:ext cx="8229600" cy="823005"/>
+            <a:ext cx="8229600" cy="606711"/>
           </a:xfrm>
         </p:spPr>
         <p:txBody>
-          <a:bodyPr/>
+          <a:bodyPr>
+            <a:normAutofit fontScale="90000"/>
+          </a:bodyPr>
           <a:lstStyle/>
           <a:p>
             <a:r>
@@ -6666,13 +6821,13 @@
         </p:nvSpPr>
         <p:spPr>
           <a:xfrm>
-            <a:off x="457200" y="1215572"/>
-            <a:ext cx="8229600" cy="4910592"/>
+            <a:off x="457200" y="1013552"/>
+            <a:ext cx="8229600" cy="5112612"/>
           </a:xfrm>
         </p:spPr>
         <p:txBody>
           <a:bodyPr>
-            <a:normAutofit fontScale="47500" lnSpcReduction="20000"/>
+            <a:noAutofit/>
           </a:bodyPr>
           <a:lstStyle/>
           <a:p>
@@ -6680,111 +6835,109 @@
               <a:buNone/>
             </a:pPr>
             <a:r>
-              <a:rPr lang="en-US" sz="5900" b="1" dirty="0" smtClean="0"/>
+              <a:rPr lang="en-US" sz="2800" b="1" dirty="0" smtClean="0"/>
               <a:t>A “side bar” about the two types of app bar</a:t>
             </a:r>
           </a:p>
           <a:p>
             <a:r>
-              <a:rPr lang="en-US" sz="5100" dirty="0" smtClean="0"/>
+              <a:rPr lang="en-US" sz="2400" dirty="0" smtClean="0"/>
               <a:t>The ActionBar was introduced with </a:t>
             </a:r>
             <a:r>
-              <a:rPr lang="en-US" sz="5100" dirty="0"/>
+              <a:rPr lang="en-US" sz="2400" dirty="0"/>
               <a:t>Android 3.0 (API level 11), all activities that use the default theme have an </a:t>
             </a:r>
             <a:r>
-              <a:rPr lang="en-US" sz="5100" dirty="0" smtClean="0"/>
+              <a:rPr lang="en-US" sz="2400" dirty="0" smtClean="0"/>
               <a:t>ActionBar.</a:t>
             </a:r>
           </a:p>
           <a:p>
             <a:r>
-              <a:rPr lang="en-US" sz="5100" dirty="0" smtClean="0"/>
+              <a:rPr lang="en-US" sz="2400" dirty="0" smtClean="0"/>
               <a:t> </a:t>
             </a:r>
             <a:r>
-              <a:rPr lang="en-US" sz="5100" dirty="0"/>
+              <a:rPr lang="en-US" sz="2400" dirty="0"/>
               <a:t>However</a:t>
             </a:r>
             <a:r>
-              <a:rPr lang="en-US" sz="5100" dirty="0" smtClean="0"/>
+              <a:rPr lang="en-US" sz="2400" dirty="0" smtClean="0"/>
               <a:t>, the </a:t>
             </a:r>
             <a:r>
-              <a:rPr lang="en-US" sz="5100" dirty="0"/>
+              <a:rPr lang="en-US" sz="2400" dirty="0"/>
               <a:t>native ActionBar behaves differently depending on </a:t>
             </a:r>
             <a:r>
-              <a:rPr lang="en-US" sz="5100" dirty="0" smtClean="0"/>
+              <a:rPr lang="en-US" sz="2400" dirty="0" smtClean="0"/>
               <a:t>the API level. Not all features are available for older APIs.</a:t>
             </a:r>
           </a:p>
           <a:p>
             <a:pPr lvl="1"/>
             <a:r>
-              <a:rPr lang="en-US" sz="4200" dirty="0" smtClean="0"/>
+              <a:rPr lang="en-US" sz="2000" dirty="0" smtClean="0"/>
               <a:t>For example: the </a:t>
             </a:r>
             <a:r>
-              <a:rPr lang="en-US" sz="4200" dirty="0"/>
+              <a:rPr lang="en-US" sz="2000" dirty="0"/>
               <a:t>native action bar doesn't support material design unless the device is running Android 5.0 (API level 21) or later</a:t>
             </a:r>
             <a:r>
-              <a:rPr lang="en-US" sz="4200" dirty="0" smtClean="0"/>
+              <a:rPr lang="en-US" sz="2000" dirty="0" smtClean="0"/>
               <a:t>.</a:t>
             </a:r>
           </a:p>
           <a:p>
             <a:r>
-              <a:rPr lang="en-US" sz="5100" dirty="0" smtClean="0"/>
+              <a:rPr lang="en-US" sz="2400" dirty="0" smtClean="0"/>
               <a:t>By contrast, all features are available on the support </a:t>
             </a:r>
             <a:r>
-              <a:rPr lang="en-US" sz="5100" dirty="0"/>
+              <a:rPr lang="en-US" sz="2400" dirty="0"/>
               <a:t>library's version of </a:t>
             </a:r>
             <a:r>
-              <a:rPr lang="en-US" sz="5100" dirty="0" smtClean="0"/>
+              <a:rPr lang="en-US" sz="2400" dirty="0" smtClean="0"/>
               <a:t>Toolbar.</a:t>
             </a:r>
           </a:p>
           <a:p>
             <a:pPr lvl="1"/>
             <a:r>
-              <a:rPr lang="en-US" sz="4200" dirty="0"/>
+              <a:rPr lang="en-US" sz="2000" dirty="0"/>
               <a:t>For example, the Toolbar widget provides a material design experience on devices running Android 2.1 (API level 7) or </a:t>
             </a:r>
             <a:r>
-              <a:rPr lang="en-US" sz="4200" dirty="0" smtClean="0"/>
+              <a:rPr lang="en-US" sz="2000" dirty="0" smtClean="0"/>
               <a:t>later</a:t>
             </a:r>
             <a:r>
-              <a:rPr lang="en-US" sz="4200" dirty="0"/>
+              <a:rPr lang="en-US" sz="2000" dirty="0"/>
               <a:t>.</a:t>
             </a:r>
-            <a:endParaRPr lang="en-US" sz="4200" dirty="0" smtClean="0"/>
-          </a:p>
-          <a:p>
-            <a:r>
-              <a:rPr lang="en-US" sz="5100" dirty="0" smtClean="0"/>
+            <a:endParaRPr lang="en-US" sz="2000" dirty="0" smtClean="0"/>
+          </a:p>
+          <a:p>
+            <a:r>
+              <a:rPr lang="en-US" sz="2400" dirty="0" smtClean="0"/>
               <a:t>For </a:t>
             </a:r>
             <a:r>
-              <a:rPr lang="en-US" sz="5100" dirty="0"/>
+              <a:rPr lang="en-US" sz="2400" dirty="0"/>
               <a:t>this reason, you should use the support library's Toolbar class to implement your activities' app </a:t>
             </a:r>
             <a:r>
-              <a:rPr lang="en-US" sz="5100" dirty="0" smtClean="0"/>
-              <a:t>bars.</a:t>
-            </a:r>
-            <a:endParaRPr lang="en-US" sz="5100" dirty="0"/>
-          </a:p>
-          <a:p>
-            <a:pPr marL="0" indent="0">
-              <a:buNone/>
-            </a:pPr>
-            <a:endParaRPr lang="en-US" dirty="0"/>
+              <a:rPr lang="en-US" sz="2400" dirty="0" smtClean="0"/>
+              <a:t>bars</a:t>
+            </a:r>
+            <a:r>
+              <a:rPr lang="en-US" sz="2400" dirty="0" smtClean="0"/>
+              <a:t>.</a:t>
+            </a:r>
+            <a:endParaRPr lang="en-US" sz="2400" dirty="0"/>
           </a:p>
         </p:txBody>
       </p:sp>
@@ -7967,14 +8120,14 @@
             <p:ph sz="half" idx="1"/>
             <p:extLst>
               <p:ext uri="{D42A27DB-BD31-4B8C-83A1-F6EECF244321}">
-                <p14:modId xmlns:p14="http://schemas.microsoft.com/office/powerpoint/2010/main" val="2677808003"/>
+                <p14:modId xmlns:p14="http://schemas.microsoft.com/office/powerpoint/2010/main" val="329257377"/>
               </p:ext>
             </p:extLst>
           </p:nvPr>
         </p:nvGraphicFramePr>
         <p:xfrm>
           <a:off x="457200" y="1600200"/>
-          <a:ext cx="3811200" cy="5152683"/>
+          <a:ext cx="3811200" cy="4725964"/>
         </p:xfrm>
         <a:graphic>
           <a:graphicData uri="http://schemas.openxmlformats.org/drawingml/2006/table">
@@ -8331,19 +8484,11 @@
                       </a:r>
                       <a:r>
                         <a:rPr lang="en-US" sz="2800" u="sng" baseline="0" dirty="0" smtClean="0"/>
-                        <a:t> apps</a:t>
+                        <a:t> </a:t>
                       </a:r>
                       <a:r>
-                        <a:rPr lang="en-US" sz="2800" baseline="0" dirty="0" smtClean="0"/>
-                        <a:t>, </a:t>
-                      </a:r>
-                      <a:r>
-                        <a:rPr lang="en-US" sz="2800" u="none" baseline="0" dirty="0" smtClean="0">
-                          <a:solidFill>
-                            <a:schemeClr val="tx1"/>
-                          </a:solidFill>
-                        </a:rPr>
-                        <a:t>Fragments</a:t>
+                        <a:rPr lang="en-US" sz="2800" u="sng" baseline="0" dirty="0" smtClean="0"/>
+                        <a:t>apps</a:t>
                       </a:r>
                       <a:endParaRPr lang="en-US" sz="2800" u="none" dirty="0" smtClean="0">
                         <a:solidFill>
@@ -8373,14 +8518,14 @@
             <p:ph sz="half" idx="2"/>
             <p:extLst>
               <p:ext uri="{D42A27DB-BD31-4B8C-83A1-F6EECF244321}">
-                <p14:modId xmlns:p14="http://schemas.microsoft.com/office/powerpoint/2010/main" val="3112258889"/>
+                <p14:modId xmlns:p14="http://schemas.microsoft.com/office/powerpoint/2010/main" val="1162444405"/>
               </p:ext>
             </p:extLst>
           </p:nvPr>
         </p:nvGraphicFramePr>
         <p:xfrm>
           <a:off x="4412426" y="1600200"/>
-          <a:ext cx="4274374" cy="3866745"/>
+          <a:ext cx="4274374" cy="4725965"/>
         </p:xfrm>
         <a:graphic>
           <a:graphicData uri="http://schemas.openxmlformats.org/drawingml/2006/table">
@@ -8392,7 +8537,7 @@
                 <a:gridCol w="589196"/>
                 <a:gridCol w="3685178"/>
               </a:tblGrid>
-              <a:tr h="375862">
+              <a:tr h="398489">
                 <a:tc>
                   <a:txBody>
                     <a:bodyPr/>
@@ -8422,7 +8567,54 @@
                   <a:tcPr/>
                 </a:tc>
               </a:tr>
-              <a:tr h="957676">
+              <a:tr h="626439">
+                <a:tc>
+                  <a:txBody>
+                    <a:bodyPr/>
+                    <a:lstStyle/>
+                    <a:p>
+                      <a:r>
+                        <a:rPr lang="en-US" sz="2800" dirty="0" smtClean="0"/>
+                        <a:t>3</a:t>
+                      </a:r>
+                      <a:endParaRPr lang="en-US" sz="2800" dirty="0"/>
+                    </a:p>
+                  </a:txBody>
+                  <a:tcPr/>
+                </a:tc>
+                <a:tc>
+                  <a:txBody>
+                    <a:bodyPr/>
+                    <a:lstStyle/>
+                    <a:p>
+                      <a:pPr marL="0" marR="0" indent="0" algn="l" defTabSz="457200" rtl="0" eaLnBrk="1" fontAlgn="auto" latinLnBrk="0" hangingPunct="1">
+                        <a:lnSpc>
+                          <a:spcPct val="100000"/>
+                        </a:lnSpc>
+                        <a:spcBef>
+                          <a:spcPts val="0"/>
+                        </a:spcBef>
+                        <a:spcAft>
+                          <a:spcPts val="0"/>
+                        </a:spcAft>
+                        <a:buClrTx/>
+                        <a:buSzTx/>
+                        <a:buFontTx/>
+                        <a:buNone/>
+                        <a:tabLst/>
+                        <a:defRPr/>
+                      </a:pPr>
+                      <a:r>
+                        <a:rPr lang="en-US" sz="2800" dirty="0" smtClean="0"/>
+                        <a:t>Fragments</a:t>
+                      </a:r>
+                      <a:endParaRPr lang="en-US" sz="2800" dirty="0" smtClean="0"/>
+                    </a:p>
+                  </a:txBody>
+                  <a:tcPr/>
+                </a:tc>
+              </a:tr>
+              <a:tr h="1015329">
                 <a:tc>
                   <a:txBody>
                     <a:bodyPr/>
@@ -8492,7 +8684,7 @@
                   <a:tcPr/>
                 </a:tc>
               </a:tr>
-              <a:tr h="525177">
+              <a:tr h="556793">
                 <a:tc>
                   <a:txBody>
                     <a:bodyPr/>
@@ -8538,7 +8730,7 @@
                   <a:tcPr/>
                 </a:tc>
               </a:tr>
-              <a:tr h="525177">
+              <a:tr h="556793">
                 <a:tc>
                   <a:txBody>
                     <a:bodyPr/>
@@ -8589,7 +8781,7 @@
                   <a:tcPr/>
                 </a:tc>
               </a:tr>
-              <a:tr h="957676">
+              <a:tr h="1015329">
                 <a:tc>
                   <a:txBody>
                     <a:bodyPr/>
@@ -8635,7 +8827,7 @@
                   <a:tcPr/>
                 </a:tc>
               </a:tr>
-              <a:tr h="525177">
+              <a:tr h="556793">
                 <a:tc>
                   <a:txBody>
                     <a:bodyPr/>
@@ -8698,7 +8890,7 @@
   <p:timing>
     <p:tnLst>
       <p:par>
-        <p:cTn xmlns:p14="http://schemas.microsoft.com/office/powerpoint/2010/main" id="1" dur="indefinite" restart="never" nodeType="tmRoot"/>
+        <p:cTn id="1" dur="indefinite" restart="never" nodeType="tmRoot"/>
       </p:par>
     </p:tnLst>
   </p:timing>
@@ -8831,7 +9023,7 @@
   <p:timing>
     <p:tnLst>
       <p:par>
-        <p:cTn xmlns:p14="http://schemas.microsoft.com/office/powerpoint/2010/main" id="1" dur="indefinite" restart="never" nodeType="tmRoot"/>
+        <p:cTn id="1" dur="indefinite" restart="never" nodeType="tmRoot"/>
       </p:par>
     </p:tnLst>
   </p:timing>
@@ -8953,7 +9145,7 @@
   <p:timing>
     <p:tnLst>
       <p:par>
-        <p:cTn xmlns:p14="http://schemas.microsoft.com/office/powerpoint/2010/main" id="1" dur="indefinite" restart="never" nodeType="tmRoot"/>
+        <p:cTn id="1" dur="indefinite" restart="never" nodeType="tmRoot"/>
       </p:par>
     </p:tnLst>
   </p:timing>
@@ -9240,7 +9432,7 @@
   <p:timing>
     <p:tnLst>
       <p:par>
-        <p:cTn xmlns:p14="http://schemas.microsoft.com/office/powerpoint/2010/main" id="1" dur="indefinite" restart="never" nodeType="tmRoot"/>
+        <p:cTn id="1" dur="indefinite" restart="never" nodeType="tmRoot"/>
       </p:par>
     </p:tnLst>
   </p:timing>
@@ -9531,7 +9723,7 @@
   <p:timing>
     <p:tnLst>
       <p:par>
-        <p:cTn xmlns:p14="http://schemas.microsoft.com/office/powerpoint/2010/main" id="1" dur="indefinite" restart="never" nodeType="tmRoot"/>
+        <p:cTn id="1" dur="indefinite" restart="never" nodeType="tmRoot"/>
       </p:par>
     </p:tnLst>
   </p:timing>
@@ -9679,7 +9871,7 @@
   <p:timing>
     <p:tnLst>
       <p:par>
-        <p:cTn xmlns:p14="http://schemas.microsoft.com/office/powerpoint/2010/main" id="1" dur="indefinite" restart="never" nodeType="tmRoot"/>
+        <p:cTn id="1" dur="indefinite" restart="never" nodeType="tmRoot"/>
       </p:par>
     </p:tnLst>
   </p:timing>
@@ -9960,7 +10152,7 @@
   <p:timing>
     <p:tnLst>
       <p:par>
-        <p:cTn xmlns:p14="http://schemas.microsoft.com/office/powerpoint/2010/main" id="1" dur="indefinite" restart="never" nodeType="tmRoot"/>
+        <p:cTn id="1" dur="indefinite" restart="never" nodeType="tmRoot"/>
       </p:par>
     </p:tnLst>
   </p:timing>
@@ -10236,7 +10428,7 @@
   <p:timing>
     <p:tnLst>
       <p:par>
-        <p:cTn xmlns:p14="http://schemas.microsoft.com/office/powerpoint/2010/main" id="1" dur="indefinite" restart="never" nodeType="tmRoot"/>
+        <p:cTn id="1" dur="indefinite" restart="never" nodeType="tmRoot"/>
       </p:par>
     </p:tnLst>
   </p:timing>
@@ -10331,7 +10523,7 @@
         </p:spPr>
         <p:txBody>
           <a:bodyPr>
-            <a:normAutofit lnSpcReduction="10000"/>
+            <a:normAutofit/>
           </a:bodyPr>
           <a:lstStyle>
             <a:lvl1pPr marL="342900" indent="-342900" algn="l" defTabSz="457200" rtl="0" eaLnBrk="1" latinLnBrk="0" hangingPunct="1">
@@ -10506,7 +10698,15 @@
             <a:pPr lvl="1"/>
             <a:r>
               <a:rPr lang="en-US" dirty="0" smtClean="0"/>
-              <a:t>Creating new views (controls)</a:t>
+              <a:t>Creating new views </a:t>
+            </a:r>
+            <a:r>
+              <a:rPr lang="en-US" dirty="0" smtClean="0"/>
+              <a:t>(widgets, aka controls</a:t>
+            </a:r>
+            <a:r>
+              <a:rPr lang="en-US" dirty="0" smtClean="0"/>
+              <a:t>)</a:t>
             </a:r>
           </a:p>
           <a:p>
@@ -10532,7 +10732,7 @@
   <p:timing>
     <p:tnLst>
       <p:par>
-        <p:cTn xmlns:p14="http://schemas.microsoft.com/office/powerpoint/2010/main" id="1" dur="indefinite" restart="never" nodeType="tmRoot"/>
+        <p:cTn id="1" dur="indefinite" restart="never" nodeType="tmRoot"/>
       </p:par>
     </p:tnLst>
   </p:timing>

--- a/Notes and Slides/CIS399Wk2Day4-MultipleActivities.pptx
+++ b/Notes and Slides/CIS399Wk2Day4-MultipleActivities.pptx
@@ -227,7 +227,7 @@
           <a:p>
             <a:fld id="{1FC32AA1-1225-9048-80C3-2B6F58548154}" type="datetimeFigureOut">
               <a:rPr lang="en-US" smtClean="0"/>
-              <a:t>7/6/17</a:t>
+              <a:t>7/5/18</a:t>
             </a:fld>
             <a:endParaRPr lang="en-US"/>
           </a:p>
@@ -291,38 +291,37 @@
           <a:p>
             <a:pPr lvl="0"/>
             <a:r>
-              <a:rPr lang="en-US" smtClean="0"/>
+              <a:rPr lang="en-US"/>
               <a:t>Click to edit Master text styles</a:t>
             </a:r>
           </a:p>
           <a:p>
             <a:pPr lvl="1"/>
             <a:r>
-              <a:rPr lang="en-US" smtClean="0"/>
+              <a:rPr lang="en-US"/>
               <a:t>Second level</a:t>
             </a:r>
           </a:p>
           <a:p>
             <a:pPr lvl="2"/>
             <a:r>
-              <a:rPr lang="en-US" smtClean="0"/>
+              <a:rPr lang="en-US"/>
               <a:t>Third level</a:t>
             </a:r>
           </a:p>
           <a:p>
             <a:pPr lvl="3"/>
             <a:r>
-              <a:rPr lang="en-US" smtClean="0"/>
+              <a:rPr lang="en-US"/>
               <a:t>Fourth level</a:t>
             </a:r>
           </a:p>
           <a:p>
             <a:pPr lvl="4"/>
             <a:r>
-              <a:rPr lang="en-US" smtClean="0"/>
+              <a:rPr lang="en-US"/>
               <a:t>Fifth level</a:t>
             </a:r>
-            <a:endParaRPr lang="en-US"/>
           </a:p>
         </p:txBody>
       </p:sp>
@@ -540,10 +539,9 @@
           <a:lstStyle/>
           <a:p>
             <a:r>
-              <a:rPr lang="en-US" dirty="0" smtClean="0"/>
+              <a:rPr lang="en-US" dirty="0"/>
               <a:t>BD-8 Architecture </a:t>
             </a:r>
-            <a:endParaRPr lang="en-US" dirty="0"/>
           </a:p>
         </p:txBody>
       </p:sp>
@@ -628,19 +626,19 @@
           <a:lstStyle/>
           <a:p>
             <a:r>
-              <a:rPr lang="en-US" dirty="0" smtClean="0"/>
+              <a:rPr lang="en-US" dirty="0"/>
               <a:t>https://</a:t>
             </a:r>
             <a:r>
-              <a:rPr lang="en-US" dirty="0" err="1" smtClean="0"/>
+              <a:rPr lang="en-US" dirty="0" err="1"/>
               <a:t>developer.android.com</a:t>
             </a:r>
             <a:r>
-              <a:rPr lang="en-US" dirty="0" smtClean="0"/>
+              <a:rPr lang="en-US" dirty="0"/>
               <a:t>/guide/components/intents-</a:t>
             </a:r>
             <a:r>
-              <a:rPr lang="en-US" dirty="0" err="1" smtClean="0"/>
+              <a:rPr lang="en-US" dirty="0" err="1"/>
               <a:t>filters.html</a:t>
             </a:r>
             <a:endParaRPr lang="en-US" dirty="0"/>
@@ -728,26 +726,25 @@
           <a:lstStyle/>
           <a:p>
             <a:r>
-              <a:rPr lang="en-US" dirty="0" smtClean="0"/>
+              <a:rPr lang="en-US" dirty="0"/>
               <a:t>https://</a:t>
             </a:r>
             <a:r>
-              <a:rPr lang="en-US" dirty="0" err="1" smtClean="0"/>
+              <a:rPr lang="en-US" dirty="0" err="1"/>
               <a:t>developer.android.com</a:t>
             </a:r>
             <a:r>
-              <a:rPr lang="en-US" dirty="0" smtClean="0"/>
+              <a:rPr lang="en-US" dirty="0"/>
               <a:t>/guide/topics/manifest/manifest-</a:t>
             </a:r>
             <a:r>
-              <a:rPr lang="en-US" dirty="0" err="1" smtClean="0"/>
+              <a:rPr lang="en-US" dirty="0" err="1"/>
               <a:t>intro.html</a:t>
             </a:r>
             <a:r>
-              <a:rPr lang="en-US" dirty="0" smtClean="0"/>
+              <a:rPr lang="en-US" dirty="0"/>
               <a:t> </a:t>
             </a:r>
-            <a:endParaRPr lang="en-US" dirty="0"/>
           </a:p>
         </p:txBody>
       </p:sp>
@@ -832,22 +829,22 @@
           <a:lstStyle/>
           <a:p>
             <a:r>
-              <a:rPr lang="en-US" dirty="0" smtClean="0"/>
+              <a:rPr lang="en-US" dirty="0"/>
               <a:t>&lt;intent-filter&gt; specifies the type of intent</a:t>
             </a:r>
             <a:r>
-              <a:rPr lang="en-US" baseline="0" dirty="0" smtClean="0"/>
+              <a:rPr lang="en-US" baseline="0" dirty="0"/>
               <a:t> that an activity can respond to</a:t>
             </a:r>
-            <a:endParaRPr lang="en-US" dirty="0" smtClean="0"/>
-          </a:p>
-          <a:p>
-            <a:r>
-              <a:rPr lang="en-US" dirty="0" err="1" smtClean="0"/>
+            <a:endParaRPr lang="en-US" dirty="0"/>
+          </a:p>
+          <a:p>
+            <a:r>
+              <a:rPr lang="en-US" dirty="0" err="1"/>
               <a:t>android.intent.action.MAIN</a:t>
             </a:r>
             <a:r>
-              <a:rPr lang="en-US" dirty="0" smtClean="0"/>
+              <a:rPr lang="en-US" dirty="0"/>
               <a:t> means that this activity is the entry point of the application</a:t>
             </a:r>
           </a:p>
@@ -870,15 +867,15 @@
               <a:defRPr/>
             </a:pPr>
             <a:r>
-              <a:rPr lang="en-US" dirty="0" err="1" smtClean="0"/>
+              <a:rPr lang="en-US" dirty="0" err="1"/>
               <a:t>android.intent.category.LAUNCHER</a:t>
             </a:r>
             <a:r>
-              <a:rPr lang="en-US" dirty="0" smtClean="0"/>
+              <a:rPr lang="en-US" dirty="0"/>
               <a:t> means that this activity should be displayed in the top-level</a:t>
             </a:r>
             <a:r>
-              <a:rPr lang="en-US" baseline="0" dirty="0" smtClean="0"/>
+              <a:rPr lang="en-US" baseline="0" dirty="0"/>
               <a:t> launcher</a:t>
             </a:r>
             <a:endParaRPr lang="en-US" dirty="0"/>
@@ -966,19 +963,19 @@
           <a:lstStyle/>
           <a:p>
             <a:r>
-              <a:rPr lang="en-US" dirty="0" smtClean="0"/>
+              <a:rPr lang="en-US" dirty="0"/>
               <a:t>https://</a:t>
             </a:r>
             <a:r>
-              <a:rPr lang="en-US" dirty="0" err="1" smtClean="0"/>
+              <a:rPr lang="en-US" dirty="0" err="1"/>
               <a:t>developer.android.com</a:t>
             </a:r>
             <a:r>
-              <a:rPr lang="en-US" dirty="0" smtClean="0"/>
+              <a:rPr lang="en-US" dirty="0"/>
               <a:t>/design/patterns/</a:t>
             </a:r>
             <a:r>
-              <a:rPr lang="en-US" dirty="0" err="1" smtClean="0"/>
+              <a:rPr lang="en-US" dirty="0" err="1"/>
               <a:t>navigation.html</a:t>
             </a:r>
             <a:endParaRPr lang="en-US" dirty="0"/>
@@ -1066,38 +1063,38 @@
           <a:lstStyle/>
           <a:p>
             <a:r>
-              <a:rPr lang="en-US" dirty="0" smtClean="0"/>
+              <a:rPr lang="en-US" dirty="0"/>
               <a:t>https://</a:t>
             </a:r>
             <a:r>
-              <a:rPr lang="en-US" dirty="0" err="1" smtClean="0"/>
+              <a:rPr lang="en-US" dirty="0" err="1"/>
               <a:t>developer.android.com</a:t>
             </a:r>
             <a:r>
-              <a:rPr lang="en-US" dirty="0" smtClean="0"/>
+              <a:rPr lang="en-US" dirty="0"/>
               <a:t>/reference/android/widget/</a:t>
             </a:r>
             <a:r>
-              <a:rPr lang="en-US" dirty="0" err="1" smtClean="0"/>
+              <a:rPr lang="en-US" dirty="0" err="1"/>
               <a:t>Toolbar.html</a:t>
             </a:r>
-            <a:endParaRPr lang="en-US" dirty="0" smtClean="0"/>
-          </a:p>
-          <a:p>
-            <a:r>
-              <a:rPr lang="en-US" dirty="0" smtClean="0"/>
+            <a:endParaRPr lang="en-US" dirty="0"/>
+          </a:p>
+          <a:p>
+            <a:r>
+              <a:rPr lang="en-US" dirty="0"/>
               <a:t>https://</a:t>
             </a:r>
             <a:r>
-              <a:rPr lang="en-US" dirty="0" err="1" smtClean="0"/>
+              <a:rPr lang="en-US" dirty="0" err="1"/>
               <a:t>developer.android.com</a:t>
             </a:r>
             <a:r>
-              <a:rPr lang="en-US" dirty="0" smtClean="0"/>
+              <a:rPr lang="en-US" dirty="0"/>
               <a:t>/design/patterns/</a:t>
             </a:r>
             <a:r>
-              <a:rPr lang="en-US" dirty="0" err="1" smtClean="0"/>
+              <a:rPr lang="en-US" dirty="0" err="1"/>
               <a:t>actionbar.html</a:t>
             </a:r>
             <a:endParaRPr lang="en-US" dirty="0"/>
@@ -1185,80 +1182,80 @@
           <a:lstStyle/>
           <a:p>
             <a:r>
-              <a:rPr lang="en-US" dirty="0" smtClean="0"/>
+              <a:rPr lang="en-US" dirty="0"/>
               <a:t>Support Library Setup: https://</a:t>
             </a:r>
             <a:r>
-              <a:rPr lang="en-US" dirty="0" err="1" smtClean="0"/>
+              <a:rPr lang="en-US" dirty="0" err="1"/>
               <a:t>developer.android.com</a:t>
             </a:r>
             <a:r>
-              <a:rPr lang="en-US" dirty="0" smtClean="0"/>
+              <a:rPr lang="en-US" dirty="0"/>
               <a:t>/topic/libraries/support-library/</a:t>
             </a:r>
             <a:r>
-              <a:rPr lang="en-US" dirty="0" err="1" smtClean="0"/>
+              <a:rPr lang="en-US" dirty="0" err="1"/>
               <a:t>setup.html</a:t>
             </a:r>
-            <a:endParaRPr lang="en-US" dirty="0" smtClean="0"/>
-          </a:p>
-          <a:p>
-            <a:r>
-              <a:rPr lang="en-US" dirty="0" smtClean="0"/>
+            <a:endParaRPr lang="en-US" dirty="0"/>
+          </a:p>
+          <a:p>
+            <a:r>
+              <a:rPr lang="en-US" dirty="0"/>
               <a:t>Modify</a:t>
             </a:r>
             <a:r>
-              <a:rPr lang="en-US" baseline="0" dirty="0" smtClean="0"/>
+              <a:rPr lang="en-US" baseline="0" dirty="0"/>
               <a:t> </a:t>
             </a:r>
             <a:r>
-              <a:rPr lang="en-US" baseline="0" dirty="0" err="1" smtClean="0"/>
+              <a:rPr lang="en-US" baseline="0" dirty="0" err="1"/>
               <a:t>build.gradle</a:t>
             </a:r>
             <a:r>
-              <a:rPr lang="en-US" baseline="0" dirty="0" smtClean="0"/>
+              <a:rPr lang="en-US" baseline="0" dirty="0"/>
               <a:t> to use your support library: https://</a:t>
             </a:r>
             <a:r>
-              <a:rPr lang="en-US" baseline="0" dirty="0" err="1" smtClean="0"/>
+              <a:rPr lang="en-US" baseline="0" dirty="0" err="1"/>
               <a:t>developer.android.com</a:t>
             </a:r>
             <a:r>
-              <a:rPr lang="en-US" baseline="0" dirty="0" smtClean="0"/>
+              <a:rPr lang="en-US" baseline="0" dirty="0"/>
               <a:t>/topic/libraries/support-library/</a:t>
             </a:r>
             <a:r>
-              <a:rPr lang="en-US" baseline="0" dirty="0" err="1" smtClean="0"/>
+              <a:rPr lang="en-US" baseline="0" dirty="0" err="1"/>
               <a:t>setup.html#libs-with-res</a:t>
             </a:r>
-            <a:endParaRPr lang="en-US" baseline="0" dirty="0" smtClean="0"/>
-          </a:p>
-          <a:p>
-            <a:r>
-              <a:rPr lang="en-US" baseline="0" dirty="0" smtClean="0"/>
+            <a:endParaRPr lang="en-US" baseline="0" dirty="0"/>
+          </a:p>
+          <a:p>
+            <a:r>
+              <a:rPr lang="en-US" baseline="0" dirty="0"/>
               <a:t>Toolbar tutorial: http://</a:t>
             </a:r>
             <a:r>
-              <a:rPr lang="en-US" baseline="0" dirty="0" err="1" smtClean="0"/>
+              <a:rPr lang="en-US" baseline="0" dirty="0" err="1"/>
               <a:t>www.vogella.com</a:t>
             </a:r>
             <a:r>
-              <a:rPr lang="en-US" baseline="0" dirty="0" smtClean="0"/>
+              <a:rPr lang="en-US" baseline="0" dirty="0"/>
               <a:t>/tutorials/</a:t>
             </a:r>
             <a:r>
-              <a:rPr lang="en-US" baseline="0" dirty="0" err="1" smtClean="0"/>
+              <a:rPr lang="en-US" baseline="0" dirty="0" err="1"/>
               <a:t>AndroidActionBar</a:t>
             </a:r>
             <a:r>
-              <a:rPr lang="en-US" baseline="0" dirty="0" smtClean="0"/>
+              <a:rPr lang="en-US" baseline="0" dirty="0"/>
               <a:t>/</a:t>
             </a:r>
             <a:r>
-              <a:rPr lang="en-US" baseline="0" dirty="0" err="1" smtClean="0"/>
+              <a:rPr lang="en-US" baseline="0" dirty="0" err="1"/>
               <a:t>article.html#using-the-toolbar</a:t>
             </a:r>
-            <a:endParaRPr lang="en-US" dirty="0" smtClean="0"/>
+            <a:endParaRPr lang="en-US" dirty="0"/>
           </a:p>
           <a:p>
             <a:endParaRPr lang="en-US" dirty="0"/>
@@ -1339,10 +1336,9 @@
           <a:lstStyle/>
           <a:p>
             <a:r>
-              <a:rPr lang="en-US" smtClean="0"/>
+              <a:rPr lang="en-US"/>
               <a:t>Click to edit Master title style</a:t>
             </a:r>
-            <a:endParaRPr lang="en-US"/>
           </a:p>
         </p:txBody>
       </p:sp>
@@ -1458,10 +1454,9 @@
           </a:lstStyle>
           <a:p>
             <a:r>
-              <a:rPr lang="en-US" smtClean="0"/>
+              <a:rPr lang="en-US"/>
               <a:t>Click to edit Master subtitle style</a:t>
             </a:r>
-            <a:endParaRPr lang="en-US"/>
           </a:p>
         </p:txBody>
       </p:sp>
@@ -1482,7 +1477,7 @@
           <a:p>
             <a:fld id="{12110144-19AD-4D4E-902D-E18AF93089D3}" type="datetimeFigureOut">
               <a:rPr lang="en-US" smtClean="0"/>
-              <a:t>7/6/17</a:t>
+              <a:t>7/5/18</a:t>
             </a:fld>
             <a:endParaRPr lang="en-US"/>
           </a:p>
@@ -1576,10 +1571,9 @@
           <a:lstStyle/>
           <a:p>
             <a:r>
-              <a:rPr lang="en-US" smtClean="0"/>
+              <a:rPr lang="en-US"/>
               <a:t>Click to edit Master title style</a:t>
             </a:r>
-            <a:endParaRPr lang="en-US"/>
           </a:p>
         </p:txBody>
       </p:sp>
@@ -1600,38 +1594,37 @@
           <a:p>
             <a:pPr lvl="0"/>
             <a:r>
-              <a:rPr lang="en-US" smtClean="0"/>
+              <a:rPr lang="en-US"/>
               <a:t>Click to edit Master text styles</a:t>
             </a:r>
           </a:p>
           <a:p>
             <a:pPr lvl="1"/>
             <a:r>
-              <a:rPr lang="en-US" smtClean="0"/>
+              <a:rPr lang="en-US"/>
               <a:t>Second level</a:t>
             </a:r>
           </a:p>
           <a:p>
             <a:pPr lvl="2"/>
             <a:r>
-              <a:rPr lang="en-US" smtClean="0"/>
+              <a:rPr lang="en-US"/>
               <a:t>Third level</a:t>
             </a:r>
           </a:p>
           <a:p>
             <a:pPr lvl="3"/>
             <a:r>
-              <a:rPr lang="en-US" smtClean="0"/>
+              <a:rPr lang="en-US"/>
               <a:t>Fourth level</a:t>
             </a:r>
           </a:p>
           <a:p>
             <a:pPr lvl="4"/>
             <a:r>
-              <a:rPr lang="en-US" smtClean="0"/>
+              <a:rPr lang="en-US"/>
               <a:t>Fifth level</a:t>
             </a:r>
-            <a:endParaRPr lang="en-US"/>
           </a:p>
         </p:txBody>
       </p:sp>
@@ -1652,7 +1645,7 @@
           <a:p>
             <a:fld id="{12110144-19AD-4D4E-902D-E18AF93089D3}" type="datetimeFigureOut">
               <a:rPr lang="en-US" smtClean="0"/>
-              <a:t>7/6/17</a:t>
+              <a:t>7/5/18</a:t>
             </a:fld>
             <a:endParaRPr lang="en-US"/>
           </a:p>
@@ -1751,10 +1744,9 @@
           <a:lstStyle/>
           <a:p>
             <a:r>
-              <a:rPr lang="en-US" smtClean="0"/>
+              <a:rPr lang="en-US"/>
               <a:t>Click to edit Master title style</a:t>
             </a:r>
-            <a:endParaRPr lang="en-US"/>
           </a:p>
         </p:txBody>
       </p:sp>
@@ -1780,38 +1772,37 @@
           <a:p>
             <a:pPr lvl="0"/>
             <a:r>
-              <a:rPr lang="en-US" smtClean="0"/>
+              <a:rPr lang="en-US"/>
               <a:t>Click to edit Master text styles</a:t>
             </a:r>
           </a:p>
           <a:p>
             <a:pPr lvl="1"/>
             <a:r>
-              <a:rPr lang="en-US" smtClean="0"/>
+              <a:rPr lang="en-US"/>
               <a:t>Second level</a:t>
             </a:r>
           </a:p>
           <a:p>
             <a:pPr lvl="2"/>
             <a:r>
-              <a:rPr lang="en-US" smtClean="0"/>
+              <a:rPr lang="en-US"/>
               <a:t>Third level</a:t>
             </a:r>
           </a:p>
           <a:p>
             <a:pPr lvl="3"/>
             <a:r>
-              <a:rPr lang="en-US" smtClean="0"/>
+              <a:rPr lang="en-US"/>
               <a:t>Fourth level</a:t>
             </a:r>
           </a:p>
           <a:p>
             <a:pPr lvl="4"/>
             <a:r>
-              <a:rPr lang="en-US" smtClean="0"/>
+              <a:rPr lang="en-US"/>
               <a:t>Fifth level</a:t>
             </a:r>
-            <a:endParaRPr lang="en-US"/>
           </a:p>
         </p:txBody>
       </p:sp>
@@ -1832,7 +1823,7 @@
           <a:p>
             <a:fld id="{12110144-19AD-4D4E-902D-E18AF93089D3}" type="datetimeFigureOut">
               <a:rPr lang="en-US" smtClean="0"/>
-              <a:t>7/6/17</a:t>
+              <a:t>7/5/18</a:t>
             </a:fld>
             <a:endParaRPr lang="en-US"/>
           </a:p>
@@ -1926,10 +1917,9 @@
           <a:lstStyle/>
           <a:p>
             <a:r>
-              <a:rPr lang="en-US" smtClean="0"/>
+              <a:rPr lang="en-US"/>
               <a:t>Click to edit Master title style</a:t>
             </a:r>
-            <a:endParaRPr lang="en-US"/>
           </a:p>
         </p:txBody>
       </p:sp>
@@ -1950,38 +1940,37 @@
           <a:p>
             <a:pPr lvl="0"/>
             <a:r>
-              <a:rPr lang="en-US" smtClean="0"/>
+              <a:rPr lang="en-US"/>
               <a:t>Click to edit Master text styles</a:t>
             </a:r>
           </a:p>
           <a:p>
             <a:pPr lvl="1"/>
             <a:r>
-              <a:rPr lang="en-US" smtClean="0"/>
+              <a:rPr lang="en-US"/>
               <a:t>Second level</a:t>
             </a:r>
           </a:p>
           <a:p>
             <a:pPr lvl="2"/>
             <a:r>
-              <a:rPr lang="en-US" smtClean="0"/>
+              <a:rPr lang="en-US"/>
               <a:t>Third level</a:t>
             </a:r>
           </a:p>
           <a:p>
             <a:pPr lvl="3"/>
             <a:r>
-              <a:rPr lang="en-US" smtClean="0"/>
+              <a:rPr lang="en-US"/>
               <a:t>Fourth level</a:t>
             </a:r>
           </a:p>
           <a:p>
             <a:pPr lvl="4"/>
             <a:r>
-              <a:rPr lang="en-US" smtClean="0"/>
+              <a:rPr lang="en-US"/>
               <a:t>Fifth level</a:t>
             </a:r>
-            <a:endParaRPr lang="en-US"/>
           </a:p>
         </p:txBody>
       </p:sp>
@@ -2002,7 +1991,7 @@
           <a:p>
             <a:fld id="{12110144-19AD-4D4E-902D-E18AF93089D3}" type="datetimeFigureOut">
               <a:rPr lang="en-US" smtClean="0"/>
-              <a:t>7/6/17</a:t>
+              <a:t>7/5/18</a:t>
             </a:fld>
             <a:endParaRPr lang="en-US"/>
           </a:p>
@@ -2105,10 +2094,9 @@
           </a:lstStyle>
           <a:p>
             <a:r>
-              <a:rPr lang="en-US" smtClean="0"/>
+              <a:rPr lang="en-US"/>
               <a:t>Click to edit Master title style</a:t>
             </a:r>
-            <a:endParaRPr lang="en-US"/>
           </a:p>
         </p:txBody>
       </p:sp>
@@ -2225,7 +2213,7 @@
           <a:p>
             <a:pPr lvl="0"/>
             <a:r>
-              <a:rPr lang="en-US" smtClean="0"/>
+              <a:rPr lang="en-US"/>
               <a:t>Click to edit Master text styles</a:t>
             </a:r>
           </a:p>
@@ -2248,7 +2236,7 @@
           <a:p>
             <a:fld id="{12110144-19AD-4D4E-902D-E18AF93089D3}" type="datetimeFigureOut">
               <a:rPr lang="en-US" smtClean="0"/>
-              <a:t>7/6/17</a:t>
+              <a:t>7/5/18</a:t>
             </a:fld>
             <a:endParaRPr lang="en-US"/>
           </a:p>
@@ -2342,10 +2330,9 @@
           <a:lstStyle/>
           <a:p>
             <a:r>
-              <a:rPr lang="en-US" smtClean="0"/>
+              <a:rPr lang="en-US"/>
               <a:t>Click to edit Master title style</a:t>
             </a:r>
-            <a:endParaRPr lang="en-US"/>
           </a:p>
         </p:txBody>
       </p:sp>
@@ -2399,38 +2386,37 @@
           <a:p>
             <a:pPr lvl="0"/>
             <a:r>
-              <a:rPr lang="en-US" smtClean="0"/>
+              <a:rPr lang="en-US"/>
               <a:t>Click to edit Master text styles</a:t>
             </a:r>
           </a:p>
           <a:p>
             <a:pPr lvl="1"/>
             <a:r>
-              <a:rPr lang="en-US" smtClean="0"/>
+              <a:rPr lang="en-US"/>
               <a:t>Second level</a:t>
             </a:r>
           </a:p>
           <a:p>
             <a:pPr lvl="2"/>
             <a:r>
-              <a:rPr lang="en-US" smtClean="0"/>
+              <a:rPr lang="en-US"/>
               <a:t>Third level</a:t>
             </a:r>
           </a:p>
           <a:p>
             <a:pPr lvl="3"/>
             <a:r>
-              <a:rPr lang="en-US" smtClean="0"/>
+              <a:rPr lang="en-US"/>
               <a:t>Fourth level</a:t>
             </a:r>
           </a:p>
           <a:p>
             <a:pPr lvl="4"/>
             <a:r>
-              <a:rPr lang="en-US" smtClean="0"/>
+              <a:rPr lang="en-US"/>
               <a:t>Fifth level</a:t>
             </a:r>
-            <a:endParaRPr lang="en-US"/>
           </a:p>
         </p:txBody>
       </p:sp>
@@ -2484,38 +2470,37 @@
           <a:p>
             <a:pPr lvl="0"/>
             <a:r>
-              <a:rPr lang="en-US" smtClean="0"/>
+              <a:rPr lang="en-US"/>
               <a:t>Click to edit Master text styles</a:t>
             </a:r>
           </a:p>
           <a:p>
             <a:pPr lvl="1"/>
             <a:r>
-              <a:rPr lang="en-US" smtClean="0"/>
+              <a:rPr lang="en-US"/>
               <a:t>Second level</a:t>
             </a:r>
           </a:p>
           <a:p>
             <a:pPr lvl="2"/>
             <a:r>
-              <a:rPr lang="en-US" smtClean="0"/>
+              <a:rPr lang="en-US"/>
               <a:t>Third level</a:t>
             </a:r>
           </a:p>
           <a:p>
             <a:pPr lvl="3"/>
             <a:r>
-              <a:rPr lang="en-US" smtClean="0"/>
+              <a:rPr lang="en-US"/>
               <a:t>Fourth level</a:t>
             </a:r>
           </a:p>
           <a:p>
             <a:pPr lvl="4"/>
             <a:r>
-              <a:rPr lang="en-US" smtClean="0"/>
+              <a:rPr lang="en-US"/>
               <a:t>Fifth level</a:t>
             </a:r>
-            <a:endParaRPr lang="en-US"/>
           </a:p>
         </p:txBody>
       </p:sp>
@@ -2536,7 +2521,7 @@
           <a:p>
             <a:fld id="{12110144-19AD-4D4E-902D-E18AF93089D3}" type="datetimeFigureOut">
               <a:rPr lang="en-US" smtClean="0"/>
-              <a:t>7/6/17</a:t>
+              <a:t>7/5/18</a:t>
             </a:fld>
             <a:endParaRPr lang="en-US"/>
           </a:p>
@@ -2634,10 +2619,9 @@
           </a:lstStyle>
           <a:p>
             <a:r>
-              <a:rPr lang="en-US" smtClean="0"/>
+              <a:rPr lang="en-US"/>
               <a:t>Click to edit Master title style</a:t>
             </a:r>
-            <a:endParaRPr lang="en-US"/>
           </a:p>
         </p:txBody>
       </p:sp>
@@ -2700,7 +2684,7 @@
           <a:p>
             <a:pPr lvl="0"/>
             <a:r>
-              <a:rPr lang="en-US" smtClean="0"/>
+              <a:rPr lang="en-US"/>
               <a:t>Click to edit Master text styles</a:t>
             </a:r>
           </a:p>
@@ -2756,38 +2740,37 @@
           <a:p>
             <a:pPr lvl="0"/>
             <a:r>
-              <a:rPr lang="en-US" smtClean="0"/>
+              <a:rPr lang="en-US"/>
               <a:t>Click to edit Master text styles</a:t>
             </a:r>
           </a:p>
           <a:p>
             <a:pPr lvl="1"/>
             <a:r>
-              <a:rPr lang="en-US" smtClean="0"/>
+              <a:rPr lang="en-US"/>
               <a:t>Second level</a:t>
             </a:r>
           </a:p>
           <a:p>
             <a:pPr lvl="2"/>
             <a:r>
-              <a:rPr lang="en-US" smtClean="0"/>
+              <a:rPr lang="en-US"/>
               <a:t>Third level</a:t>
             </a:r>
           </a:p>
           <a:p>
             <a:pPr lvl="3"/>
             <a:r>
-              <a:rPr lang="en-US" smtClean="0"/>
+              <a:rPr lang="en-US"/>
               <a:t>Fourth level</a:t>
             </a:r>
           </a:p>
           <a:p>
             <a:pPr lvl="4"/>
             <a:r>
-              <a:rPr lang="en-US" smtClean="0"/>
+              <a:rPr lang="en-US"/>
               <a:t>Fifth level</a:t>
             </a:r>
-            <a:endParaRPr lang="en-US"/>
           </a:p>
         </p:txBody>
       </p:sp>
@@ -2850,7 +2833,7 @@
           <a:p>
             <a:pPr lvl="0"/>
             <a:r>
-              <a:rPr lang="en-US" smtClean="0"/>
+              <a:rPr lang="en-US"/>
               <a:t>Click to edit Master text styles</a:t>
             </a:r>
           </a:p>
@@ -2906,38 +2889,37 @@
           <a:p>
             <a:pPr lvl="0"/>
             <a:r>
-              <a:rPr lang="en-US" smtClean="0"/>
+              <a:rPr lang="en-US"/>
               <a:t>Click to edit Master text styles</a:t>
             </a:r>
           </a:p>
           <a:p>
             <a:pPr lvl="1"/>
             <a:r>
-              <a:rPr lang="en-US" smtClean="0"/>
+              <a:rPr lang="en-US"/>
               <a:t>Second level</a:t>
             </a:r>
           </a:p>
           <a:p>
             <a:pPr lvl="2"/>
             <a:r>
-              <a:rPr lang="en-US" smtClean="0"/>
+              <a:rPr lang="en-US"/>
               <a:t>Third level</a:t>
             </a:r>
           </a:p>
           <a:p>
             <a:pPr lvl="3"/>
             <a:r>
-              <a:rPr lang="en-US" smtClean="0"/>
+              <a:rPr lang="en-US"/>
               <a:t>Fourth level</a:t>
             </a:r>
           </a:p>
           <a:p>
             <a:pPr lvl="4"/>
             <a:r>
-              <a:rPr lang="en-US" smtClean="0"/>
+              <a:rPr lang="en-US"/>
               <a:t>Fifth level</a:t>
             </a:r>
-            <a:endParaRPr lang="en-US"/>
           </a:p>
         </p:txBody>
       </p:sp>
@@ -2958,7 +2940,7 @@
           <a:p>
             <a:fld id="{12110144-19AD-4D4E-902D-E18AF93089D3}" type="datetimeFigureOut">
               <a:rPr lang="en-US" smtClean="0"/>
-              <a:t>7/6/17</a:t>
+              <a:t>7/5/18</a:t>
             </a:fld>
             <a:endParaRPr lang="en-US"/>
           </a:p>
@@ -3052,10 +3034,9 @@
           <a:lstStyle/>
           <a:p>
             <a:r>
-              <a:rPr lang="en-US" smtClean="0"/>
+              <a:rPr lang="en-US"/>
               <a:t>Click to edit Master title style</a:t>
             </a:r>
-            <a:endParaRPr lang="en-US"/>
           </a:p>
         </p:txBody>
       </p:sp>
@@ -3076,7 +3057,7 @@
           <a:p>
             <a:fld id="{12110144-19AD-4D4E-902D-E18AF93089D3}" type="datetimeFigureOut">
               <a:rPr lang="en-US" smtClean="0"/>
-              <a:t>7/6/17</a:t>
+              <a:t>7/5/18</a:t>
             </a:fld>
             <a:endParaRPr lang="en-US"/>
           </a:p>
@@ -3171,7 +3152,7 @@
           <a:p>
             <a:fld id="{12110144-19AD-4D4E-902D-E18AF93089D3}" type="datetimeFigureOut">
               <a:rPr lang="en-US" smtClean="0"/>
-              <a:t>7/6/17</a:t>
+              <a:t>7/5/18</a:t>
             </a:fld>
             <a:endParaRPr lang="en-US"/>
           </a:p>
@@ -3274,10 +3255,9 @@
           </a:lstStyle>
           <a:p>
             <a:r>
-              <a:rPr lang="en-US" smtClean="0"/>
+              <a:rPr lang="en-US"/>
               <a:t>Click to edit Master title style</a:t>
             </a:r>
-            <a:endParaRPr lang="en-US"/>
           </a:p>
         </p:txBody>
       </p:sp>
@@ -3331,38 +3311,37 @@
           <a:p>
             <a:pPr lvl="0"/>
             <a:r>
-              <a:rPr lang="en-US" smtClean="0"/>
+              <a:rPr lang="en-US"/>
               <a:t>Click to edit Master text styles</a:t>
             </a:r>
           </a:p>
           <a:p>
             <a:pPr lvl="1"/>
             <a:r>
-              <a:rPr lang="en-US" smtClean="0"/>
+              <a:rPr lang="en-US"/>
               <a:t>Second level</a:t>
             </a:r>
           </a:p>
           <a:p>
             <a:pPr lvl="2"/>
             <a:r>
-              <a:rPr lang="en-US" smtClean="0"/>
+              <a:rPr lang="en-US"/>
               <a:t>Third level</a:t>
             </a:r>
           </a:p>
           <a:p>
             <a:pPr lvl="3"/>
             <a:r>
-              <a:rPr lang="en-US" smtClean="0"/>
+              <a:rPr lang="en-US"/>
               <a:t>Fourth level</a:t>
             </a:r>
           </a:p>
           <a:p>
             <a:pPr lvl="4"/>
             <a:r>
-              <a:rPr lang="en-US" smtClean="0"/>
+              <a:rPr lang="en-US"/>
               <a:t>Fifth level</a:t>
             </a:r>
-            <a:endParaRPr lang="en-US"/>
           </a:p>
         </p:txBody>
       </p:sp>
@@ -3425,7 +3404,7 @@
           <a:p>
             <a:pPr lvl="0"/>
             <a:r>
-              <a:rPr lang="en-US" smtClean="0"/>
+              <a:rPr lang="en-US"/>
               <a:t>Click to edit Master text styles</a:t>
             </a:r>
           </a:p>
@@ -3448,7 +3427,7 @@
           <a:p>
             <a:fld id="{12110144-19AD-4D4E-902D-E18AF93089D3}" type="datetimeFigureOut">
               <a:rPr lang="en-US" smtClean="0"/>
-              <a:t>7/6/17</a:t>
+              <a:t>7/5/18</a:t>
             </a:fld>
             <a:endParaRPr lang="en-US"/>
           </a:p>
@@ -3551,10 +3530,9 @@
           </a:lstStyle>
           <a:p>
             <a:r>
-              <a:rPr lang="en-US" smtClean="0"/>
+              <a:rPr lang="en-US"/>
               <a:t>Click to edit Master title style</a:t>
             </a:r>
-            <a:endParaRPr lang="en-US"/>
           </a:p>
         </p:txBody>
       </p:sp>
@@ -3678,7 +3656,7 @@
           <a:p>
             <a:pPr lvl="0"/>
             <a:r>
-              <a:rPr lang="en-US" smtClean="0"/>
+              <a:rPr lang="en-US"/>
               <a:t>Click to edit Master text styles</a:t>
             </a:r>
           </a:p>
@@ -3701,7 +3679,7 @@
           <a:p>
             <a:fld id="{12110144-19AD-4D4E-902D-E18AF93089D3}" type="datetimeFigureOut">
               <a:rPr lang="en-US" smtClean="0"/>
-              <a:t>7/6/17</a:t>
+              <a:t>7/5/18</a:t>
             </a:fld>
             <a:endParaRPr lang="en-US"/>
           </a:p>
@@ -3828,10 +3806,9 @@
           <a:lstStyle/>
           <a:p>
             <a:r>
-              <a:rPr lang="en-US" smtClean="0"/>
+              <a:rPr lang="en-US"/>
               <a:t>Click to edit Master title style</a:t>
             </a:r>
-            <a:endParaRPr lang="en-US"/>
           </a:p>
         </p:txBody>
       </p:sp>
@@ -3862,38 +3839,37 @@
           <a:p>
             <a:pPr lvl="0"/>
             <a:r>
-              <a:rPr lang="en-US" smtClean="0"/>
+              <a:rPr lang="en-US"/>
               <a:t>Click to edit Master text styles</a:t>
             </a:r>
           </a:p>
           <a:p>
             <a:pPr lvl="1"/>
             <a:r>
-              <a:rPr lang="en-US" smtClean="0"/>
+              <a:rPr lang="en-US"/>
               <a:t>Second level</a:t>
             </a:r>
           </a:p>
           <a:p>
             <a:pPr lvl="2"/>
             <a:r>
-              <a:rPr lang="en-US" smtClean="0"/>
+              <a:rPr lang="en-US"/>
               <a:t>Third level</a:t>
             </a:r>
           </a:p>
           <a:p>
             <a:pPr lvl="3"/>
             <a:r>
-              <a:rPr lang="en-US" smtClean="0"/>
+              <a:rPr lang="en-US"/>
               <a:t>Fourth level</a:t>
             </a:r>
           </a:p>
           <a:p>
             <a:pPr lvl="4"/>
             <a:r>
-              <a:rPr lang="en-US" smtClean="0"/>
+              <a:rPr lang="en-US"/>
               <a:t>Fifth level</a:t>
             </a:r>
-            <a:endParaRPr lang="en-US"/>
           </a:p>
         </p:txBody>
       </p:sp>
@@ -3932,7 +3908,7 @@
           <a:p>
             <a:fld id="{12110144-19AD-4D4E-902D-E18AF93089D3}" type="datetimeFigureOut">
               <a:rPr lang="en-US" smtClean="0"/>
-              <a:t>7/6/17</a:t>
+              <a:t>7/5/18</a:t>
             </a:fld>
             <a:endParaRPr lang="en-US"/>
           </a:p>
@@ -4348,10 +4324,9 @@
               </a:spcAft>
             </a:pPr>
             <a:r>
-              <a:rPr lang="en-US" sz="8800" b="1" dirty="0" smtClean="0"/>
+              <a:rPr lang="en-US" sz="8800" b="1" dirty="0"/>
               <a:t>Multi-screen Apps</a:t>
             </a:r>
-            <a:endParaRPr lang="en-US" sz="8800" b="1" dirty="0"/>
           </a:p>
         </p:txBody>
       </p:sp>
@@ -4378,18 +4353,13 @@
           <a:lstStyle/>
           <a:p>
             <a:r>
-              <a:rPr lang="en-US" sz="4400" dirty="0" smtClean="0">
+              <a:rPr lang="en-US" sz="4400" dirty="0">
                 <a:solidFill>
                   <a:schemeClr val="tx1"/>
                 </a:solidFill>
               </a:rPr>
               <a:t>CIS 399</a:t>
             </a:r>
-            <a:endParaRPr lang="en-US" sz="4400" dirty="0">
-              <a:solidFill>
-                <a:schemeClr val="tx1"/>
-              </a:solidFill>
-            </a:endParaRPr>
           </a:p>
         </p:txBody>
       </p:sp>
@@ -4403,13 +4373,6 @@
   <p:clrMapOvr>
     <a:masterClrMapping/>
   </p:clrMapOvr>
-  <p:timing>
-    <p:tnLst>
-      <p:par>
-        <p:cTn id="1" dur="indefinite" restart="never" nodeType="tmRoot"/>
-      </p:par>
-    </p:tnLst>
-  </p:timing>
 </p:sld>
 </file>
 
@@ -4467,18 +4430,13 @@
           </a:lstStyle>
           <a:p>
             <a:r>
-              <a:rPr lang="en-US" dirty="0" smtClean="0">
+              <a:rPr lang="en-US" dirty="0">
                 <a:solidFill>
                   <a:srgbClr val="2D2DB9"/>
                 </a:solidFill>
               </a:rPr>
               <a:t>Intent class</a:t>
             </a:r>
-            <a:endParaRPr lang="en-US" dirty="0">
-              <a:solidFill>
-                <a:srgbClr val="2D2DB9"/>
-              </a:solidFill>
-            </a:endParaRPr>
           </a:p>
         </p:txBody>
       </p:sp>
@@ -4640,38 +4598,37 @@
           </a:lstStyle>
           <a:p>
             <a:r>
-              <a:rPr lang="en-US" dirty="0" smtClean="0"/>
+              <a:rPr lang="en-US" dirty="0"/>
               <a:t>A class that contains a message</a:t>
             </a:r>
           </a:p>
           <a:p>
             <a:pPr lvl="1"/>
             <a:r>
-              <a:rPr lang="en-US" dirty="0" smtClean="0"/>
+              <a:rPr lang="en-US" dirty="0"/>
               <a:t>It specifies an action for the OS or an activity to perform</a:t>
             </a:r>
           </a:p>
           <a:p>
             <a:pPr lvl="2"/>
             <a:r>
-              <a:rPr lang="en-US" dirty="0" smtClean="0"/>
+              <a:rPr lang="en-US" dirty="0"/>
               <a:t>Most often used to start activities</a:t>
             </a:r>
           </a:p>
           <a:p>
             <a:pPr lvl="2"/>
             <a:r>
-              <a:rPr lang="en-US" dirty="0" smtClean="0"/>
+              <a:rPr lang="en-US" dirty="0"/>
               <a:t>Can also start services or deliver broadcasts</a:t>
             </a:r>
           </a:p>
           <a:p>
             <a:pPr lvl="1"/>
             <a:r>
-              <a:rPr lang="en-US" dirty="0" smtClean="0"/>
+              <a:rPr lang="en-US" dirty="0"/>
               <a:t>It can carry data</a:t>
             </a:r>
-            <a:endParaRPr lang="en-US" dirty="0"/>
           </a:p>
         </p:txBody>
       </p:sp>
@@ -4685,13 +4642,6 @@
   <p:clrMapOvr>
     <a:masterClrMapping/>
   </p:clrMapOvr>
-  <p:timing>
-    <p:tnLst>
-      <p:par>
-        <p:cTn id="1" dur="indefinite" restart="never" nodeType="tmRoot"/>
-      </p:par>
-    </p:tnLst>
-  </p:timing>
 </p:sld>
 </file>
 
@@ -4749,7 +4699,7 @@
           </a:lstStyle>
           <a:p>
             <a:r>
-              <a:rPr lang="en-US" dirty="0" err="1" smtClean="0">
+              <a:rPr lang="en-US" dirty="0" err="1">
                 <a:solidFill>
                   <a:srgbClr val="2D2DB9"/>
                 </a:solidFill>
@@ -4922,54 +4872,36 @@
           </a:lstStyle>
           <a:p>
             <a:r>
-              <a:rPr lang="en-US" dirty="0" smtClean="0"/>
+              <a:rPr lang="en-US" dirty="0"/>
               <a:t>Required for every application</a:t>
             </a:r>
           </a:p>
           <a:p>
             <a:r>
-              <a:rPr lang="en-US" dirty="0" smtClean="0"/>
+              <a:rPr lang="en-US" dirty="0"/>
               <a:t>Registers information about the app:</a:t>
             </a:r>
           </a:p>
           <a:p>
             <a:pPr lvl="1"/>
             <a:r>
-              <a:rPr lang="en-US" dirty="0" smtClean="0"/>
-              <a:t>Components that make up the application (including </a:t>
-            </a:r>
-            <a:r>
               <a:rPr lang="en-US" dirty="0"/>
-              <a:t>a</a:t>
-            </a:r>
-            <a:r>
-              <a:rPr lang="en-US" dirty="0" smtClean="0"/>
-              <a:t>ctivities, </a:t>
-            </a:r>
+              <a:t>Components that make up the application (including activities, services, broadcast receivers, and content providers)</a:t>
+            </a:r>
+          </a:p>
+          <a:p>
+            <a:pPr lvl="1"/>
             <a:r>
               <a:rPr lang="en-US" dirty="0"/>
-              <a:t>services, broadcast receivers, and content providers</a:t>
-            </a:r>
-            <a:r>
-              <a:rPr lang="en-US" dirty="0" smtClean="0"/>
-              <a:t>)</a:t>
-            </a:r>
-            <a:endParaRPr lang="en-US" dirty="0" smtClean="0"/>
+              <a:t>Required permissions</a:t>
+            </a:r>
           </a:p>
           <a:p>
             <a:pPr lvl="1"/>
             <a:r>
-              <a:rPr lang="en-US" dirty="0" smtClean="0"/>
-              <a:t>Required permissions</a:t>
-            </a:r>
-          </a:p>
-          <a:p>
-            <a:pPr lvl="1"/>
-            <a:r>
-              <a:rPr lang="en-US" dirty="0" smtClean="0"/>
+              <a:rPr lang="en-US" dirty="0"/>
               <a:t>Minimum OS version supported</a:t>
             </a:r>
-            <a:endParaRPr lang="en-US" dirty="0"/>
           </a:p>
         </p:txBody>
       </p:sp>
@@ -4983,13 +4915,6 @@
   <p:clrMapOvr>
     <a:masterClrMapping/>
   </p:clrMapOvr>
-  <p:timing>
-    <p:tnLst>
-      <p:par>
-        <p:cTn id="1" dur="indefinite" restart="never" nodeType="tmRoot"/>
-      </p:par>
-    </p:tnLst>
-  </p:timing>
 </p:sld>
 </file>
 
@@ -5047,18 +4972,13 @@
           </a:lstStyle>
           <a:p>
             <a:r>
-              <a:rPr lang="en-US" dirty="0" smtClean="0">
+              <a:rPr lang="en-US" dirty="0">
                 <a:solidFill>
                   <a:srgbClr val="2D2DB9"/>
                 </a:solidFill>
               </a:rPr>
               <a:t>Activity Lifecycle</a:t>
             </a:r>
-            <a:endParaRPr lang="en-US" dirty="0">
-              <a:solidFill>
-                <a:srgbClr val="2D2DB9"/>
-              </a:solidFill>
-            </a:endParaRPr>
           </a:p>
         </p:txBody>
       </p:sp>
@@ -5108,18 +5028,9 @@
           <a:lstStyle/>
           <a:p>
             <a:r>
-              <a:rPr lang="en-US" dirty="0" smtClean="0"/>
-              <a:t>From </a:t>
-            </a:r>
-            <a:r>
               <a:rPr lang="en-US" dirty="0"/>
-              <a:t>http://developer.android.com/training/basics/activity-lifecycle</a:t>
-            </a:r>
-            <a:r>
-              <a:rPr lang="en-US" dirty="0" smtClean="0"/>
-              <a:t>/</a:t>
-            </a:r>
-            <a:endParaRPr lang="en-US" dirty="0"/>
+              <a:t>From http://developer.android.com/training/basics/activity-lifecycle/</a:t>
+            </a:r>
           </a:p>
         </p:txBody>
       </p:sp>
@@ -5133,13 +5044,6 @@
   <p:clrMapOvr>
     <a:masterClrMapping/>
   </p:clrMapOvr>
-  <p:timing>
-    <p:tnLst>
-      <p:par>
-        <p:cTn id="1" dur="indefinite" restart="never" nodeType="tmRoot"/>
-      </p:par>
-    </p:tnLst>
-  </p:timing>
 </p:sld>
 </file>
 
@@ -5206,7 +5110,7 @@
           <a:p>
             <a:pPr algn="ctr"/>
             <a:r>
-              <a:rPr lang="en-US" sz="6600" dirty="0" smtClean="0">
+              <a:rPr lang="en-US" sz="6600" dirty="0">
                 <a:solidFill>
                   <a:srgbClr val="2D2DB9"/>
                 </a:solidFill>
@@ -5217,18 +5121,13 @@
           <a:p>
             <a:pPr algn="ctr"/>
             <a:r>
-              <a:rPr lang="en-US" sz="6600" dirty="0" smtClean="0">
+              <a:rPr lang="en-US" sz="6600" dirty="0">
                 <a:solidFill>
                   <a:srgbClr val="2D2DB9"/>
                 </a:solidFill>
               </a:rPr>
               <a:t>Activity</a:t>
             </a:r>
-            <a:endParaRPr lang="en-US" sz="6600" dirty="0">
-              <a:solidFill>
-                <a:srgbClr val="2D2DB9"/>
-              </a:solidFill>
-            </a:endParaRPr>
           </a:p>
         </p:txBody>
       </p:sp>
@@ -5266,13 +5165,6 @@
   <p:clrMapOvr>
     <a:masterClrMapping/>
   </p:clrMapOvr>
-  <p:timing>
-    <p:tnLst>
-      <p:par>
-        <p:cTn id="1" dur="indefinite" restart="never" nodeType="tmRoot"/>
-      </p:par>
-    </p:tnLst>
-  </p:timing>
 </p:sld>
 </file>
 
@@ -5316,18 +5208,13 @@
           <a:lstStyle/>
           <a:p>
             <a:r>
-              <a:rPr lang="en-US" dirty="0" smtClean="0">
+              <a:rPr lang="en-US" dirty="0">
                 <a:solidFill>
                   <a:srgbClr val="2D2DB9"/>
                 </a:solidFill>
               </a:rPr>
               <a:t>Activity Launched by the App</a:t>
             </a:r>
-            <a:endParaRPr lang="en-US" dirty="0">
-              <a:solidFill>
-                <a:srgbClr val="2D2DB9"/>
-              </a:solidFill>
-            </a:endParaRPr>
           </a:p>
         </p:txBody>
       </p:sp>
@@ -5359,23 +5246,22 @@
           <a:lstStyle/>
           <a:p>
             <a:r>
-              <a:rPr lang="en-US" dirty="0" smtClean="0"/>
+              <a:rPr lang="en-US" dirty="0"/>
               <a:t>Each app must have an activity that is started when the app is launched. </a:t>
             </a:r>
           </a:p>
           <a:p>
             <a:r>
-              <a:rPr lang="en-US" dirty="0" smtClean="0"/>
+              <a:rPr lang="en-US" dirty="0"/>
               <a:t>This activity is specified in the manifest:</a:t>
             </a:r>
-            <a:endParaRPr lang="en-US" dirty="0"/>
           </a:p>
           <a:p>
             <a:pPr marL="0" indent="0">
               <a:buNone/>
             </a:pPr>
             <a:r>
-              <a:rPr lang="en-US" sz="2200" dirty="0" smtClean="0">
+              <a:rPr lang="en-US" sz="2200" dirty="0">
                 <a:latin typeface="Menlo"/>
               </a:rPr>
               <a:t>&lt;</a:t>
@@ -5404,19 +5290,10 @@
                 </a:solidFill>
                 <a:latin typeface="Menlo"/>
               </a:rPr>
-              <a:t> </a:t>
-            </a:r>
-            <a:r>
-              <a:rPr lang="en-US" sz="2200" b="1" dirty="0" smtClean="0">
-                <a:solidFill>
-                  <a:srgbClr val="000080"/>
-                </a:solidFill>
-                <a:latin typeface="Menlo"/>
-              </a:rPr>
-              <a:t> </a:t>
-            </a:r>
-            <a:r>
-              <a:rPr lang="en-US" sz="2200" b="1" dirty="0" err="1" smtClean="0">
+              <a:t>  </a:t>
+            </a:r>
+            <a:r>
+              <a:rPr lang="en-US" sz="2200" b="1" dirty="0" err="1">
                 <a:solidFill>
                   <a:srgbClr val="660E7A"/>
                 </a:solidFill>
@@ -5425,7 +5302,7 @@
               <a:t>android</a:t>
             </a:r>
             <a:r>
-              <a:rPr lang="en-US" sz="2200" b="1" dirty="0" err="1" smtClean="0">
+              <a:rPr lang="en-US" sz="2200" b="1" dirty="0" err="1">
                 <a:solidFill>
                   <a:srgbClr val="0000FF"/>
                 </a:solidFill>
@@ -5466,19 +5343,10 @@
                 </a:solidFill>
                 <a:latin typeface="Menlo"/>
               </a:rPr>
-              <a:t> </a:t>
-            </a:r>
-            <a:r>
-              <a:rPr lang="en-US" sz="2200" b="1" dirty="0" smtClean="0">
-                <a:solidFill>
-                  <a:srgbClr val="008000"/>
-                </a:solidFill>
-                <a:latin typeface="Menlo"/>
-              </a:rPr>
-              <a:t> </a:t>
-            </a:r>
-            <a:r>
-              <a:rPr lang="en-US" sz="2200" b="1" dirty="0" err="1" smtClean="0">
+              <a:t>  </a:t>
+            </a:r>
+            <a:r>
+              <a:rPr lang="en-US" sz="2200" b="1" dirty="0" err="1">
                 <a:solidFill>
                   <a:srgbClr val="660E7A"/>
                 </a:solidFill>
@@ -5487,7 +5355,7 @@
               <a:t>android</a:t>
             </a:r>
             <a:r>
-              <a:rPr lang="en-US" sz="2200" b="1" dirty="0" err="1" smtClean="0">
+              <a:rPr lang="en-US" sz="2200" b="1" dirty="0" err="1">
                 <a:solidFill>
                   <a:srgbClr val="0000FF"/>
                 </a:solidFill>
@@ -5555,16 +5423,7 @@
                 </a:solidFill>
                 <a:latin typeface="Menlo"/>
               </a:rPr>
-              <a:t> </a:t>
-            </a:r>
-            <a:r>
-              <a:rPr lang="en-US" sz="2200" dirty="0" smtClean="0">
-                <a:solidFill>
-                  <a:srgbClr val="000000"/>
-                </a:solidFill>
-                <a:latin typeface="Menlo"/>
-              </a:rPr>
-              <a:t> &lt;</a:t>
+              <a:t>  &lt;</a:t>
             </a:r>
             <a:r>
               <a:rPr lang="en-US" sz="2200" b="1" dirty="0">
@@ -5599,19 +5458,10 @@
                 </a:solidFill>
                 <a:latin typeface="Menlo"/>
               </a:rPr>
-              <a:t>  </a:t>
-            </a:r>
-            <a:r>
-              <a:rPr lang="en-US" sz="2200" i="1" dirty="0" smtClean="0">
-                <a:solidFill>
-                  <a:srgbClr val="000000"/>
-                </a:solidFill>
-                <a:latin typeface="Menlo"/>
-              </a:rPr>
-              <a:t>  &lt;</a:t>
-            </a:r>
-            <a:r>
-              <a:rPr lang="en-US" sz="2200" b="1" i="1" dirty="0" smtClean="0">
+              <a:t>    &lt;</a:t>
+            </a:r>
+            <a:r>
+              <a:rPr lang="en-US" sz="2200" b="1" i="1" dirty="0">
                 <a:solidFill>
                   <a:srgbClr val="000080"/>
                 </a:solidFill>
@@ -5620,7 +5470,7 @@
               <a:t>action </a:t>
             </a:r>
             <a:r>
-              <a:rPr lang="en-US" sz="2200" b="1" i="1" dirty="0" err="1" smtClean="0">
+              <a:rPr lang="en-US" sz="2200" b="1" i="1" dirty="0" err="1">
                 <a:solidFill>
                   <a:srgbClr val="660E7A"/>
                 </a:solidFill>
@@ -5629,7 +5479,7 @@
               <a:t>android</a:t>
             </a:r>
             <a:r>
-              <a:rPr lang="en-US" sz="2200" b="1" i="1" dirty="0" err="1" smtClean="0">
+              <a:rPr lang="en-US" sz="2200" b="1" i="1" dirty="0" err="1">
                 <a:solidFill>
                   <a:srgbClr val="0000FF"/>
                 </a:solidFill>
@@ -5638,7 +5488,7 @@
               <a:t>:name</a:t>
             </a:r>
             <a:r>
-              <a:rPr lang="en-US" sz="2200" b="1" i="1" dirty="0" smtClean="0">
+              <a:rPr lang="en-US" sz="2200" b="1" i="1" dirty="0">
                 <a:solidFill>
                   <a:srgbClr val="0000FF"/>
                 </a:solidFill>
@@ -5647,7 +5497,7 @@
               <a:t>=</a:t>
             </a:r>
             <a:br>
-              <a:rPr lang="en-US" sz="2200" b="1" i="1" dirty="0" smtClean="0">
+              <a:rPr lang="en-US" sz="2200" b="1" i="1" dirty="0">
                 <a:solidFill>
                   <a:srgbClr val="0000FF"/>
                 </a:solidFill>
@@ -5655,7 +5505,7 @@
               </a:rPr>
             </a:br>
             <a:r>
-              <a:rPr lang="en-US" sz="2200" b="1" i="1" dirty="0" smtClean="0">
+              <a:rPr lang="en-US" sz="2200" b="1" i="1" dirty="0">
                 <a:solidFill>
                   <a:srgbClr val="0000FF"/>
                 </a:solidFill>
@@ -5664,7 +5514,7 @@
               <a:t>                       </a:t>
             </a:r>
             <a:r>
-              <a:rPr lang="en-US" sz="2200" b="1" i="1" dirty="0" smtClean="0">
+              <a:rPr lang="en-US" sz="2200" b="1" i="1" dirty="0">
                 <a:solidFill>
                   <a:srgbClr val="008000"/>
                 </a:solidFill>
@@ -5708,7 +5558,7 @@
               </a:rPr>
             </a:br>
             <a:r>
-              <a:rPr lang="en-US" sz="2200" i="1" dirty="0" smtClean="0">
+              <a:rPr lang="en-US" sz="2200" i="1" dirty="0">
                 <a:solidFill>
                   <a:srgbClr val="000000"/>
                 </a:solidFill>
@@ -5717,7 +5567,7 @@
               <a:t>    &lt;</a:t>
             </a:r>
             <a:r>
-              <a:rPr lang="en-US" sz="2200" b="1" i="1" dirty="0" smtClean="0">
+              <a:rPr lang="en-US" sz="2200" b="1" i="1" dirty="0">
                 <a:solidFill>
                   <a:srgbClr val="000080"/>
                 </a:solidFill>
@@ -5726,7 +5576,7 @@
               <a:t>category </a:t>
             </a:r>
             <a:r>
-              <a:rPr lang="en-US" sz="2200" b="1" i="1" dirty="0" err="1" smtClean="0">
+              <a:rPr lang="en-US" sz="2200" b="1" i="1" dirty="0" err="1">
                 <a:solidFill>
                   <a:srgbClr val="660E7A"/>
                 </a:solidFill>
@@ -5735,7 +5585,7 @@
               <a:t>android</a:t>
             </a:r>
             <a:r>
-              <a:rPr lang="en-US" sz="2200" b="1" i="1" dirty="0" err="1" smtClean="0">
+              <a:rPr lang="en-US" sz="2200" b="1" i="1" dirty="0" err="1">
                 <a:solidFill>
                   <a:srgbClr val="0000FF"/>
                 </a:solidFill>
@@ -5744,7 +5594,7 @@
               <a:t>:name</a:t>
             </a:r>
             <a:r>
-              <a:rPr lang="en-US" sz="2200" b="1" i="1" dirty="0" smtClean="0">
+              <a:rPr lang="en-US" sz="2200" b="1" i="1" dirty="0">
                 <a:solidFill>
                   <a:srgbClr val="0000FF"/>
                 </a:solidFill>
@@ -5753,7 +5603,7 @@
               <a:t>=</a:t>
             </a:r>
             <a:br>
-              <a:rPr lang="en-US" sz="2200" b="1" i="1" dirty="0" smtClean="0">
+              <a:rPr lang="en-US" sz="2200" b="1" i="1" dirty="0">
                 <a:solidFill>
                   <a:srgbClr val="0000FF"/>
                 </a:solidFill>
@@ -5761,7 +5611,7 @@
               </a:rPr>
             </a:br>
             <a:r>
-              <a:rPr lang="en-US" sz="2200" b="1" i="1" dirty="0" smtClean="0">
+              <a:rPr lang="en-US" sz="2200" b="1" i="1" dirty="0">
                 <a:solidFill>
                   <a:srgbClr val="0000FF"/>
                 </a:solidFill>
@@ -5770,7 +5620,7 @@
               <a:t>                 </a:t>
             </a:r>
             <a:r>
-              <a:rPr lang="en-US" sz="2200" b="1" i="1" dirty="0" smtClean="0">
+              <a:rPr lang="en-US" sz="2200" b="1" i="1" dirty="0">
                 <a:solidFill>
                   <a:srgbClr val="008000"/>
                 </a:solidFill>
@@ -5820,25 +5670,7 @@
                 </a:solidFill>
                 <a:latin typeface="Menlo"/>
               </a:rPr>
-              <a:t> </a:t>
-            </a:r>
-            <a:r>
-              <a:rPr lang="en-US" sz="2200" dirty="0" smtClean="0">
-                <a:solidFill>
-                  <a:srgbClr val="000000"/>
-                </a:solidFill>
-                <a:latin typeface="Menlo"/>
-              </a:rPr>
-              <a:t> &lt;</a:t>
-            </a:r>
-            <a:r>
-              <a:rPr lang="en-US" sz="2200" dirty="0">
-                <a:solidFill>
-                  <a:srgbClr val="000000"/>
-                </a:solidFill>
-                <a:latin typeface="Menlo"/>
-              </a:rPr>
-              <a:t>/</a:t>
+              <a:t>  &lt;/</a:t>
             </a:r>
             <a:r>
               <a:rPr lang="en-US" sz="2200" b="1" dirty="0">
@@ -5953,13 +5785,6 @@
   <p:clrMapOvr>
     <a:masterClrMapping/>
   </p:clrMapOvr>
-  <p:timing>
-    <p:tnLst>
-      <p:par>
-        <p:cTn id="1" dur="indefinite" restart="never" nodeType="tmRoot"/>
-      </p:par>
-    </p:tnLst>
-  </p:timing>
 </p:sld>
 </file>
 
@@ -6001,18 +5826,13 @@
           <a:lstStyle/>
           <a:p>
             <a:r>
-              <a:rPr lang="en-US" dirty="0" smtClean="0">
+              <a:rPr lang="en-US" dirty="0">
                 <a:solidFill>
                   <a:srgbClr val="2D2DB9"/>
                 </a:solidFill>
               </a:rPr>
               <a:t>Adding Additional Activities</a:t>
             </a:r>
-            <a:endParaRPr lang="en-US" dirty="0">
-              <a:solidFill>
-                <a:srgbClr val="2D2DB9"/>
-              </a:solidFill>
-            </a:endParaRPr>
           </a:p>
         </p:txBody>
       </p:sp>
@@ -6042,52 +5862,48 @@
               <a:buNone/>
             </a:pPr>
             <a:r>
-              <a:rPr lang="en-US" dirty="0" smtClean="0"/>
+              <a:rPr lang="en-US" dirty="0"/>
               <a:t>For each activity in your app you need to:</a:t>
             </a:r>
           </a:p>
           <a:p>
             <a:r>
-              <a:rPr lang="en-US" dirty="0" smtClean="0"/>
-              <a:t>Write a class that is derived from </a:t>
-            </a:r>
-            <a:r>
-              <a:rPr lang="en-US" dirty="0" smtClean="0"/>
-              <a:t>Activity or </a:t>
-            </a:r>
-            <a:r>
-              <a:rPr lang="en-US" dirty="0" err="1" smtClean="0"/>
+              <a:rPr lang="en-US" dirty="0"/>
+              <a:t>Write a class that is derived from Activity or </a:t>
+            </a:r>
+            <a:r>
+              <a:rPr lang="en-US" dirty="0" err="1"/>
               <a:t>AppCompatActivity</a:t>
             </a:r>
-            <a:endParaRPr lang="en-US" dirty="0" smtClean="0"/>
+            <a:endParaRPr lang="en-US" dirty="0"/>
           </a:p>
           <a:p>
             <a:pPr lvl="1"/>
             <a:r>
-              <a:rPr lang="en-US" dirty="0" smtClean="0"/>
+              <a:rPr lang="en-US" dirty="0"/>
               <a:t>Declared in the same way as the main activity</a:t>
             </a:r>
           </a:p>
           <a:p>
             <a:r>
-              <a:rPr lang="en-US" dirty="0" smtClean="0"/>
+              <a:rPr lang="en-US" dirty="0"/>
               <a:t>Write an XML layout for the activity’s UI</a:t>
             </a:r>
           </a:p>
           <a:p>
             <a:pPr lvl="1"/>
             <a:r>
-              <a:rPr lang="en-US" dirty="0" smtClean="0"/>
+              <a:rPr lang="en-US" dirty="0"/>
               <a:t>Defined in the same way as the main layout</a:t>
             </a:r>
           </a:p>
           <a:p>
             <a:r>
-              <a:rPr lang="en-US" dirty="0" smtClean="0"/>
+              <a:rPr lang="en-US" dirty="0"/>
               <a:t>Add an </a:t>
             </a:r>
             <a:r>
-              <a:rPr lang="en-US" dirty="0" smtClean="0">
+              <a:rPr lang="en-US" dirty="0">
                 <a:solidFill>
                   <a:srgbClr val="000090"/>
                 </a:solidFill>
@@ -6095,32 +5911,24 @@
               <a:t>&lt;activity&gt; </a:t>
             </a:r>
             <a:r>
-              <a:rPr lang="en-US" dirty="0" smtClean="0"/>
-              <a:t>element </a:t>
-            </a:r>
-            <a:r>
-              <a:rPr lang="en-US" dirty="0" smtClean="0"/>
-              <a:t>for this activity to </a:t>
-            </a:r>
-            <a:r>
-              <a:rPr lang="en-US" dirty="0" smtClean="0"/>
-              <a:t>the manifest</a:t>
-            </a:r>
-          </a:p>
-          <a:p>
-            <a:r>
-              <a:rPr lang="en-US" dirty="0" smtClean="0"/>
+              <a:rPr lang="en-US" dirty="0"/>
+              <a:t>element to the manifest for this activity</a:t>
+            </a:r>
+          </a:p>
+          <a:p>
+            <a:r>
+              <a:rPr lang="en-US" dirty="0"/>
               <a:t>Add code to an existing activity that will start the new activity</a:t>
             </a:r>
           </a:p>
           <a:p>
             <a:r>
-              <a:rPr lang="en-US" dirty="0" smtClean="0"/>
+              <a:rPr lang="en-US" dirty="0"/>
               <a:t>Add a navigation feature so you can return to a pervious activity</a:t>
             </a:r>
           </a:p>
           <a:p>
-            <a:endParaRPr lang="en-US" dirty="0" smtClean="0"/>
+            <a:endParaRPr lang="en-US" dirty="0"/>
           </a:p>
           <a:p>
             <a:endParaRPr lang="en-US" dirty="0"/>
@@ -6137,13 +5945,6 @@
   <p:clrMapOvr>
     <a:masterClrMapping/>
   </p:clrMapOvr>
-  <p:timing>
-    <p:tnLst>
-      <p:par>
-        <p:cTn id="1" dur="indefinite" restart="never" nodeType="tmRoot"/>
-      </p:par>
-    </p:tnLst>
-  </p:timing>
 </p:sld>
 </file>
 
@@ -6180,7 +5981,7 @@
           <a:lstStyle/>
           <a:p>
             <a:r>
-              <a:rPr lang="en-US" dirty="0" err="1" smtClean="0">
+              <a:rPr lang="en-US" dirty="0" err="1">
                 <a:solidFill>
                   <a:srgbClr val="2D2DB9"/>
                 </a:solidFill>
@@ -6188,18 +5989,13 @@
               <a:t>startActivity</a:t>
             </a:r>
             <a:r>
-              <a:rPr lang="en-US" dirty="0" smtClean="0">
+              <a:rPr lang="en-US" dirty="0">
                 <a:solidFill>
                   <a:srgbClr val="2D2DB9"/>
                 </a:solidFill>
               </a:rPr>
               <a:t> method</a:t>
             </a:r>
-            <a:endParaRPr lang="en-US" dirty="0">
-              <a:solidFill>
-                <a:srgbClr val="2D2DB9"/>
-              </a:solidFill>
-            </a:endParaRPr>
           </a:p>
         </p:txBody>
       </p:sp>
@@ -6221,65 +6017,46 @@
           <a:lstStyle/>
           <a:p>
             <a:r>
-              <a:rPr lang="en-US" sz="4100" dirty="0" smtClean="0"/>
+              <a:rPr lang="en-US" sz="4100" dirty="0"/>
               <a:t>A method of the Context class (base class for the Activity class)</a:t>
             </a:r>
           </a:p>
           <a:p>
             <a:r>
-              <a:rPr lang="en-US" sz="4100" dirty="0" smtClean="0"/>
+              <a:rPr lang="en-US" sz="4100" dirty="0"/>
               <a:t>Requires an Intent object</a:t>
             </a:r>
           </a:p>
           <a:p>
             <a:pPr lvl="1"/>
             <a:r>
-              <a:rPr lang="en-US" sz="3600" dirty="0" smtClean="0"/>
-              <a:t>Specifies the activity </a:t>
-            </a:r>
-            <a:r>
-              <a:rPr lang="en-US" sz="3600" dirty="0" smtClean="0"/>
-              <a:t>to be started</a:t>
-            </a:r>
-            <a:endParaRPr lang="en-US" sz="3600" dirty="0" smtClean="0"/>
+              <a:rPr lang="en-US" sz="3600" dirty="0"/>
+              <a:t>Specifies the activity to be started</a:t>
+            </a:r>
           </a:p>
           <a:p>
             <a:pPr lvl="1"/>
             <a:r>
-              <a:rPr lang="en-US" sz="3600" dirty="0" smtClean="0"/>
+              <a:rPr lang="en-US" sz="3600" dirty="0"/>
               <a:t>Carries data to the activity (optional)</a:t>
             </a:r>
           </a:p>
           <a:p>
             <a:r>
-              <a:rPr lang="en-US" sz="4100" dirty="0" smtClean="0"/>
+              <a:rPr lang="en-US" sz="4100" dirty="0"/>
               <a:t>Example:</a:t>
-            </a:r>
-            <a:r>
-              <a:rPr lang="en-US" sz="3600" dirty="0"/>
-              <a:t/>
             </a:r>
             <a:br>
               <a:rPr lang="en-US" sz="3600" dirty="0"/>
             </a:br>
-            <a:r>
-              <a:rPr lang="en-US" dirty="0" smtClean="0"/>
-              <a:t/>
-            </a:r>
             <a:br>
-              <a:rPr lang="en-US" dirty="0" smtClean="0"/>
+              <a:rPr lang="en-US" dirty="0"/>
             </a:br>
             <a:r>
-              <a:rPr lang="en-US" sz="2900" dirty="0" smtClean="0">
-                <a:latin typeface="Menlo"/>
-              </a:rPr>
-              <a:t>Intent </a:t>
-            </a:r>
-            <a:r>
               <a:rPr lang="en-US" sz="2900" dirty="0">
                 <a:latin typeface="Menlo"/>
               </a:rPr>
-              <a:t>intent = </a:t>
+              <a:t>Intent intent = </a:t>
             </a:r>
             <a:r>
               <a:rPr lang="en-US" sz="2900" b="1" dirty="0">
@@ -6424,15 +6201,6 @@
               </a:rPr>
               <a:t>); </a:t>
             </a:r>
-            <a:r>
-              <a:rPr lang="en-US" sz="2900" i="1" dirty="0">
-                <a:solidFill>
-                  <a:srgbClr val="808080"/>
-                </a:solidFill>
-                <a:latin typeface="Menlo"/>
-              </a:rPr>
-              <a:t/>
-            </a:r>
             <a:br>
               <a:rPr lang="en-US" sz="2900" i="1" dirty="0">
                 <a:solidFill>
@@ -6457,18 +6225,9 @@
                 </a:solidFill>
                 <a:latin typeface="Menlo"/>
               </a:rPr>
-              <a:t>(intent)</a:t>
-            </a:r>
-            <a:r>
-              <a:rPr lang="en-US" sz="2900" dirty="0" smtClean="0">
-                <a:solidFill>
-                  <a:srgbClr val="000000"/>
-                </a:solidFill>
-                <a:latin typeface="Menlo"/>
-              </a:rPr>
-              <a:t>;</a:t>
-            </a:r>
-            <a:endParaRPr lang="en-US" sz="2900" dirty="0" smtClean="0"/>
+              <a:t>(intent);</a:t>
+            </a:r>
+            <a:endParaRPr lang="en-US" sz="2900" dirty="0"/>
           </a:p>
           <a:p>
             <a:pPr marL="0" indent="0">
@@ -6488,13 +6247,6 @@
   <p:clrMapOvr>
     <a:masterClrMapping/>
   </p:clrMapOvr>
-  <p:timing>
-    <p:tnLst>
-      <p:par>
-        <p:cTn id="1" dur="indefinite" restart="never" nodeType="tmRoot"/>
-      </p:par>
-    </p:tnLst>
-  </p:timing>
 </p:sld>
 </file>
 
@@ -6538,18 +6290,13 @@
           <a:lstStyle/>
           <a:p>
             <a:r>
-              <a:rPr lang="en-US" dirty="0" smtClean="0">
+              <a:rPr lang="en-US" dirty="0">
                 <a:solidFill>
                   <a:srgbClr val="0000FF"/>
                 </a:solidFill>
               </a:rPr>
               <a:t>The up Button</a:t>
             </a:r>
-            <a:endParaRPr lang="en-US" dirty="0">
-              <a:solidFill>
-                <a:srgbClr val="0000FF"/>
-              </a:solidFill>
-            </a:endParaRPr>
           </a:p>
         </p:txBody>
       </p:sp>
@@ -6579,7 +6326,7 @@
               <a:buNone/>
             </a:pPr>
             <a:r>
-              <a:rPr lang="en-US" dirty="0" smtClean="0"/>
+              <a:rPr lang="en-US" dirty="0"/>
               <a:t>					Navigates up to the parent activity</a:t>
             </a:r>
           </a:p>
@@ -6587,28 +6334,44 @@
             <a:pPr marL="0" indent="0">
               <a:buNone/>
             </a:pPr>
-            <a:endParaRPr lang="en-US" dirty="0" smtClean="0"/>
+            <a:endParaRPr lang="en-US" dirty="0"/>
           </a:p>
           <a:p>
             <a:pPr marL="0" indent="0">
               <a:buNone/>
             </a:pPr>
             <a:r>
-              <a:rPr lang="en-US" dirty="0" smtClean="0"/>
+              <a:rPr lang="en-US" dirty="0"/>
               <a:t>To add an up button to the app bar:</a:t>
             </a:r>
           </a:p>
           <a:p>
             <a:r>
-              <a:rPr lang="en-US" dirty="0" smtClean="0"/>
+              <a:rPr lang="en-US" dirty="0"/>
               <a:t>First ensure your activity has an app bar by:</a:t>
             </a:r>
           </a:p>
           <a:p>
             <a:pPr lvl="1"/>
             <a:r>
-              <a:rPr lang="en-US" dirty="0" smtClean="0"/>
-              <a:t>Using a theme that includes an ActionBar, like </a:t>
+              <a:rPr lang="en-US" dirty="0"/>
+              <a:t>Using a theme that includes an </a:t>
+            </a:r>
+            <a:r>
+              <a:rPr lang="en-US" dirty="0" err="1"/>
+              <a:t>ActionBar</a:t>
+            </a:r>
+            <a:r>
+              <a:rPr lang="en-US" dirty="0"/>
+              <a:t> or </a:t>
+            </a:r>
+            <a:r>
+              <a:rPr lang="en-US" dirty="0" err="1"/>
+              <a:t>AppBar</a:t>
+            </a:r>
+            <a:r>
+              <a:rPr lang="en-US" dirty="0"/>
+              <a:t>, like </a:t>
             </a:r>
             <a:r>
               <a:rPr lang="en-US" sz="2200" b="1" dirty="0" err="1">
@@ -6629,17 +6392,17 @@
           <a:p>
             <a:pPr lvl="1"/>
             <a:r>
-              <a:rPr lang="en-US" dirty="0" smtClean="0"/>
+              <a:rPr lang="en-US" dirty="0"/>
               <a:t>Or, adding a Toolbar to the activity (see the following slides)</a:t>
             </a:r>
           </a:p>
           <a:p>
             <a:r>
-              <a:rPr lang="en-US" dirty="0" smtClean="0"/>
+              <a:rPr lang="en-US" dirty="0"/>
               <a:t>In the manifest, add an attribute for the activity’s parent:</a:t>
             </a:r>
             <a:br>
-              <a:rPr lang="en-US" dirty="0" smtClean="0"/>
+              <a:rPr lang="en-US" dirty="0"/>
             </a:br>
             <a:r>
               <a:rPr lang="en-US" sz="2400" b="1" dirty="0" err="1">
@@ -6682,7 +6445,7 @@
             <a:endParaRPr lang="en-US" i="1" dirty="0"/>
           </a:p>
           <a:p>
-            <a:endParaRPr lang="en-US" dirty="0" smtClean="0"/>
+            <a:endParaRPr lang="en-US" dirty="0"/>
           </a:p>
           <a:p>
             <a:endParaRPr lang="en-US" dirty="0"/>
@@ -6722,13 +6485,6 @@
   <p:clrMapOvr>
     <a:masterClrMapping/>
   </p:clrMapOvr>
-  <p:timing>
-    <p:tnLst>
-      <p:par>
-        <p:cTn id="1" dur="indefinite" restart="never" nodeType="tmRoot"/>
-      </p:par>
-    </p:tnLst>
-  </p:timing>
 </p:sld>
 </file>
 
@@ -6794,18 +6550,13 @@
           <a:lstStyle/>
           <a:p>
             <a:r>
-              <a:rPr lang="en-US" dirty="0" smtClean="0">
+              <a:rPr lang="en-US" dirty="0">
                 <a:solidFill>
                   <a:srgbClr val="0000FF"/>
                 </a:solidFill>
               </a:rPr>
               <a:t>Aside: ActionBar vs. Toolbar</a:t>
             </a:r>
-            <a:endParaRPr lang="en-US" dirty="0">
-              <a:solidFill>
-                <a:srgbClr val="0000FF"/>
-              </a:solidFill>
-            </a:endParaRPr>
           </a:p>
         </p:txBody>
       </p:sp>
@@ -6835,109 +6586,47 @@
               <a:buNone/>
             </a:pPr>
             <a:r>
-              <a:rPr lang="en-US" sz="2800" b="1" dirty="0" smtClean="0"/>
-              <a:t>A “side bar” about the two types of app bar</a:t>
-            </a:r>
-          </a:p>
-          <a:p>
-            <a:r>
-              <a:rPr lang="en-US" sz="2400" dirty="0" smtClean="0"/>
-              <a:t>The ActionBar was introduced with </a:t>
-            </a:r>
+              <a:rPr lang="en-US" sz="2800" b="1" dirty="0"/>
+              <a:t>A “side-bar” about the two types of app bar</a:t>
+            </a:r>
+          </a:p>
+          <a:p>
             <a:r>
               <a:rPr lang="en-US" sz="2400" dirty="0"/>
-              <a:t>Android 3.0 (API level 11), all activities that use the default theme have an </a:t>
-            </a:r>
-            <a:r>
-              <a:rPr lang="en-US" sz="2400" dirty="0" smtClean="0"/>
-              <a:t>ActionBar.</a:t>
-            </a:r>
-          </a:p>
-          <a:p>
-            <a:r>
-              <a:rPr lang="en-US" sz="2400" dirty="0" smtClean="0"/>
-              <a:t> </a:t>
-            </a:r>
+              <a:t>The ActionBar was introduced with Android 3.0 (API level 11), all activities that use the default theme have an ActionBar.</a:t>
+            </a:r>
+          </a:p>
+          <a:p>
             <a:r>
               <a:rPr lang="en-US" sz="2400" dirty="0"/>
-              <a:t>However</a:t>
-            </a:r>
-            <a:r>
-              <a:rPr lang="en-US" sz="2400" dirty="0" smtClean="0"/>
-              <a:t>, the </a:t>
-            </a:r>
+              <a:t> However, the native ActionBar behaves differently depending on the API level. Not all features are available for older APIs.</a:t>
+            </a:r>
+          </a:p>
+          <a:p>
+            <a:pPr lvl="1"/>
+            <a:r>
+              <a:rPr lang="en-US" sz="2000" dirty="0"/>
+              <a:t>For example: the native action bar doesn't support material design unless the device is running Android 5.0 (API level 21) or later.</a:t>
+            </a:r>
+          </a:p>
+          <a:p>
             <a:r>
               <a:rPr lang="en-US" sz="2400" dirty="0"/>
-              <a:t>native ActionBar behaves differently depending on </a:t>
-            </a:r>
-            <a:r>
-              <a:rPr lang="en-US" sz="2400" dirty="0" smtClean="0"/>
-              <a:t>the API level. Not all features are available for older APIs.</a:t>
+              <a:t>By contrast, all features are available on the support library's version of Toolbar.</a:t>
             </a:r>
           </a:p>
           <a:p>
             <a:pPr lvl="1"/>
             <a:r>
-              <a:rPr lang="en-US" sz="2000" dirty="0" smtClean="0"/>
-              <a:t>For example: the </a:t>
-            </a:r>
-            <a:r>
               <a:rPr lang="en-US" sz="2000" dirty="0"/>
-              <a:t>native action bar doesn't support material design unless the device is running Android 5.0 (API level 21) or later</a:t>
-            </a:r>
-            <a:r>
-              <a:rPr lang="en-US" sz="2000" dirty="0" smtClean="0"/>
-              <a:t>.</a:t>
-            </a:r>
-          </a:p>
-          <a:p>
-            <a:r>
-              <a:rPr lang="en-US" sz="2400" dirty="0" smtClean="0"/>
-              <a:t>By contrast, all features are available on the support </a:t>
-            </a:r>
+              <a:t>For example, the Toolbar widget provides a material design experience on devices running Android 2.1 (API level 7) or later.</a:t>
+            </a:r>
+          </a:p>
+          <a:p>
             <a:r>
               <a:rPr lang="en-US" sz="2400" dirty="0"/>
-              <a:t>library's version of </a:t>
-            </a:r>
-            <a:r>
-              <a:rPr lang="en-US" sz="2400" dirty="0" smtClean="0"/>
-              <a:t>Toolbar.</a:t>
-            </a:r>
-          </a:p>
-          <a:p>
-            <a:pPr lvl="1"/>
-            <a:r>
-              <a:rPr lang="en-US" sz="2000" dirty="0"/>
-              <a:t>For example, the Toolbar widget provides a material design experience on devices running Android 2.1 (API level 7) or </a:t>
-            </a:r>
-            <a:r>
-              <a:rPr lang="en-US" sz="2000" dirty="0" smtClean="0"/>
-              <a:t>later</a:t>
-            </a:r>
-            <a:r>
-              <a:rPr lang="en-US" sz="2000" dirty="0"/>
-              <a:t>.</a:t>
-            </a:r>
-            <a:endParaRPr lang="en-US" sz="2000" dirty="0" smtClean="0"/>
-          </a:p>
-          <a:p>
-            <a:r>
-              <a:rPr lang="en-US" sz="2400" dirty="0" smtClean="0"/>
-              <a:t>For </a:t>
-            </a:r>
-            <a:r>
-              <a:rPr lang="en-US" sz="2400" dirty="0"/>
-              <a:t>this reason, you should use the support library's Toolbar class to implement your activities' app </a:t>
-            </a:r>
-            <a:r>
-              <a:rPr lang="en-US" sz="2400" dirty="0" smtClean="0"/>
-              <a:t>bars</a:t>
-            </a:r>
-            <a:r>
-              <a:rPr lang="en-US" sz="2400" dirty="0" smtClean="0"/>
-              <a:t>.</a:t>
-            </a:r>
-            <a:endParaRPr lang="en-US" sz="2400" dirty="0"/>
+              <a:t>For this reason, you should use the support library's Toolbar class to implement your activities' app bars.</a:t>
+            </a:r>
           </a:p>
         </p:txBody>
       </p:sp>
@@ -7016,18 +6705,13 @@
           <a:lstStyle/>
           <a:p>
             <a:r>
-              <a:rPr lang="en-US" dirty="0" smtClean="0">
+              <a:rPr lang="en-US" dirty="0">
                 <a:solidFill>
                   <a:srgbClr val="0000FF"/>
                 </a:solidFill>
               </a:rPr>
               <a:t>Aside: Adding a Toolbar to an Activity</a:t>
             </a:r>
-            <a:endParaRPr lang="en-US" dirty="0">
-              <a:solidFill>
-                <a:srgbClr val="0000FF"/>
-              </a:solidFill>
-            </a:endParaRPr>
           </a:p>
         </p:txBody>
       </p:sp>
@@ -7058,55 +6742,34 @@
               <a:buAutoNum type="arabicPeriod"/>
             </a:pPr>
             <a:r>
-              <a:rPr lang="en-US" sz="5100" dirty="0" smtClean="0"/>
-              <a:t>Add </a:t>
-            </a:r>
-            <a:r>
               <a:rPr lang="en-US" sz="5100" dirty="0"/>
-              <a:t>the v7 appcompat support library to your </a:t>
-            </a:r>
-            <a:r>
-              <a:rPr lang="en-US" sz="5100" dirty="0" smtClean="0"/>
-              <a:t>project, see</a:t>
-            </a:r>
-            <a:r>
-              <a:rPr lang="en-US" sz="3800" dirty="0" smtClean="0"/>
+              <a:t>Add the v7 appcompat support library to your project, see</a:t>
+            </a:r>
+            <a:r>
+              <a:rPr lang="en-US" sz="3800" dirty="0"/>
               <a:t>:</a:t>
             </a:r>
             <a:br>
-              <a:rPr lang="en-US" sz="3800" dirty="0" smtClean="0"/>
+              <a:rPr lang="en-US" sz="3800" dirty="0"/>
             </a:br>
             <a:r>
-              <a:rPr lang="en-US" sz="2900" dirty="0" smtClean="0"/>
+              <a:rPr lang="en-US" sz="2900" dirty="0"/>
               <a:t>  </a:t>
             </a:r>
             <a:r>
-              <a:rPr lang="en-US" sz="3400" dirty="0" smtClean="0"/>
+              <a:rPr lang="en-US" sz="3400" dirty="0"/>
               <a:t>   </a:t>
-            </a:r>
-            <a:r>
-              <a:rPr lang="en-US" sz="3400" dirty="0" smtClean="0">
-                <a:hlinkClick r:id="rId3"/>
-              </a:rPr>
-              <a:t>https</a:t>
             </a:r>
             <a:r>
               <a:rPr lang="en-US" sz="3400" dirty="0">
                 <a:hlinkClick r:id="rId3"/>
               </a:rPr>
-              <a:t>://developer.android.com/topic/libraries/support-library/</a:t>
-            </a:r>
-            <a:r>
-              <a:rPr lang="en-US" sz="3400" dirty="0" smtClean="0">
-                <a:hlinkClick r:id="rId3"/>
-              </a:rPr>
-              <a:t>setup.html</a:t>
-            </a:r>
-            <a:r>
-              <a:rPr lang="en-US" sz="3400" dirty="0" smtClean="0"/>
+              <a:t>https://developer.android.com/topic/libraries/support-library/setup.html</a:t>
+            </a:r>
+            <a:r>
+              <a:rPr lang="en-US" sz="3400" dirty="0"/>
               <a:t> </a:t>
             </a:r>
-            <a:endParaRPr lang="en-US" sz="3400" dirty="0"/>
           </a:p>
           <a:p>
             <a:pPr marL="514350" indent="-514350">
@@ -7115,35 +6778,40 @@
             </a:pPr>
             <a:r>
               <a:rPr lang="en-US" sz="5100" dirty="0"/>
-              <a:t>Make sure the activity </a:t>
-            </a:r>
-            <a:r>
-              <a:rPr lang="en-US" sz="5100" dirty="0" smtClean="0"/>
-              <a:t>extends the </a:t>
-            </a:r>
-            <a:r>
-              <a:rPr lang="en-US" sz="5100" i="1" dirty="0" smtClean="0"/>
+              <a:t>Make sure the activity extends the </a:t>
+            </a:r>
+            <a:r>
+              <a:rPr lang="en-US" sz="5100" i="1" dirty="0"/>
               <a:t>AppCompatActivity </a:t>
             </a:r>
             <a:r>
-              <a:rPr lang="en-US" sz="5100" dirty="0" smtClean="0"/>
+              <a:rPr lang="en-US" sz="5100" dirty="0"/>
               <a:t>class:</a:t>
             </a:r>
             <a:br>
-              <a:rPr lang="en-US" sz="5100" dirty="0" smtClean="0"/>
+              <a:rPr lang="en-US" sz="5100" dirty="0"/>
             </a:br>
             <a:r>
-              <a:rPr lang="en-US" dirty="0" smtClean="0"/>
+              <a:rPr lang="en-US" dirty="0"/>
               <a:t>     </a:t>
             </a:r>
             <a:r>
-              <a:rPr lang="en-US" sz="2900" b="1" dirty="0" smtClean="0">
+              <a:rPr lang="en-US" sz="2900" b="1" dirty="0">
                 <a:solidFill>
                   <a:srgbClr val="000080"/>
                 </a:solidFill>
                 <a:latin typeface="Menlo"/>
               </a:rPr>
-              <a:t>public </a:t>
+              <a:t>public class </a:t>
+            </a:r>
+            <a:r>
+              <a:rPr lang="en-US" sz="2900" dirty="0">
+                <a:solidFill>
+                  <a:srgbClr val="000000"/>
+                </a:solidFill>
+                <a:latin typeface="Menlo"/>
+              </a:rPr>
+              <a:t>SecondActivity </a:t>
             </a:r>
             <a:r>
               <a:rPr lang="en-US" sz="2900" b="1" dirty="0">
@@ -7152,7 +6820,7 @@
                 </a:solidFill>
                 <a:latin typeface="Menlo"/>
               </a:rPr>
-              <a:t>class </a:t>
+              <a:t>extends </a:t>
             </a:r>
             <a:r>
               <a:rPr lang="en-US" sz="2900" dirty="0">
@@ -7161,27 +6829,9 @@
                 </a:solidFill>
                 <a:latin typeface="Menlo"/>
               </a:rPr>
-              <a:t>SecondActivity </a:t>
-            </a:r>
-            <a:r>
-              <a:rPr lang="en-US" sz="2900" b="1" dirty="0">
-                <a:solidFill>
-                  <a:srgbClr val="000080"/>
-                </a:solidFill>
-                <a:latin typeface="Menlo"/>
-              </a:rPr>
-              <a:t>extends </a:t>
-            </a:r>
-            <a:r>
-              <a:rPr lang="en-US" sz="2900" dirty="0" smtClean="0">
-                <a:solidFill>
-                  <a:srgbClr val="000000"/>
-                </a:solidFill>
-                <a:latin typeface="Menlo"/>
-              </a:rPr>
               <a:t>AppCompatActivity</a:t>
             </a:r>
-            <a:endParaRPr lang="en-US" sz="3400" i="1" dirty="0" smtClean="0"/>
+            <a:endParaRPr lang="en-US" sz="3400" i="1" dirty="0"/>
           </a:p>
           <a:p>
             <a:pPr marL="514350" indent="-514350">
@@ -7189,60 +6839,35 @@
               <a:buAutoNum type="arabicPeriod"/>
             </a:pPr>
             <a:r>
-              <a:rPr lang="en-US" sz="5100" dirty="0" smtClean="0"/>
-              <a:t>In </a:t>
-            </a:r>
-            <a:r>
-              <a:rPr lang="en-US" sz="5100" dirty="0"/>
-              <a:t>the </a:t>
-            </a:r>
-            <a:r>
-              <a:rPr lang="en-US" sz="5100" dirty="0" smtClean="0"/>
-              <a:t>manifest</a:t>
-            </a:r>
-            <a:r>
-              <a:rPr lang="en-US" sz="5100" dirty="0"/>
-              <a:t>, set </a:t>
-            </a:r>
-            <a:r>
-              <a:rPr lang="en-US" sz="5100" dirty="0" smtClean="0"/>
-              <a:t>a </a:t>
-            </a:r>
-            <a:r>
-              <a:rPr lang="en-US" sz="5100" i="1" dirty="0" smtClean="0"/>
+              <a:rPr lang="en-US" sz="5100" strike="sngStrike" dirty="0"/>
+              <a:t>In the manifest, set a </a:t>
+            </a:r>
+            <a:r>
+              <a:rPr lang="en-US" sz="5100" i="1" strike="sngStrike" dirty="0"/>
               <a:t>NoActionBar</a:t>
             </a:r>
             <a:r>
-              <a:rPr lang="en-US" sz="5100" dirty="0" smtClean="0"/>
+              <a:rPr lang="en-US" sz="5100" strike="sngStrike" dirty="0"/>
               <a:t> theme:</a:t>
             </a:r>
             <a:br>
-              <a:rPr lang="en-US" sz="5100" dirty="0" smtClean="0"/>
+              <a:rPr lang="en-US" sz="5100" strike="sngStrike" dirty="0"/>
             </a:br>
             <a:r>
-              <a:rPr lang="en-US" dirty="0" smtClean="0"/>
+              <a:rPr lang="en-US" strike="sngStrike" dirty="0"/>
               <a:t>     </a:t>
             </a:r>
             <a:r>
-              <a:rPr lang="en-US" sz="2900" b="1" dirty="0" smtClean="0">
+              <a:rPr lang="en-US" sz="2900" b="1" strike="sngStrike" dirty="0">
                 <a:solidFill>
                   <a:srgbClr val="0000FF"/>
                 </a:solidFill>
                 <a:latin typeface="Menlo"/>
               </a:rPr>
-              <a:t>android:theme</a:t>
-            </a:r>
-            <a:r>
-              <a:rPr lang="en-US" sz="2900" b="1" dirty="0">
-                <a:solidFill>
-                  <a:srgbClr val="0000FF"/>
-                </a:solidFill>
-                <a:latin typeface="Menlo"/>
-              </a:rPr>
-              <a:t>=</a:t>
-            </a:r>
-            <a:r>
-              <a:rPr lang="en-US" sz="2900" b="1" dirty="0">
+              <a:t>android:theme=</a:t>
+            </a:r>
+            <a:r>
+              <a:rPr lang="en-US" sz="2900" b="1" strike="sngStrike" dirty="0">
                 <a:solidFill>
                   <a:srgbClr val="008000"/>
                 </a:solidFill>
@@ -7257,40 +6882,24 @@
               <a:buAutoNum type="arabicPeriod"/>
             </a:pPr>
             <a:r>
-              <a:rPr lang="en-US" sz="5100" dirty="0" smtClean="0"/>
-              <a:t>Add </a:t>
-            </a:r>
-            <a:r>
-              <a:rPr lang="en-US" sz="5100" dirty="0"/>
-              <a:t>a Toolbar to </a:t>
-            </a:r>
-            <a:r>
-              <a:rPr lang="en-US" sz="5100" dirty="0" smtClean="0"/>
-              <a:t>the top of the </a:t>
-            </a:r>
-            <a:r>
-              <a:rPr lang="en-US" sz="5100" dirty="0"/>
-              <a:t>activity's </a:t>
-            </a:r>
-            <a:r>
-              <a:rPr lang="en-US" sz="5100" dirty="0" smtClean="0"/>
-              <a:t>layout:</a:t>
+              <a:rPr lang="en-US" sz="5100" strike="sngStrike" dirty="0"/>
+              <a:t>Add a Toolbar to the top of the activity's layout:</a:t>
             </a:r>
             <a:br>
-              <a:rPr lang="en-US" sz="5100" dirty="0" smtClean="0"/>
+              <a:rPr lang="en-US" sz="5100" strike="sngStrike" dirty="0"/>
             </a:br>
             <a:r>
-              <a:rPr lang="en-US" sz="4200" dirty="0" smtClean="0"/>
+              <a:rPr lang="en-US" sz="4200" strike="sngStrike" dirty="0"/>
               <a:t>   </a:t>
             </a:r>
             <a:r>
-              <a:rPr lang="en-US" dirty="0" smtClean="0">
+              <a:rPr lang="en-US" strike="sngStrike" dirty="0">
                 <a:latin typeface="Menlo"/>
               </a:rPr>
               <a:t>&lt;</a:t>
             </a:r>
             <a:r>
-              <a:rPr lang="en-US" b="1" dirty="0">
+              <a:rPr lang="en-US" b="1" strike="sngStrike" dirty="0">
                 <a:solidFill>
                   <a:srgbClr val="000080"/>
                 </a:solidFill>
@@ -7299,7 +6908,7 @@
               <a:t>android.support.v7.widget.Toolbar</a:t>
             </a:r>
             <a:br>
-              <a:rPr lang="en-US" b="1" dirty="0">
+              <a:rPr lang="en-US" b="1" strike="sngStrike" dirty="0">
                 <a:solidFill>
                   <a:srgbClr val="000080"/>
                 </a:solidFill>
@@ -7307,25 +6916,16 @@
               </a:rPr>
             </a:br>
             <a:r>
-              <a:rPr lang="en-US" b="1" dirty="0">
+              <a:rPr lang="en-US" b="1" strike="sngStrike" dirty="0">
                 <a:solidFill>
                   <a:srgbClr val="000080"/>
                 </a:solidFill>
                 <a:latin typeface="Menlo"/>
               </a:rPr>
-              <a:t>   </a:t>
-            </a:r>
-            <a:r>
-              <a:rPr lang="en-US" b="1" dirty="0" smtClean="0">
-                <a:solidFill>
-                  <a:srgbClr val="000080"/>
-                </a:solidFill>
-                <a:latin typeface="Menlo"/>
-              </a:rPr>
-              <a:t>  </a:t>
-            </a:r>
-            <a:r>
-              <a:rPr lang="en-US" b="1" dirty="0" smtClean="0">
+              <a:t>     </a:t>
+            </a:r>
+            <a:r>
+              <a:rPr lang="en-US" b="1" strike="sngStrike" dirty="0">
                 <a:solidFill>
                   <a:srgbClr val="660E7A"/>
                 </a:solidFill>
@@ -7334,52 +6934,113 @@
               <a:t>android</a:t>
             </a:r>
             <a:r>
-              <a:rPr lang="en-US" b="1" dirty="0" smtClean="0">
+              <a:rPr lang="en-US" b="1" strike="sngStrike" dirty="0">
                 <a:solidFill>
                   <a:srgbClr val="0000FF"/>
                 </a:solidFill>
                 <a:latin typeface="Menlo"/>
               </a:rPr>
-              <a:t>:id</a:t>
-            </a:r>
-            <a:r>
-              <a:rPr lang="en-US" b="1" dirty="0">
+              <a:t>:id=</a:t>
+            </a:r>
+            <a:r>
+              <a:rPr lang="en-US" b="1" strike="sngStrike" dirty="0">
+                <a:solidFill>
+                  <a:srgbClr val="008000"/>
+                </a:solidFill>
+                <a:latin typeface="Menlo"/>
+              </a:rPr>
+              <a:t>"@+id/toolbar"</a:t>
+            </a:r>
+            <a:br>
+              <a:rPr lang="en-US" b="1" strike="sngStrike" dirty="0">
+                <a:solidFill>
+                  <a:srgbClr val="008000"/>
+                </a:solidFill>
+                <a:latin typeface="Menlo"/>
+              </a:rPr>
+            </a:br>
+            <a:r>
+              <a:rPr lang="en-US" b="1" strike="sngStrike" dirty="0">
+                <a:solidFill>
+                  <a:srgbClr val="008000"/>
+                </a:solidFill>
+                <a:latin typeface="Menlo"/>
+              </a:rPr>
+              <a:t>     </a:t>
+            </a:r>
+            <a:r>
+              <a:rPr lang="en-US" b="1" strike="sngStrike" dirty="0">
+                <a:solidFill>
+                  <a:srgbClr val="660E7A"/>
+                </a:solidFill>
+                <a:latin typeface="Menlo"/>
+              </a:rPr>
+              <a:t>android</a:t>
+            </a:r>
+            <a:r>
+              <a:rPr lang="en-US" b="1" strike="sngStrike" dirty="0">
                 <a:solidFill>
                   <a:srgbClr val="0000FF"/>
                 </a:solidFill>
                 <a:latin typeface="Menlo"/>
               </a:rPr>
-              <a:t>=</a:t>
-            </a:r>
-            <a:r>
-              <a:rPr lang="en-US" b="1" dirty="0">
+              <a:t>:layout_width=</a:t>
+            </a:r>
+            <a:r>
+              <a:rPr lang="en-US" b="1" strike="sngStrike" dirty="0">
                 <a:solidFill>
                   <a:srgbClr val="008000"/>
                 </a:solidFill>
                 <a:latin typeface="Menlo"/>
               </a:rPr>
-              <a:t>"@+id</a:t>
-            </a:r>
-            <a:r>
-              <a:rPr lang="en-US" b="1" dirty="0" smtClean="0">
+              <a:t>"match_parent"</a:t>
+            </a:r>
+            <a:br>
+              <a:rPr lang="en-US" b="1" strike="sngStrike" dirty="0">
                 <a:solidFill>
                   <a:srgbClr val="008000"/>
                 </a:solidFill>
                 <a:latin typeface="Menlo"/>
               </a:rPr>
-              <a:t>/toolbar</a:t>
-            </a:r>
-            <a:r>
-              <a:rPr lang="en-US" b="1" dirty="0">
+            </a:br>
+            <a:r>
+              <a:rPr lang="en-US" b="1" strike="sngStrike" dirty="0">
                 <a:solidFill>
                   <a:srgbClr val="008000"/>
                 </a:solidFill>
                 <a:latin typeface="Menlo"/>
               </a:rPr>
-              <a:t>"</a:t>
+              <a:t>     </a:t>
+            </a:r>
+            <a:r>
+              <a:rPr lang="en-US" b="1" strike="sngStrike" dirty="0">
+                <a:solidFill>
+                  <a:srgbClr val="660E7A"/>
+                </a:solidFill>
+                <a:latin typeface="Menlo"/>
+              </a:rPr>
+              <a:t>android</a:t>
+            </a:r>
+            <a:r>
+              <a:rPr lang="en-US" b="1" strike="sngStrike" dirty="0">
+                <a:solidFill>
+                  <a:srgbClr val="0000FF"/>
+                </a:solidFill>
+                <a:latin typeface="Menlo"/>
+              </a:rPr>
+              <a:t>:layout_height=</a:t>
+            </a:r>
+            <a:r>
+              <a:rPr lang="en-US" b="1" strike="sngStrike" dirty="0">
+                <a:solidFill>
+                  <a:srgbClr val="008000"/>
+                </a:solidFill>
+                <a:latin typeface="Menlo"/>
+              </a:rPr>
+              <a:t>"?attr/actionBarSize"</a:t>
             </a:r>
             <a:br>
-              <a:rPr lang="en-US" b="1" dirty="0">
+              <a:rPr lang="en-US" b="1" strike="sngStrike" dirty="0">
                 <a:solidFill>
                   <a:srgbClr val="008000"/>
                 </a:solidFill>
@@ -7387,25 +7048,60 @@
               </a:rPr>
             </a:br>
             <a:r>
-              <a:rPr lang="en-US" b="1" dirty="0">
+              <a:rPr lang="en-US" b="1" strike="sngStrike" dirty="0">
                 <a:solidFill>
                   <a:srgbClr val="008000"/>
                 </a:solidFill>
                 <a:latin typeface="Menlo"/>
               </a:rPr>
-              <a:t>    </a:t>
-            </a:r>
-            <a:r>
-              <a:rPr lang="en-US" b="1" dirty="0" smtClean="0">
+              <a:t>     </a:t>
+            </a:r>
+            <a:r>
+              <a:rPr lang="en-US" b="1" strike="sngStrike" dirty="0">
+                <a:solidFill>
+                  <a:srgbClr val="660E7A"/>
+                </a:solidFill>
+                <a:latin typeface="Menlo"/>
+              </a:rPr>
+              <a:t>android</a:t>
+            </a:r>
+            <a:r>
+              <a:rPr lang="en-US" b="1" strike="sngStrike" dirty="0">
+                <a:solidFill>
+                  <a:srgbClr val="0000FF"/>
+                </a:solidFill>
+                <a:latin typeface="Menlo"/>
+              </a:rPr>
+              <a:t>:background=</a:t>
+            </a:r>
+            <a:r>
+              <a:rPr lang="en-US" b="1" strike="sngStrike" dirty="0">
                 <a:solidFill>
                   <a:srgbClr val="008000"/>
                 </a:solidFill>
                 <a:latin typeface="Menlo"/>
               </a:rPr>
-              <a:t> </a:t>
-            </a:r>
-            <a:r>
-              <a:rPr lang="en-US" b="1" dirty="0" smtClean="0">
+              <a:t>"?attr/colorPrimary"</a:t>
+            </a:r>
+            <a:br>
+              <a:rPr lang="en-US" b="1" strike="sngStrike" dirty="0">
+                <a:solidFill>
+                  <a:srgbClr val="008000"/>
+                </a:solidFill>
+                <a:latin typeface="Menlo"/>
+              </a:rPr>
+            </a:br>
+            <a:r>
+              <a:rPr lang="en-US" b="1" strike="sngStrike" dirty="0">
+                <a:solidFill>
+                  <a:srgbClr val="008000"/>
+                </a:solidFill>
+                <a:latin typeface="Menlo"/>
+              </a:rPr>
+              <a:t>     </a:t>
+            </a:r>
+            <a:r>
+              <a:rPr lang="en-US" b="1" strike="sngStrike" dirty="0">
                 <a:solidFill>
                   <a:srgbClr val="660E7A"/>
                 </a:solidFill>
@@ -7414,34 +7110,69 @@
               <a:t>android</a:t>
             </a:r>
             <a:r>
-              <a:rPr lang="en-US" b="1" dirty="0" smtClean="0">
+              <a:rPr lang="en-US" b="1" strike="sngStrike" dirty="0">
                 <a:solidFill>
                   <a:srgbClr val="0000FF"/>
                 </a:solidFill>
                 <a:latin typeface="Menlo"/>
               </a:rPr>
-              <a:t>:layout_width</a:t>
-            </a:r>
-            <a:r>
-              <a:rPr lang="en-US" b="1" dirty="0">
+              <a:t>:elevation=</a:t>
+            </a:r>
+            <a:r>
+              <a:rPr lang="en-US" b="1" strike="sngStrike" dirty="0">
+                <a:solidFill>
+                  <a:srgbClr val="008000"/>
+                </a:solidFill>
+                <a:latin typeface="Menlo"/>
+              </a:rPr>
+              <a:t>"4dp"</a:t>
+            </a:r>
+            <a:br>
+              <a:rPr lang="en-US" b="1" strike="sngStrike" dirty="0">
+                <a:solidFill>
+                  <a:srgbClr val="008000"/>
+                </a:solidFill>
+                <a:latin typeface="Menlo"/>
+              </a:rPr>
+            </a:br>
+            <a:r>
+              <a:rPr lang="en-US" b="1" strike="sngStrike" dirty="0">
+                <a:solidFill>
+                  <a:srgbClr val="008000"/>
+                </a:solidFill>
+                <a:latin typeface="Menlo"/>
+              </a:rPr>
+              <a:t>     </a:t>
+            </a:r>
+            <a:r>
+              <a:rPr lang="en-US" b="1" strike="sngStrike" dirty="0">
+                <a:solidFill>
+                  <a:srgbClr val="660E7A"/>
+                </a:solidFill>
+                <a:latin typeface="Menlo"/>
+              </a:rPr>
+              <a:t>android</a:t>
+            </a:r>
+            <a:r>
+              <a:rPr lang="en-US" b="1" strike="sngStrike" dirty="0">
                 <a:solidFill>
                   <a:srgbClr val="0000FF"/>
                 </a:solidFill>
                 <a:latin typeface="Menlo"/>
               </a:rPr>
-              <a:t>=</a:t>
-            </a:r>
-            <a:r>
-              <a:rPr lang="en-US" b="1" dirty="0">
+              <a:t>:theme=</a:t>
+            </a:r>
+            <a:r>
+              <a:rPr lang="en-US" b="1" strike="sngStrike" dirty="0">
                 <a:solidFill>
                   <a:srgbClr val="008000"/>
                 </a:solidFill>
                 <a:latin typeface="Menlo"/>
               </a:rPr>
-              <a:t>"match_parent"</a:t>
+              <a:t>"@style/ThemeOverlay.AppCompat.ActionBar"</a:t>
             </a:r>
             <a:br>
-              <a:rPr lang="en-US" b="1" dirty="0">
+              <a:rPr lang="en-US" b="1" strike="sngStrike" dirty="0">
                 <a:solidFill>
                   <a:srgbClr val="008000"/>
                 </a:solidFill>
@@ -7449,25 +7180,60 @@
               </a:rPr>
             </a:br>
             <a:r>
-              <a:rPr lang="en-US" b="1" dirty="0">
+              <a:rPr lang="en-US" b="1" strike="sngStrike" dirty="0">
                 <a:solidFill>
                   <a:srgbClr val="008000"/>
                 </a:solidFill>
                 <a:latin typeface="Menlo"/>
               </a:rPr>
-              <a:t>    </a:t>
-            </a:r>
-            <a:r>
-              <a:rPr lang="en-US" b="1" dirty="0" smtClean="0">
+              <a:t>     </a:t>
+            </a:r>
+            <a:r>
+              <a:rPr lang="en-US" b="1" strike="sngStrike" dirty="0">
+                <a:solidFill>
+                  <a:srgbClr val="660E7A"/>
+                </a:solidFill>
+                <a:latin typeface="Menlo"/>
+              </a:rPr>
+              <a:t>app</a:t>
+            </a:r>
+            <a:r>
+              <a:rPr lang="en-US" b="1" strike="sngStrike" dirty="0">
+                <a:solidFill>
+                  <a:srgbClr val="0000FF"/>
+                </a:solidFill>
+                <a:latin typeface="Menlo"/>
+              </a:rPr>
+              <a:t>:popupTheme=</a:t>
+            </a:r>
+            <a:r>
+              <a:rPr lang="en-US" b="1" strike="sngStrike" dirty="0">
                 <a:solidFill>
                   <a:srgbClr val="008000"/>
                 </a:solidFill>
                 <a:latin typeface="Menlo"/>
               </a:rPr>
-              <a:t> </a:t>
-            </a:r>
-            <a:r>
-              <a:rPr lang="en-US" b="1" dirty="0" smtClean="0">
+              <a:t>"@style/ThemeOverlay.AppCompat.Light"</a:t>
+            </a:r>
+            <a:br>
+              <a:rPr lang="en-US" b="1" strike="sngStrike" dirty="0">
+                <a:solidFill>
+                  <a:srgbClr val="008000"/>
+                </a:solidFill>
+                <a:latin typeface="Menlo"/>
+              </a:rPr>
+            </a:br>
+            <a:r>
+              <a:rPr lang="en-US" b="1" strike="sngStrike" dirty="0">
+                <a:solidFill>
+                  <a:srgbClr val="008000"/>
+                </a:solidFill>
+                <a:latin typeface="Menlo"/>
+              </a:rPr>
+              <a:t>     </a:t>
+            </a:r>
+            <a:r>
+              <a:rPr lang="en-US" b="1" strike="sngStrike" dirty="0">
                 <a:solidFill>
                   <a:srgbClr val="660E7A"/>
                 </a:solidFill>
@@ -7476,34 +7242,69 @@
               <a:t>android</a:t>
             </a:r>
             <a:r>
-              <a:rPr lang="en-US" b="1" dirty="0" smtClean="0">
+              <a:rPr lang="en-US" b="1" strike="sngStrike" dirty="0">
                 <a:solidFill>
                   <a:srgbClr val="0000FF"/>
                 </a:solidFill>
                 <a:latin typeface="Menlo"/>
               </a:rPr>
-              <a:t>:layout_height</a:t>
-            </a:r>
-            <a:r>
-              <a:rPr lang="en-US" b="1" dirty="0">
+              <a:t>:layout_alignParentTop=</a:t>
+            </a:r>
+            <a:r>
+              <a:rPr lang="en-US" b="1" strike="sngStrike" dirty="0">
+                <a:solidFill>
+                  <a:srgbClr val="008000"/>
+                </a:solidFill>
+                <a:latin typeface="Menlo"/>
+              </a:rPr>
+              <a:t>"true"</a:t>
+            </a:r>
+            <a:br>
+              <a:rPr lang="en-US" b="1" strike="sngStrike" dirty="0">
+                <a:solidFill>
+                  <a:srgbClr val="008000"/>
+                </a:solidFill>
+                <a:latin typeface="Menlo"/>
+              </a:rPr>
+            </a:br>
+            <a:r>
+              <a:rPr lang="en-US" b="1" strike="sngStrike" dirty="0">
+                <a:solidFill>
+                  <a:srgbClr val="008000"/>
+                </a:solidFill>
+                <a:latin typeface="Menlo"/>
+              </a:rPr>
+              <a:t>     </a:t>
+            </a:r>
+            <a:r>
+              <a:rPr lang="en-US" b="1" strike="sngStrike" dirty="0">
+                <a:solidFill>
+                  <a:srgbClr val="660E7A"/>
+                </a:solidFill>
+                <a:latin typeface="Menlo"/>
+              </a:rPr>
+              <a:t>android</a:t>
+            </a:r>
+            <a:r>
+              <a:rPr lang="en-US" b="1" strike="sngStrike" dirty="0">
                 <a:solidFill>
                   <a:srgbClr val="0000FF"/>
                 </a:solidFill>
                 <a:latin typeface="Menlo"/>
               </a:rPr>
-              <a:t>=</a:t>
-            </a:r>
-            <a:r>
-              <a:rPr lang="en-US" b="1" dirty="0">
+              <a:t>:layout_alignParentRight=</a:t>
+            </a:r>
+            <a:r>
+              <a:rPr lang="en-US" b="1" strike="sngStrike" dirty="0">
                 <a:solidFill>
                   <a:srgbClr val="008000"/>
                 </a:solidFill>
                 <a:latin typeface="Menlo"/>
               </a:rPr>
-              <a:t>"?attr/actionBarSize"</a:t>
+              <a:t>"true"</a:t>
             </a:r>
             <a:br>
-              <a:rPr lang="en-US" b="1" dirty="0">
+              <a:rPr lang="en-US" b="1" strike="sngStrike" dirty="0">
                 <a:solidFill>
                   <a:srgbClr val="008000"/>
                 </a:solidFill>
@@ -7511,433 +7312,43 @@
               </a:rPr>
             </a:br>
             <a:r>
-              <a:rPr lang="en-US" b="1" dirty="0">
+              <a:rPr lang="en-US" b="1" strike="sngStrike" dirty="0">
                 <a:solidFill>
                   <a:srgbClr val="008000"/>
                 </a:solidFill>
                 <a:latin typeface="Menlo"/>
               </a:rPr>
-              <a:t>    </a:t>
-            </a:r>
-            <a:r>
-              <a:rPr lang="en-US" b="1" dirty="0" smtClean="0">
+              <a:t>     </a:t>
+            </a:r>
+            <a:r>
+              <a:rPr lang="en-US" b="1" strike="sngStrike" dirty="0">
+                <a:solidFill>
+                  <a:srgbClr val="660E7A"/>
+                </a:solidFill>
+                <a:latin typeface="Menlo"/>
+              </a:rPr>
+              <a:t>android</a:t>
+            </a:r>
+            <a:r>
+              <a:rPr lang="en-US" b="1" strike="sngStrike" dirty="0">
+                <a:solidFill>
+                  <a:srgbClr val="0000FF"/>
+                </a:solidFill>
+                <a:latin typeface="Menlo"/>
+              </a:rPr>
+              <a:t>:layout_alignParentEnd=</a:t>
+            </a:r>
+            <a:r>
+              <a:rPr lang="en-US" b="1" strike="sngStrike" dirty="0">
                 <a:solidFill>
                   <a:srgbClr val="008000"/>
                 </a:solidFill>
                 <a:latin typeface="Menlo"/>
               </a:rPr>
-              <a:t> </a:t>
-            </a:r>
-            <a:r>
-              <a:rPr lang="en-US" b="1" dirty="0" smtClean="0">
-                <a:solidFill>
-                  <a:srgbClr val="660E7A"/>
-                </a:solidFill>
-                <a:latin typeface="Menlo"/>
-              </a:rPr>
-              <a:t>android</a:t>
-            </a:r>
-            <a:r>
-              <a:rPr lang="en-US" b="1" dirty="0" smtClean="0">
-                <a:solidFill>
-                  <a:srgbClr val="0000FF"/>
-                </a:solidFill>
-                <a:latin typeface="Menlo"/>
-              </a:rPr>
-              <a:t>:background</a:t>
-            </a:r>
-            <a:r>
-              <a:rPr lang="en-US" b="1" dirty="0">
-                <a:solidFill>
-                  <a:srgbClr val="0000FF"/>
-                </a:solidFill>
-                <a:latin typeface="Menlo"/>
-              </a:rPr>
-              <a:t>=</a:t>
-            </a:r>
-            <a:r>
-              <a:rPr lang="en-US" b="1" dirty="0">
-                <a:solidFill>
-                  <a:srgbClr val="008000"/>
-                </a:solidFill>
-                <a:latin typeface="Menlo"/>
-              </a:rPr>
-              <a:t>"?attr/colorPrimary"</a:t>
-            </a:r>
-            <a:br>
-              <a:rPr lang="en-US" b="1" dirty="0">
-                <a:solidFill>
-                  <a:srgbClr val="008000"/>
-                </a:solidFill>
-                <a:latin typeface="Menlo"/>
-              </a:rPr>
-            </a:br>
-            <a:r>
-              <a:rPr lang="en-US" b="1" dirty="0">
-                <a:solidFill>
-                  <a:srgbClr val="008000"/>
-                </a:solidFill>
-                <a:latin typeface="Menlo"/>
-              </a:rPr>
-              <a:t>    </a:t>
-            </a:r>
-            <a:r>
-              <a:rPr lang="en-US" b="1" dirty="0" smtClean="0">
-                <a:solidFill>
-                  <a:srgbClr val="008000"/>
-                </a:solidFill>
-                <a:latin typeface="Menlo"/>
-              </a:rPr>
-              <a:t> </a:t>
-            </a:r>
-            <a:r>
-              <a:rPr lang="en-US" b="1" dirty="0" smtClean="0">
-                <a:solidFill>
-                  <a:srgbClr val="660E7A"/>
-                </a:solidFill>
-                <a:latin typeface="Menlo"/>
-              </a:rPr>
-              <a:t>android</a:t>
-            </a:r>
-            <a:r>
-              <a:rPr lang="en-US" b="1" dirty="0" smtClean="0">
-                <a:solidFill>
-                  <a:srgbClr val="0000FF"/>
-                </a:solidFill>
-                <a:latin typeface="Menlo"/>
-              </a:rPr>
-              <a:t>:elevation</a:t>
-            </a:r>
-            <a:r>
-              <a:rPr lang="en-US" b="1" dirty="0">
-                <a:solidFill>
-                  <a:srgbClr val="0000FF"/>
-                </a:solidFill>
-                <a:latin typeface="Menlo"/>
-              </a:rPr>
-              <a:t>=</a:t>
-            </a:r>
-            <a:r>
-              <a:rPr lang="en-US" b="1" dirty="0">
-                <a:solidFill>
-                  <a:srgbClr val="008000"/>
-                </a:solidFill>
-                <a:latin typeface="Menlo"/>
-              </a:rPr>
-              <a:t>"4dp"</a:t>
-            </a:r>
-            <a:br>
-              <a:rPr lang="en-US" b="1" dirty="0">
-                <a:solidFill>
-                  <a:srgbClr val="008000"/>
-                </a:solidFill>
-                <a:latin typeface="Menlo"/>
-              </a:rPr>
-            </a:br>
-            <a:r>
-              <a:rPr lang="en-US" b="1" dirty="0">
-                <a:solidFill>
-                  <a:srgbClr val="008000"/>
-                </a:solidFill>
-                <a:latin typeface="Menlo"/>
-              </a:rPr>
-              <a:t>    </a:t>
-            </a:r>
-            <a:r>
-              <a:rPr lang="en-US" b="1" dirty="0" smtClean="0">
-                <a:solidFill>
-                  <a:srgbClr val="008000"/>
-                </a:solidFill>
-                <a:latin typeface="Menlo"/>
-              </a:rPr>
-              <a:t> </a:t>
-            </a:r>
-            <a:r>
-              <a:rPr lang="en-US" b="1" dirty="0" smtClean="0">
-                <a:solidFill>
-                  <a:srgbClr val="660E7A"/>
-                </a:solidFill>
-                <a:latin typeface="Menlo"/>
-              </a:rPr>
-              <a:t>android</a:t>
-            </a:r>
-            <a:r>
-              <a:rPr lang="en-US" b="1" dirty="0" smtClean="0">
-                <a:solidFill>
-                  <a:srgbClr val="0000FF"/>
-                </a:solidFill>
-                <a:latin typeface="Menlo"/>
-              </a:rPr>
-              <a:t>:theme</a:t>
-            </a:r>
-            <a:r>
-              <a:rPr lang="en-US" b="1" dirty="0">
-                <a:solidFill>
-                  <a:srgbClr val="0000FF"/>
-                </a:solidFill>
-                <a:latin typeface="Menlo"/>
-              </a:rPr>
-              <a:t>=</a:t>
-            </a:r>
-            <a:r>
-              <a:rPr lang="en-US" b="1" dirty="0">
-                <a:solidFill>
-                  <a:srgbClr val="008000"/>
-                </a:solidFill>
-                <a:latin typeface="Menlo"/>
-              </a:rPr>
-              <a:t>"@style/ThemeOverlay.AppCompat.ActionBar"</a:t>
-            </a:r>
-            <a:br>
-              <a:rPr lang="en-US" b="1" dirty="0">
-                <a:solidFill>
-                  <a:srgbClr val="008000"/>
-                </a:solidFill>
-                <a:latin typeface="Menlo"/>
-              </a:rPr>
-            </a:br>
-            <a:r>
-              <a:rPr lang="en-US" b="1" dirty="0">
-                <a:solidFill>
-                  <a:srgbClr val="008000"/>
-                </a:solidFill>
-                <a:latin typeface="Menlo"/>
-              </a:rPr>
-              <a:t>    </a:t>
-            </a:r>
-            <a:r>
-              <a:rPr lang="en-US" b="1" dirty="0" smtClean="0">
-                <a:solidFill>
-                  <a:srgbClr val="008000"/>
-                </a:solidFill>
-                <a:latin typeface="Menlo"/>
-              </a:rPr>
-              <a:t> </a:t>
-            </a:r>
-            <a:r>
-              <a:rPr lang="en-US" b="1" dirty="0" smtClean="0">
-                <a:solidFill>
-                  <a:srgbClr val="660E7A"/>
-                </a:solidFill>
-                <a:latin typeface="Menlo"/>
-              </a:rPr>
-              <a:t>app</a:t>
-            </a:r>
-            <a:r>
-              <a:rPr lang="en-US" b="1" dirty="0" smtClean="0">
-                <a:solidFill>
-                  <a:srgbClr val="0000FF"/>
-                </a:solidFill>
-                <a:latin typeface="Menlo"/>
-              </a:rPr>
-              <a:t>:popupTheme</a:t>
-            </a:r>
-            <a:r>
-              <a:rPr lang="en-US" b="1" dirty="0">
-                <a:solidFill>
-                  <a:srgbClr val="0000FF"/>
-                </a:solidFill>
-                <a:latin typeface="Menlo"/>
-              </a:rPr>
-              <a:t>=</a:t>
-            </a:r>
-            <a:r>
-              <a:rPr lang="en-US" b="1" dirty="0">
-                <a:solidFill>
-                  <a:srgbClr val="008000"/>
-                </a:solidFill>
-                <a:latin typeface="Menlo"/>
-              </a:rPr>
-              <a:t>"@style/ThemeOverlay.AppCompat.Light"</a:t>
-            </a:r>
-            <a:br>
-              <a:rPr lang="en-US" b="1" dirty="0">
-                <a:solidFill>
-                  <a:srgbClr val="008000"/>
-                </a:solidFill>
-                <a:latin typeface="Menlo"/>
-              </a:rPr>
-            </a:br>
-            <a:r>
-              <a:rPr lang="en-US" b="1" dirty="0">
-                <a:solidFill>
-                  <a:srgbClr val="008000"/>
-                </a:solidFill>
-                <a:latin typeface="Menlo"/>
-              </a:rPr>
-              <a:t>    </a:t>
-            </a:r>
-            <a:r>
-              <a:rPr lang="en-US" b="1" dirty="0" smtClean="0">
-                <a:solidFill>
-                  <a:srgbClr val="008000"/>
-                </a:solidFill>
-                <a:latin typeface="Menlo"/>
-              </a:rPr>
-              <a:t> </a:t>
-            </a:r>
-            <a:r>
-              <a:rPr lang="en-US" b="1" dirty="0" smtClean="0">
-                <a:solidFill>
-                  <a:srgbClr val="660E7A"/>
-                </a:solidFill>
-                <a:latin typeface="Menlo"/>
-              </a:rPr>
-              <a:t>android</a:t>
-            </a:r>
-            <a:r>
-              <a:rPr lang="en-US" b="1" dirty="0" smtClean="0">
-                <a:solidFill>
-                  <a:srgbClr val="0000FF"/>
-                </a:solidFill>
-                <a:latin typeface="Menlo"/>
-              </a:rPr>
-              <a:t>:layout_alignParentTop</a:t>
-            </a:r>
-            <a:r>
-              <a:rPr lang="en-US" b="1" dirty="0">
-                <a:solidFill>
-                  <a:srgbClr val="0000FF"/>
-                </a:solidFill>
-                <a:latin typeface="Menlo"/>
-              </a:rPr>
-              <a:t>=</a:t>
-            </a:r>
-            <a:r>
-              <a:rPr lang="en-US" b="1" dirty="0">
-                <a:solidFill>
-                  <a:srgbClr val="008000"/>
-                </a:solidFill>
-                <a:latin typeface="Menlo"/>
-              </a:rPr>
-              <a:t>"true"</a:t>
-            </a:r>
-            <a:br>
-              <a:rPr lang="en-US" b="1" dirty="0">
-                <a:solidFill>
-                  <a:srgbClr val="008000"/>
-                </a:solidFill>
-                <a:latin typeface="Menlo"/>
-              </a:rPr>
-            </a:br>
-            <a:r>
-              <a:rPr lang="en-US" b="1" dirty="0">
-                <a:solidFill>
-                  <a:srgbClr val="008000"/>
-                </a:solidFill>
-                <a:latin typeface="Menlo"/>
-              </a:rPr>
-              <a:t>    </a:t>
-            </a:r>
-            <a:r>
-              <a:rPr lang="en-US" b="1" dirty="0" smtClean="0">
-                <a:solidFill>
-                  <a:srgbClr val="008000"/>
-                </a:solidFill>
-                <a:latin typeface="Menlo"/>
-              </a:rPr>
-              <a:t> </a:t>
-            </a:r>
-            <a:r>
-              <a:rPr lang="en-US" b="1" dirty="0" smtClean="0">
-                <a:solidFill>
-                  <a:srgbClr val="660E7A"/>
-                </a:solidFill>
-                <a:latin typeface="Menlo"/>
-              </a:rPr>
-              <a:t>android</a:t>
-            </a:r>
-            <a:r>
-              <a:rPr lang="en-US" b="1" dirty="0" smtClean="0">
-                <a:solidFill>
-                  <a:srgbClr val="0000FF"/>
-                </a:solidFill>
-                <a:latin typeface="Menlo"/>
-              </a:rPr>
-              <a:t>:layout_alignParentRight</a:t>
-            </a:r>
-            <a:r>
-              <a:rPr lang="en-US" b="1" dirty="0">
-                <a:solidFill>
-                  <a:srgbClr val="0000FF"/>
-                </a:solidFill>
-                <a:latin typeface="Menlo"/>
-              </a:rPr>
-              <a:t>=</a:t>
-            </a:r>
-            <a:r>
-              <a:rPr lang="en-US" b="1" dirty="0">
-                <a:solidFill>
-                  <a:srgbClr val="008000"/>
-                </a:solidFill>
-                <a:latin typeface="Menlo"/>
-              </a:rPr>
-              <a:t>"true"</a:t>
-            </a:r>
-            <a:br>
-              <a:rPr lang="en-US" b="1" dirty="0">
-                <a:solidFill>
-                  <a:srgbClr val="008000"/>
-                </a:solidFill>
-                <a:latin typeface="Menlo"/>
-              </a:rPr>
-            </a:br>
-            <a:r>
-              <a:rPr lang="en-US" b="1" dirty="0">
-                <a:solidFill>
-                  <a:srgbClr val="008000"/>
-                </a:solidFill>
-                <a:latin typeface="Menlo"/>
-              </a:rPr>
-              <a:t>    </a:t>
-            </a:r>
-            <a:r>
-              <a:rPr lang="en-US" b="1" dirty="0" smtClean="0">
-                <a:solidFill>
-                  <a:srgbClr val="008000"/>
-                </a:solidFill>
-                <a:latin typeface="Menlo"/>
-              </a:rPr>
-              <a:t> </a:t>
-            </a:r>
-            <a:r>
-              <a:rPr lang="en-US" b="1" dirty="0" smtClean="0">
-                <a:solidFill>
-                  <a:srgbClr val="660E7A"/>
-                </a:solidFill>
-                <a:latin typeface="Menlo"/>
-              </a:rPr>
-              <a:t>android</a:t>
-            </a:r>
-            <a:r>
-              <a:rPr lang="en-US" b="1" dirty="0" smtClean="0">
-                <a:solidFill>
-                  <a:srgbClr val="0000FF"/>
-                </a:solidFill>
-                <a:latin typeface="Menlo"/>
-              </a:rPr>
-              <a:t>:layout_alignParentEnd</a:t>
-            </a:r>
-            <a:r>
-              <a:rPr lang="en-US" b="1" dirty="0">
-                <a:solidFill>
-                  <a:srgbClr val="0000FF"/>
-                </a:solidFill>
-                <a:latin typeface="Menlo"/>
-              </a:rPr>
-              <a:t>=</a:t>
-            </a:r>
-            <a:r>
-              <a:rPr lang="en-US" b="1" dirty="0">
-                <a:solidFill>
-                  <a:srgbClr val="008000"/>
-                </a:solidFill>
-                <a:latin typeface="Menlo"/>
-              </a:rPr>
               <a:t>"true" </a:t>
             </a:r>
             <a:r>
-              <a:rPr lang="en-US" dirty="0">
+              <a:rPr lang="en-US" strike="sngStrike" dirty="0">
                 <a:solidFill>
                   <a:srgbClr val="000000"/>
                 </a:solidFill>
@@ -7952,52 +7363,40 @@
               <a:buAutoNum type="arabicPeriod"/>
             </a:pPr>
             <a:r>
-              <a:rPr lang="en-US" sz="5100" dirty="0" smtClean="0"/>
+              <a:rPr lang="en-US" sz="5100" strike="sngStrike" dirty="0"/>
               <a:t>In </a:t>
             </a:r>
             <a:r>
-              <a:rPr lang="en-US" sz="5100" i="1" dirty="0" smtClean="0"/>
-              <a:t>onCreate</a:t>
-            </a:r>
-            <a:r>
-              <a:rPr lang="en-US" sz="5100" i="1" dirty="0"/>
-              <a:t>(</a:t>
-            </a:r>
-            <a:r>
-              <a:rPr lang="en-US" sz="5100" i="1" dirty="0" smtClean="0"/>
-              <a:t>)</a:t>
-            </a:r>
-            <a:r>
-              <a:rPr lang="en-US" sz="5100" dirty="0" smtClean="0"/>
-              <a:t>, </a:t>
-            </a:r>
-            <a:r>
-              <a:rPr lang="en-US" sz="5100" dirty="0"/>
-              <a:t>call the activity's </a:t>
-            </a:r>
-            <a:r>
-              <a:rPr lang="en-US" sz="5100" i="1" dirty="0"/>
+              <a:rPr lang="en-US" sz="5100" i="1" strike="sngStrike" dirty="0"/>
+              <a:t>onCreate()</a:t>
+            </a:r>
+            <a:r>
+              <a:rPr lang="en-US" sz="5100" strike="sngStrike" dirty="0"/>
+              <a:t>, call the activity's </a:t>
+            </a:r>
+            <a:r>
+              <a:rPr lang="en-US" sz="5100" i="1" strike="sngStrike" dirty="0"/>
               <a:t>setSupportActionBar() </a:t>
             </a:r>
             <a:r>
-              <a:rPr lang="en-US" sz="5100" dirty="0" smtClean="0"/>
+              <a:rPr lang="en-US" sz="5100" strike="sngStrike" dirty="0"/>
               <a:t>method:</a:t>
             </a:r>
             <a:br>
-              <a:rPr lang="en-US" sz="5100" dirty="0" smtClean="0"/>
+              <a:rPr lang="en-US" sz="5100" strike="sngStrike" dirty="0"/>
             </a:br>
             <a:r>
-              <a:rPr lang="en-US" sz="4200" dirty="0" smtClean="0"/>
+              <a:rPr lang="en-US" sz="4200" strike="sngStrike" dirty="0"/>
               <a:t>   </a:t>
             </a:r>
             <a:r>
-              <a:rPr lang="en-US" sz="3200" dirty="0" smtClean="0">
+              <a:rPr lang="en-US" sz="3200" strike="sngStrike" dirty="0">
                 <a:latin typeface="Menlo"/>
               </a:rPr>
               <a:t>Toolbar toolbar = (Toolbar) findViewById(R.id.</a:t>
             </a:r>
             <a:r>
-              <a:rPr lang="en-US" sz="3200" b="1" i="1" dirty="0" smtClean="0">
+              <a:rPr lang="en-US" sz="3200" b="1" i="1" strike="sngStrike" dirty="0">
                 <a:solidFill>
                   <a:srgbClr val="660E7A"/>
                 </a:solidFill>
@@ -8006,7 +7405,7 @@
               <a:t>toolbar</a:t>
             </a:r>
             <a:r>
-              <a:rPr lang="en-US" sz="3200" dirty="0" smtClean="0">
+              <a:rPr lang="en-US" sz="3200" strike="sngStrike" dirty="0">
                 <a:solidFill>
                   <a:srgbClr val="000000"/>
                 </a:solidFill>
@@ -8015,7 +7414,7 @@
               <a:t>);</a:t>
             </a:r>
             <a:br>
-              <a:rPr lang="en-US" sz="3200" dirty="0" smtClean="0">
+              <a:rPr lang="en-US" sz="3200" strike="sngStrike" dirty="0">
                 <a:solidFill>
                   <a:srgbClr val="000000"/>
                 </a:solidFill>
@@ -8023,7 +7422,7 @@
               </a:rPr>
             </a:br>
             <a:r>
-              <a:rPr lang="en-US" dirty="0" smtClean="0">
+              <a:rPr lang="en-US" strike="sngStrike" dirty="0">
                 <a:solidFill>
                   <a:srgbClr val="000000"/>
                 </a:solidFill>
@@ -8032,7 +7431,7 @@
               <a:t>  </a:t>
             </a:r>
             <a:r>
-              <a:rPr lang="en-US" sz="3200" dirty="0" smtClean="0">
+              <a:rPr lang="en-US" sz="3200" strike="sngStrike" dirty="0">
                 <a:solidFill>
                   <a:srgbClr val="000000"/>
                 </a:solidFill>
@@ -8040,12 +7439,6 @@
               </a:rPr>
               <a:t>setSupportActionBar(toolbar);</a:t>
             </a:r>
-            <a:endParaRPr lang="en-US" sz="3200" dirty="0">
-              <a:solidFill>
-                <a:srgbClr val="000000"/>
-              </a:solidFill>
-              <a:latin typeface="Menlo"/>
-            </a:endParaRPr>
           </a:p>
         </p:txBody>
       </p:sp>
@@ -8095,18 +7488,13 @@
           <a:lstStyle/>
           <a:p>
             <a:r>
-              <a:rPr lang="en-US" dirty="0" smtClean="0">
+              <a:rPr lang="en-US" dirty="0">
                 <a:solidFill>
                   <a:srgbClr val="2D2DB9"/>
                 </a:solidFill>
               </a:rPr>
               <a:t>Course Overview</a:t>
             </a:r>
-            <a:endParaRPr lang="en-US" dirty="0">
-              <a:solidFill>
-                <a:srgbClr val="2D2DB9"/>
-              </a:solidFill>
-            </a:endParaRPr>
           </a:p>
         </p:txBody>
       </p:sp>
@@ -8136,8 +7524,20 @@
                 <a:tableStyleId>{5C22544A-7EE6-4342-B048-85BDC9FD1C3A}</a:tableStyleId>
               </a:tblPr>
               <a:tblGrid>
-                <a:gridCol w="511701"/>
-                <a:gridCol w="3299499"/>
+                <a:gridCol w="511701">
+                  <a:extLst>
+                    <a:ext uri="{9D8B030D-6E8A-4147-A177-3AD203B41FA5}">
+                      <a16:colId xmlns:a16="http://schemas.microsoft.com/office/drawing/2014/main" val="20000"/>
+                    </a:ext>
+                  </a:extLst>
+                </a:gridCol>
+                <a:gridCol w="3299499">
+                  <a:extLst>
+                    <a:ext uri="{9D8B030D-6E8A-4147-A177-3AD203B41FA5}">
+                      <a16:colId xmlns:a16="http://schemas.microsoft.com/office/drawing/2014/main" val="20001"/>
+                    </a:ext>
+                  </a:extLst>
+                </a:gridCol>
               </a:tblGrid>
               <a:tr h="428284">
                 <a:tc>
@@ -8146,10 +7546,9 @@
                     <a:lstStyle/>
                     <a:p>
                       <a:r>
-                        <a:rPr lang="en-US" dirty="0" smtClean="0"/>
+                        <a:rPr lang="en-US" dirty="0"/>
                         <a:t>Wk</a:t>
                       </a:r>
-                      <a:endParaRPr lang="en-US" dirty="0"/>
                     </a:p>
                   </a:txBody>
                   <a:tcPr/>
@@ -8160,14 +7559,18 @@
                     <a:lstStyle/>
                     <a:p>
                       <a:r>
-                        <a:rPr lang="en-US" dirty="0" smtClean="0"/>
+                        <a:rPr lang="en-US" dirty="0"/>
                         <a:t>Topic</a:t>
                       </a:r>
-                      <a:endParaRPr lang="en-US" dirty="0"/>
                     </a:p>
                   </a:txBody>
                   <a:tcPr/>
                 </a:tc>
+                <a:extLst>
+                  <a:ext uri="{0D108BD9-81ED-4DB2-BD59-A6C34878D82A}">
+                    <a16:rowId xmlns:a16="http://schemas.microsoft.com/office/drawing/2014/main" val="10000"/>
+                  </a:ext>
+                </a:extLst>
               </a:tr>
               <a:tr h="428284">
                 <a:tc>
@@ -8176,10 +7579,9 @@
                     <a:lstStyle/>
                     <a:p>
                       <a:r>
-                        <a:rPr lang="en-US" sz="2800" dirty="0" smtClean="0"/>
+                        <a:rPr lang="en-US" sz="2800" dirty="0"/>
                         <a:t>1</a:t>
                       </a:r>
-                      <a:endParaRPr lang="en-US" sz="2800" dirty="0"/>
                     </a:p>
                   </a:txBody>
                   <a:tcPr/>
@@ -8207,28 +7609,33 @@
                         <a:defRPr/>
                       </a:pPr>
                       <a:r>
-                        <a:rPr lang="en-US" sz="2800" dirty="0" smtClean="0"/>
+                        <a:rPr lang="en-US" sz="2800" dirty="0"/>
                         <a:t>Intro</a:t>
                       </a:r>
                       <a:r>
-                        <a:rPr lang="en-US" sz="2800" baseline="0" dirty="0" smtClean="0"/>
+                        <a:rPr lang="en-US" sz="2800" baseline="0" dirty="0"/>
                         <a:t>,</a:t>
                       </a:r>
                       <a:r>
-                        <a:rPr lang="en-US" sz="2800" dirty="0" smtClean="0"/>
+                        <a:rPr lang="en-US" sz="2800" dirty="0"/>
                         <a:t> </a:t>
                       </a:r>
                       <a:br>
-                        <a:rPr lang="en-US" sz="2800" dirty="0" smtClean="0"/>
+                        <a:rPr lang="en-US" sz="2800" dirty="0"/>
                       </a:br>
                       <a:r>
-                        <a:rPr lang="en-US" sz="2800" dirty="0" smtClean="0"/>
+                        <a:rPr lang="en-US" sz="2800" dirty="0"/>
                         <a:t>single-screen apps</a:t>
                       </a:r>
                     </a:p>
                   </a:txBody>
                   <a:tcPr/>
                 </a:tc>
+                <a:extLst>
+                  <a:ext uri="{0D108BD9-81ED-4DB2-BD59-A6C34878D82A}">
+                    <a16:rowId xmlns:a16="http://schemas.microsoft.com/office/drawing/2014/main" val="10001"/>
+                  </a:ext>
+                </a:extLst>
               </a:tr>
               <a:tr h="428284">
                 <a:tc>
@@ -8237,10 +7644,9 @@
                     <a:lstStyle/>
                     <a:p>
                       <a:r>
-                        <a:rPr lang="en-US" sz="2800" dirty="0" smtClean="0"/>
+                        <a:rPr lang="en-US" sz="2800" dirty="0"/>
                         <a:t>1</a:t>
                       </a:r>
-                      <a:endParaRPr lang="en-US" sz="2800" dirty="0"/>
                     </a:p>
                   </a:txBody>
                   <a:tcPr/>
@@ -8268,18 +7674,23 @@
                         <a:defRPr/>
                       </a:pPr>
                       <a:r>
-                        <a:rPr lang="en-US" sz="2800" dirty="0" smtClean="0"/>
+                        <a:rPr lang="en-US" sz="2800" dirty="0"/>
                         <a:t>Activity Lifecycle, saving</a:t>
                       </a:r>
                       <a:r>
-                        <a:rPr lang="en-US" sz="2800" baseline="0" dirty="0" smtClean="0"/>
+                        <a:rPr lang="en-US" sz="2800" baseline="0" dirty="0"/>
                         <a:t> activity state</a:t>
                       </a:r>
-                      <a:endParaRPr lang="en-US" sz="2800" dirty="0" smtClean="0"/>
+                      <a:endParaRPr lang="en-US" sz="2800" dirty="0"/>
                     </a:p>
                   </a:txBody>
                   <a:tcPr/>
                 </a:tc>
+                <a:extLst>
+                  <a:ext uri="{0D108BD9-81ED-4DB2-BD59-A6C34878D82A}">
+                    <a16:rowId xmlns:a16="http://schemas.microsoft.com/office/drawing/2014/main" val="10002"/>
+                  </a:ext>
+                </a:extLst>
               </a:tr>
               <a:tr h="428284">
                 <a:tc>
@@ -8288,10 +7699,9 @@
                     <a:lstStyle/>
                     <a:p>
                       <a:r>
-                        <a:rPr lang="en-US" sz="2800" dirty="0" smtClean="0"/>
+                        <a:rPr lang="en-US" sz="2800" dirty="0"/>
                         <a:t>2</a:t>
                       </a:r>
-                      <a:endParaRPr lang="en-US" sz="2800" dirty="0"/>
                     </a:p>
                   </a:txBody>
                   <a:tcPr/>
@@ -8319,11 +7729,11 @@
                         <a:defRPr/>
                       </a:pPr>
                       <a:r>
-                        <a:rPr lang="en-US" sz="2800" dirty="0" smtClean="0"/>
+                        <a:rPr lang="en-US" sz="2800" dirty="0"/>
                         <a:t>Layouts</a:t>
                       </a:r>
                       <a:r>
-                        <a:rPr lang="en-US" sz="2800" baseline="0" dirty="0" smtClean="0"/>
+                        <a:rPr lang="en-US" sz="2800" baseline="0" dirty="0"/>
                         <a:t> + widgets,</a:t>
                       </a:r>
                     </a:p>
@@ -8346,14 +7756,19 @@
                         <a:defRPr/>
                       </a:pPr>
                       <a:r>
-                        <a:rPr lang="en-US" sz="2800" baseline="0" dirty="0" smtClean="0"/>
+                        <a:rPr lang="en-US" sz="2800" baseline="0" dirty="0"/>
                         <a:t>Event Handlers</a:t>
                       </a:r>
-                      <a:endParaRPr lang="en-US" sz="2800" dirty="0" smtClean="0"/>
+                      <a:endParaRPr lang="en-US" sz="2800" dirty="0"/>
                     </a:p>
                   </a:txBody>
                   <a:tcPr/>
                 </a:tc>
+                <a:extLst>
+                  <a:ext uri="{0D108BD9-81ED-4DB2-BD59-A6C34878D82A}">
+                    <a16:rowId xmlns:a16="http://schemas.microsoft.com/office/drawing/2014/main" val="10003"/>
+                  </a:ext>
+                </a:extLst>
               </a:tr>
               <a:tr h="428284">
                 <a:tc>
@@ -8362,10 +7777,9 @@
                     <a:lstStyle/>
                     <a:p>
                       <a:r>
-                        <a:rPr lang="en-US" sz="2800" dirty="0" smtClean="0"/>
+                        <a:rPr lang="en-US" sz="2800" dirty="0"/>
                         <a:t>2</a:t>
                       </a:r>
-                      <a:endParaRPr lang="en-US" sz="2800" dirty="0"/>
                     </a:p>
                   </a:txBody>
                   <a:tcPr>
@@ -8399,7 +7813,7 @@
                         <a:defRPr/>
                       </a:pPr>
                       <a:r>
-                        <a:rPr lang="en-US" sz="2800" u="none" baseline="0" dirty="0" smtClean="0"/>
+                        <a:rPr lang="en-US" sz="2800" u="none" baseline="0" dirty="0"/>
                         <a:t>Themes + styles,</a:t>
                       </a:r>
                     </a:p>
@@ -8422,10 +7836,10 @@
                         <a:defRPr/>
                       </a:pPr>
                       <a:r>
-                        <a:rPr lang="en-US" sz="2800" u="none" baseline="0" dirty="0" smtClean="0"/>
+                        <a:rPr lang="en-US" sz="2800" u="none" baseline="0" dirty="0"/>
                         <a:t>Menu + settings</a:t>
                       </a:r>
-                      <a:endParaRPr lang="en-US" sz="2800" u="none" dirty="0" smtClean="0"/>
+                      <a:endParaRPr lang="en-US" sz="2800" u="none" dirty="0"/>
                     </a:p>
                   </a:txBody>
                   <a:tcPr>
@@ -8436,6 +7850,11 @@
                     </a:solidFill>
                   </a:tcPr>
                 </a:tc>
+                <a:extLst>
+                  <a:ext uri="{0D108BD9-81ED-4DB2-BD59-A6C34878D82A}">
+                    <a16:rowId xmlns:a16="http://schemas.microsoft.com/office/drawing/2014/main" val="10004"/>
+                  </a:ext>
+                </a:extLst>
               </a:tr>
               <a:tr h="428284">
                 <a:tc>
@@ -8444,10 +7863,9 @@
                     <a:lstStyle/>
                     <a:p>
                       <a:r>
-                        <a:rPr lang="en-US" sz="2800" dirty="0" smtClean="0"/>
+                        <a:rPr lang="en-US" sz="2800" dirty="0"/>
                         <a:t>2</a:t>
                       </a:r>
-                      <a:endParaRPr lang="en-US" sz="2800" dirty="0"/>
                     </a:p>
                   </a:txBody>
                   <a:tcPr>
@@ -8479,18 +7897,14 @@
                         <a:defRPr/>
                       </a:pPr>
                       <a:r>
-                        <a:rPr lang="en-US" sz="2800" u="sng" dirty="0" smtClean="0"/>
+                        <a:rPr lang="en-US" sz="2800" u="sng" dirty="0"/>
                         <a:t>Multi-screen</a:t>
                       </a:r>
                       <a:r>
-                        <a:rPr lang="en-US" sz="2800" u="sng" baseline="0" dirty="0" smtClean="0"/>
-                        <a:t> </a:t>
+                        <a:rPr lang="en-US" sz="2800" u="sng" baseline="0" dirty="0"/>
+                        <a:t> apps</a:t>
                       </a:r>
-                      <a:r>
-                        <a:rPr lang="en-US" sz="2800" u="sng" baseline="0" dirty="0" smtClean="0"/>
-                        <a:t>apps</a:t>
-                      </a:r>
-                      <a:endParaRPr lang="en-US" sz="2800" u="none" dirty="0" smtClean="0">
+                      <a:endParaRPr lang="en-US" sz="2800" u="none" dirty="0">
                         <a:solidFill>
                           <a:schemeClr val="tx1"/>
                         </a:solidFill>
@@ -8503,6 +7917,11 @@
                     </a:solidFill>
                   </a:tcPr>
                 </a:tc>
+                <a:extLst>
+                  <a:ext uri="{0D108BD9-81ED-4DB2-BD59-A6C34878D82A}">
+                    <a16:rowId xmlns:a16="http://schemas.microsoft.com/office/drawing/2014/main" val="10005"/>
+                  </a:ext>
+                </a:extLst>
               </a:tr>
             </a:tbl>
           </a:graphicData>
@@ -8534,8 +7953,20 @@
                 <a:tableStyleId>{5C22544A-7EE6-4342-B048-85BDC9FD1C3A}</a:tableStyleId>
               </a:tblPr>
               <a:tblGrid>
-                <a:gridCol w="589196"/>
-                <a:gridCol w="3685178"/>
+                <a:gridCol w="589196">
+                  <a:extLst>
+                    <a:ext uri="{9D8B030D-6E8A-4147-A177-3AD203B41FA5}">
+                      <a16:colId xmlns:a16="http://schemas.microsoft.com/office/drawing/2014/main" val="20000"/>
+                    </a:ext>
+                  </a:extLst>
+                </a:gridCol>
+                <a:gridCol w="3685178">
+                  <a:extLst>
+                    <a:ext uri="{9D8B030D-6E8A-4147-A177-3AD203B41FA5}">
+                      <a16:colId xmlns:a16="http://schemas.microsoft.com/office/drawing/2014/main" val="20001"/>
+                    </a:ext>
+                  </a:extLst>
+                </a:gridCol>
               </a:tblGrid>
               <a:tr h="398489">
                 <a:tc>
@@ -8544,10 +7975,9 @@
                     <a:lstStyle/>
                     <a:p>
                       <a:r>
-                        <a:rPr lang="en-US" dirty="0" smtClean="0"/>
+                        <a:rPr lang="en-US" dirty="0"/>
                         <a:t>Wk</a:t>
                       </a:r>
-                      <a:endParaRPr lang="en-US" dirty="0"/>
                     </a:p>
                   </a:txBody>
                   <a:tcPr/>
@@ -8558,14 +7988,18 @@
                     <a:lstStyle/>
                     <a:p>
                       <a:r>
-                        <a:rPr lang="en-US" dirty="0" smtClean="0"/>
+                        <a:rPr lang="en-US" dirty="0"/>
                         <a:t>Topic</a:t>
                       </a:r>
-                      <a:endParaRPr lang="en-US" dirty="0"/>
                     </a:p>
                   </a:txBody>
                   <a:tcPr/>
                 </a:tc>
+                <a:extLst>
+                  <a:ext uri="{0D108BD9-81ED-4DB2-BD59-A6C34878D82A}">
+                    <a16:rowId xmlns:a16="http://schemas.microsoft.com/office/drawing/2014/main" val="10000"/>
+                  </a:ext>
+                </a:extLst>
               </a:tr>
               <a:tr h="626439">
                 <a:tc>
@@ -8574,10 +8008,9 @@
                     <a:lstStyle/>
                     <a:p>
                       <a:r>
-                        <a:rPr lang="en-US" sz="2800" dirty="0" smtClean="0"/>
+                        <a:rPr lang="en-US" sz="2800" dirty="0"/>
                         <a:t>3</a:t>
                       </a:r>
-                      <a:endParaRPr lang="en-US" sz="2800" dirty="0"/>
                     </a:p>
                   </a:txBody>
                   <a:tcPr/>
@@ -8605,14 +8038,18 @@
                         <a:defRPr/>
                       </a:pPr>
                       <a:r>
-                        <a:rPr lang="en-US" sz="2800" dirty="0" smtClean="0"/>
+                        <a:rPr lang="en-US" sz="2800" dirty="0"/>
                         <a:t>Fragments</a:t>
                       </a:r>
-                      <a:endParaRPr lang="en-US" sz="2800" dirty="0" smtClean="0"/>
                     </a:p>
                   </a:txBody>
                   <a:tcPr/>
                 </a:tc>
+                <a:extLst>
+                  <a:ext uri="{0D108BD9-81ED-4DB2-BD59-A6C34878D82A}">
+                    <a16:rowId xmlns:a16="http://schemas.microsoft.com/office/drawing/2014/main" val="10001"/>
+                  </a:ext>
+                </a:extLst>
               </a:tr>
               <a:tr h="1015329">
                 <a:tc>
@@ -8621,10 +8058,9 @@
                     <a:lstStyle/>
                     <a:p>
                       <a:r>
-                        <a:rPr lang="en-US" sz="2800" dirty="0" smtClean="0"/>
+                        <a:rPr lang="en-US" sz="2800" dirty="0"/>
                         <a:t>3</a:t>
                       </a:r>
-                      <a:endParaRPr lang="en-US" sz="2800" dirty="0"/>
                     </a:p>
                   </a:txBody>
                   <a:tcPr/>
@@ -8652,7 +8088,7 @@
                         <a:defRPr/>
                       </a:pPr>
                       <a:r>
-                        <a:rPr lang="en-US" sz="2800" baseline="0" dirty="0" smtClean="0"/>
+                        <a:rPr lang="en-US" sz="2800" baseline="0" dirty="0"/>
                         <a:t>Reading XML files,</a:t>
                       </a:r>
                     </a:p>
@@ -8675,14 +8111,19 @@
                         <a:defRPr/>
                       </a:pPr>
                       <a:r>
-                        <a:rPr lang="en-US" sz="2800" baseline="0" dirty="0" smtClean="0"/>
+                        <a:rPr lang="en-US" sz="2800" baseline="0" dirty="0"/>
                         <a:t>Asynch Tasks</a:t>
                       </a:r>
-                      <a:endParaRPr lang="en-US" sz="2800" dirty="0" smtClean="0"/>
+                      <a:endParaRPr lang="en-US" sz="2800" dirty="0"/>
                     </a:p>
                   </a:txBody>
                   <a:tcPr/>
                 </a:tc>
+                <a:extLst>
+                  <a:ext uri="{0D108BD9-81ED-4DB2-BD59-A6C34878D82A}">
+                    <a16:rowId xmlns:a16="http://schemas.microsoft.com/office/drawing/2014/main" val="10002"/>
+                  </a:ext>
+                </a:extLst>
               </a:tr>
               <a:tr h="556793">
                 <a:tc>
@@ -8691,10 +8132,9 @@
                     <a:lstStyle/>
                     <a:p>
                       <a:r>
-                        <a:rPr lang="en-US" sz="2800" dirty="0" smtClean="0"/>
+                        <a:rPr lang="en-US" sz="2800" dirty="0"/>
                         <a:t>3</a:t>
                       </a:r>
-                      <a:endParaRPr lang="en-US" sz="2800" dirty="0"/>
                     </a:p>
                   </a:txBody>
                   <a:tcPr/>
@@ -8722,13 +8162,18 @@
                         <a:defRPr/>
                       </a:pPr>
                       <a:r>
-                        <a:rPr lang="en-US" sz="2800" dirty="0" smtClean="0"/>
+                        <a:rPr lang="en-US" sz="2800" dirty="0"/>
                         <a:t>List Views</a:t>
                       </a:r>
                     </a:p>
                   </a:txBody>
                   <a:tcPr/>
                 </a:tc>
+                <a:extLst>
+                  <a:ext uri="{0D108BD9-81ED-4DB2-BD59-A6C34878D82A}">
+                    <a16:rowId xmlns:a16="http://schemas.microsoft.com/office/drawing/2014/main" val="10003"/>
+                  </a:ext>
+                </a:extLst>
               </a:tr>
               <a:tr h="556793">
                 <a:tc>
@@ -8737,10 +8182,9 @@
                     <a:lstStyle/>
                     <a:p>
                       <a:r>
-                        <a:rPr lang="en-US" sz="2800" dirty="0" smtClean="0"/>
+                        <a:rPr lang="en-US" sz="2800" dirty="0"/>
                         <a:t>3</a:t>
                       </a:r>
-                      <a:endParaRPr lang="en-US" sz="2800" dirty="0"/>
                     </a:p>
                   </a:txBody>
                   <a:tcPr/>
@@ -8768,18 +8212,23 @@
                         <a:defRPr/>
                       </a:pPr>
                       <a:r>
-                        <a:rPr lang="en-US" sz="2800" dirty="0" smtClean="0"/>
+                        <a:rPr lang="en-US" sz="2800" dirty="0"/>
                         <a:t>SQLite</a:t>
                       </a:r>
                       <a:r>
-                        <a:rPr lang="en-US" sz="2800" baseline="0" dirty="0" smtClean="0"/>
+                        <a:rPr lang="en-US" sz="2800" baseline="0" dirty="0"/>
                         <a:t> Database</a:t>
                       </a:r>
-                      <a:endParaRPr lang="en-US" sz="2800" dirty="0" smtClean="0"/>
+                      <a:endParaRPr lang="en-US" sz="2800" dirty="0"/>
                     </a:p>
                   </a:txBody>
                   <a:tcPr/>
                 </a:tc>
+                <a:extLst>
+                  <a:ext uri="{0D108BD9-81ED-4DB2-BD59-A6C34878D82A}">
+                    <a16:rowId xmlns:a16="http://schemas.microsoft.com/office/drawing/2014/main" val="10004"/>
+                  </a:ext>
+                </a:extLst>
               </a:tr>
               <a:tr h="1015329">
                 <a:tc>
@@ -8788,10 +8237,9 @@
                     <a:lstStyle/>
                     <a:p>
                       <a:r>
-                        <a:rPr lang="en-US" sz="2800" dirty="0" smtClean="0"/>
+                        <a:rPr lang="en-US" sz="2800" dirty="0"/>
                         <a:t>4</a:t>
                       </a:r>
-                      <a:endParaRPr lang="en-US" sz="2800" dirty="0"/>
                     </a:p>
                   </a:txBody>
                   <a:tcPr/>
@@ -8819,13 +8267,18 @@
                         <a:defRPr/>
                       </a:pPr>
                       <a:r>
-                        <a:rPr lang="en-US" sz="2800" dirty="0" smtClean="0"/>
+                        <a:rPr lang="en-US" sz="2800" dirty="0"/>
                         <a:t>Consuming a web service</a:t>
                       </a:r>
                     </a:p>
                   </a:txBody>
                   <a:tcPr/>
                 </a:tc>
+                <a:extLst>
+                  <a:ext uri="{0D108BD9-81ED-4DB2-BD59-A6C34878D82A}">
+                    <a16:rowId xmlns:a16="http://schemas.microsoft.com/office/drawing/2014/main" val="10005"/>
+                  </a:ext>
+                </a:extLst>
               </a:tr>
               <a:tr h="556793">
                 <a:tc>
@@ -8834,10 +8287,9 @@
                     <a:lstStyle/>
                     <a:p>
                       <a:r>
-                        <a:rPr lang="en-US" sz="2800" dirty="0" smtClean="0"/>
+                        <a:rPr lang="en-US" sz="2800" dirty="0"/>
                         <a:t>4</a:t>
                       </a:r>
-                      <a:endParaRPr lang="en-US" sz="2800" dirty="0"/>
                     </a:p>
                   </a:txBody>
                   <a:tcPr/>
@@ -8865,13 +8317,18 @@
                         <a:defRPr/>
                       </a:pPr>
                       <a:r>
-                        <a:rPr lang="en-US" sz="2800" dirty="0" smtClean="0"/>
+                        <a:rPr lang="en-US" sz="2800" dirty="0"/>
                         <a:t>Geolocation</a:t>
                       </a:r>
                     </a:p>
                   </a:txBody>
                   <a:tcPr/>
                 </a:tc>
+                <a:extLst>
+                  <a:ext uri="{0D108BD9-81ED-4DB2-BD59-A6C34878D82A}">
+                    <a16:rowId xmlns:a16="http://schemas.microsoft.com/office/drawing/2014/main" val="10006"/>
+                  </a:ext>
+                </a:extLst>
               </a:tr>
             </a:tbl>
           </a:graphicData>
@@ -8887,13 +8344,6 @@
   <p:clrMapOvr>
     <a:masterClrMapping/>
   </p:clrMapOvr>
-  <p:timing>
-    <p:tnLst>
-      <p:par>
-        <p:cTn id="1" dur="indefinite" restart="never" nodeType="tmRoot"/>
-      </p:par>
-    </p:tnLst>
-  </p:timing>
 </p:sld>
 </file>
 
@@ -8952,18 +8402,13 @@
           <a:lstStyle/>
           <a:p>
             <a:r>
-              <a:rPr lang="en-US" b="1" dirty="0" smtClean="0">
+              <a:rPr lang="en-US" b="1" dirty="0">
                 <a:solidFill>
                   <a:srgbClr val="2D2DB9"/>
                 </a:solidFill>
               </a:rPr>
               <a:t>Exercise</a:t>
             </a:r>
-            <a:endParaRPr lang="en-US" b="1" dirty="0">
-              <a:solidFill>
-                <a:srgbClr val="2D2DB9"/>
-              </a:solidFill>
-            </a:endParaRPr>
           </a:p>
         </p:txBody>
       </p:sp>
@@ -8985,25 +8430,16 @@
           <a:lstStyle/>
           <a:p>
             <a:pPr lvl="1"/>
-            <a:endParaRPr lang="en-US" dirty="0" smtClean="0"/>
+            <a:endParaRPr lang="en-US" dirty="0"/>
           </a:p>
           <a:p>
             <a:pPr marL="0" indent="0">
               <a:buNone/>
             </a:pPr>
             <a:r>
-              <a:rPr lang="en-US" dirty="0" smtClean="0"/>
-              <a:t>Modify the Tip Calculator to put an “up” button on the </a:t>
-            </a:r>
-            <a:r>
               <a:rPr lang="en-US" dirty="0"/>
-              <a:t>s</a:t>
-            </a:r>
-            <a:r>
-              <a:rPr lang="en-US" dirty="0" smtClean="0"/>
-              <a:t>ettings activity by adding an entry for the parent in it’s section of the the manifest.</a:t>
-            </a:r>
-            <a:endParaRPr lang="en-US" dirty="0"/>
+              <a:t>Modify the Tip Calculator to put an “up” button on the settings activity by adding an entry for the parent in it’s section of the the manifest.</a:t>
+            </a:r>
           </a:p>
           <a:p>
             <a:endParaRPr lang="en-US" dirty="0"/>
@@ -9020,13 +8456,6 @@
   <p:clrMapOvr>
     <a:masterClrMapping/>
   </p:clrMapOvr>
-  <p:timing>
-    <p:tnLst>
-      <p:par>
-        <p:cTn id="1" dur="indefinite" restart="never" nodeType="tmRoot"/>
-      </p:par>
-    </p:tnLst>
-  </p:timing>
 </p:sld>
 </file>
 
@@ -9093,18 +8522,13 @@
           <a:p>
             <a:pPr algn="ctr"/>
             <a:r>
-              <a:rPr lang="en-US" sz="6600" dirty="0" smtClean="0">
+              <a:rPr lang="en-US" sz="6600" dirty="0">
                 <a:solidFill>
                   <a:srgbClr val="2D2DB9"/>
                 </a:solidFill>
               </a:rPr>
               <a:t>Android Application Architecture</a:t>
             </a:r>
-            <a:endParaRPr lang="en-US" sz="6600" dirty="0">
-              <a:solidFill>
-                <a:srgbClr val="2D2DB9"/>
-              </a:solidFill>
-            </a:endParaRPr>
           </a:p>
         </p:txBody>
       </p:sp>
@@ -9142,13 +8566,6 @@
   <p:clrMapOvr>
     <a:masterClrMapping/>
   </p:clrMapOvr>
-  <p:timing>
-    <p:tnLst>
-      <p:par>
-        <p:cTn id="1" dur="indefinite" restart="never" nodeType="tmRoot"/>
-      </p:par>
-    </p:tnLst>
-  </p:timing>
 </p:sld>
 </file>
 
@@ -9206,18 +8623,13 @@
           </a:lstStyle>
           <a:p>
             <a:r>
-              <a:rPr lang="en-US" dirty="0" smtClean="0">
+              <a:rPr lang="en-US" dirty="0">
                 <a:solidFill>
                   <a:srgbClr val="2D2DB9"/>
                 </a:solidFill>
               </a:rPr>
               <a:t>Android App Architecture</a:t>
             </a:r>
-            <a:endParaRPr lang="en-US" dirty="0">
-              <a:solidFill>
-                <a:srgbClr val="2D2DB9"/>
-              </a:solidFill>
-            </a:endParaRPr>
           </a:p>
         </p:txBody>
       </p:sp>
@@ -9381,7 +8793,7 @@
           </a:lstStyle>
           <a:p>
             <a:r>
-              <a:rPr lang="en-US" dirty="0" smtClean="0"/>
+              <a:rPr lang="en-US" dirty="0"/>
               <a:t>Apps are made up of components. There are four kinds of components:</a:t>
             </a:r>
           </a:p>
@@ -9391,31 +8803,30 @@
               <a:buAutoNum type="arabicPeriod"/>
             </a:pPr>
             <a:r>
-              <a:rPr lang="en-US" dirty="0" smtClean="0"/>
+              <a:rPr lang="en-US" dirty="0"/>
               <a:t> Activity</a:t>
             </a:r>
           </a:p>
           <a:p>
             <a:pPr lvl="2"/>
             <a:r>
-              <a:rPr lang="en-US" dirty="0" smtClean="0"/>
+              <a:rPr lang="en-US" dirty="0"/>
               <a:t>Each screen is managed by it’s own activity</a:t>
             </a:r>
           </a:p>
           <a:p>
             <a:pPr lvl="2"/>
             <a:r>
-              <a:rPr lang="en-US" dirty="0" smtClean="0"/>
+              <a:rPr lang="en-US" dirty="0"/>
               <a:t>A multi-screen app will have multiple activities</a:t>
             </a:r>
           </a:p>
           <a:p>
             <a:pPr lvl="2"/>
             <a:r>
-              <a:rPr lang="en-US" dirty="0" smtClean="0"/>
+              <a:rPr lang="en-US" dirty="0"/>
               <a:t>An app must have at least one activity</a:t>
             </a:r>
-            <a:endParaRPr lang="en-US" dirty="0"/>
           </a:p>
         </p:txBody>
       </p:sp>
@@ -9429,13 +8840,6 @@
   <p:clrMapOvr>
     <a:masterClrMapping/>
   </p:clrMapOvr>
-  <p:timing>
-    <p:tnLst>
-      <p:par>
-        <p:cTn id="1" dur="indefinite" restart="never" nodeType="tmRoot"/>
-      </p:par>
-    </p:tnLst>
-  </p:timing>
 </p:sld>
 </file>
 
@@ -9493,18 +8897,13 @@
           </a:lstStyle>
           <a:p>
             <a:r>
-              <a:rPr lang="en-US" dirty="0" smtClean="0">
+              <a:rPr lang="en-US" dirty="0">
                 <a:solidFill>
                   <a:srgbClr val="2D2DB9"/>
                 </a:solidFill>
               </a:rPr>
               <a:t>App Architecture (continued)</a:t>
             </a:r>
-            <a:endParaRPr lang="en-US" dirty="0">
-              <a:solidFill>
-                <a:srgbClr val="2D2DB9"/>
-              </a:solidFill>
-            </a:endParaRPr>
           </a:p>
         </p:txBody>
       </p:sp>
@@ -9672,7 +9071,7 @@
               <a:buAutoNum type="arabicPeriod" startAt="2"/>
             </a:pPr>
             <a:r>
-              <a:rPr lang="en-US" dirty="0" smtClean="0"/>
+              <a:rPr lang="en-US" dirty="0"/>
               <a:t>Services: long-running background operations</a:t>
             </a:r>
           </a:p>
@@ -9682,7 +9081,7 @@
               <a:buAutoNum type="arabicPeriod" startAt="2"/>
             </a:pPr>
             <a:r>
-              <a:rPr lang="en-US" dirty="0" smtClean="0"/>
+              <a:rPr lang="en-US" dirty="0"/>
               <a:t>Content providers: manage shared data</a:t>
             </a:r>
           </a:p>
@@ -9692,19 +9091,19 @@
               <a:buAutoNum type="arabicPeriod" startAt="2"/>
             </a:pPr>
             <a:r>
-              <a:rPr lang="en-US" dirty="0" smtClean="0"/>
+              <a:rPr lang="en-US" dirty="0"/>
               <a:t>Broadcast receivers: respond to system-wide broadcast announcements</a:t>
             </a:r>
           </a:p>
           <a:p>
             <a:r>
-              <a:rPr lang="en-US" dirty="0" smtClean="0"/>
+              <a:rPr lang="en-US" dirty="0"/>
               <a:t>Intent objects are used to activate activities, services, and broadcast receivers</a:t>
             </a:r>
           </a:p>
           <a:p>
             <a:r>
-              <a:rPr lang="en-US" dirty="0" smtClean="0"/>
+              <a:rPr lang="en-US" dirty="0"/>
               <a:t>Every app must have a manifest file </a:t>
             </a:r>
           </a:p>
@@ -9720,13 +9119,6 @@
   <p:clrMapOvr>
     <a:masterClrMapping/>
   </p:clrMapOvr>
-  <p:timing>
-    <p:tnLst>
-      <p:par>
-        <p:cTn id="1" dur="indefinite" restart="never" nodeType="tmRoot"/>
-      </p:par>
-    </p:tnLst>
-  </p:timing>
 </p:sld>
 </file>
 
@@ -9784,18 +9176,13 @@
           </a:lstStyle>
           <a:p>
             <a:r>
-              <a:rPr lang="en-US" dirty="0" smtClean="0">
+              <a:rPr lang="en-US" dirty="0">
                 <a:solidFill>
                   <a:srgbClr val="2D2DB9"/>
                 </a:solidFill>
               </a:rPr>
               <a:t>Components of an App</a:t>
             </a:r>
-            <a:endParaRPr lang="en-US" dirty="0">
-              <a:solidFill>
-                <a:srgbClr val="2D2DB9"/>
-              </a:solidFill>
-            </a:endParaRPr>
           </a:p>
         </p:txBody>
       </p:sp>
@@ -9845,16 +9232,12 @@
           <a:lstStyle/>
           <a:p>
             <a:r>
-              <a:rPr lang="en-US" dirty="0" smtClean="0">
+              <a:rPr lang="en-US" dirty="0">
                 <a:latin typeface="Arial"/>
                 <a:cs typeface="Arial"/>
               </a:rPr>
               <a:t>and Broadcast receivers, and Content providers</a:t>
             </a:r>
-            <a:endParaRPr lang="en-US" dirty="0">
-              <a:latin typeface="Arial"/>
-              <a:cs typeface="Arial"/>
-            </a:endParaRPr>
           </a:p>
         </p:txBody>
       </p:sp>
@@ -9868,13 +9251,6 @@
   <p:clrMapOvr>
     <a:masterClrMapping/>
   </p:clrMapOvr>
-  <p:timing>
-    <p:tnLst>
-      <p:par>
-        <p:cTn id="1" dur="indefinite" restart="never" nodeType="tmRoot"/>
-      </p:par>
-    </p:tnLst>
-  </p:timing>
 </p:sld>
 </file>
 
@@ -9932,18 +9308,13 @@
           </a:lstStyle>
           <a:p>
             <a:r>
-              <a:rPr lang="en-US" dirty="0" smtClean="0">
+              <a:rPr lang="en-US" dirty="0">
                 <a:solidFill>
                   <a:srgbClr val="2D2DB9"/>
                 </a:solidFill>
               </a:rPr>
               <a:t>Activity class</a:t>
             </a:r>
-            <a:endParaRPr lang="en-US" dirty="0">
-              <a:solidFill>
-                <a:srgbClr val="2D2DB9"/>
-              </a:solidFill>
-            </a:endParaRPr>
           </a:p>
         </p:txBody>
       </p:sp>
@@ -10107,32 +9478,32 @@
           </a:lstStyle>
           <a:p>
             <a:r>
-              <a:rPr lang="en-US" smtClean="0"/>
+              <a:rPr lang="en-US"/>
               <a:t>Provides a user interface (UI)</a:t>
             </a:r>
           </a:p>
           <a:p>
             <a:pPr lvl="1"/>
             <a:r>
-              <a:rPr lang="en-US" smtClean="0"/>
+              <a:rPr lang="en-US"/>
               <a:t>Contains a window in which to add UI elements</a:t>
             </a:r>
           </a:p>
           <a:p>
             <a:r>
-              <a:rPr lang="en-US" smtClean="0"/>
+              <a:rPr lang="en-US"/>
               <a:t>Inherits from the abstract Context class</a:t>
             </a:r>
           </a:p>
           <a:p>
             <a:r>
-              <a:rPr lang="en-US" smtClean="0"/>
+              <a:rPr lang="en-US"/>
               <a:t>Each activity in a app is independent of the others</a:t>
             </a:r>
           </a:p>
           <a:p>
             <a:r>
-              <a:rPr lang="en-US" smtClean="0"/>
+              <a:rPr lang="en-US"/>
               <a:t>Can be activated from within it’s own app or by another app</a:t>
             </a:r>
             <a:endParaRPr lang="en-US" dirty="0"/>
@@ -10149,13 +9520,6 @@
   <p:clrMapOvr>
     <a:masterClrMapping/>
   </p:clrMapOvr>
-  <p:timing>
-    <p:tnLst>
-      <p:par>
-        <p:cTn id="1" dur="indefinite" restart="never" nodeType="tmRoot"/>
-      </p:par>
-    </p:tnLst>
-  </p:timing>
 </p:sld>
 </file>
 
@@ -10215,18 +9579,13 @@
           </a:lstStyle>
           <a:p>
             <a:r>
-              <a:rPr lang="en-US" dirty="0" smtClean="0">
+              <a:rPr lang="en-US" dirty="0">
                 <a:solidFill>
                   <a:srgbClr val="2D2DB9"/>
                 </a:solidFill>
               </a:rPr>
               <a:t>Loosely Coupled Activities</a:t>
             </a:r>
-            <a:endParaRPr lang="en-US" dirty="0">
-              <a:solidFill>
-                <a:srgbClr val="2D2DB9"/>
-              </a:solidFill>
-            </a:endParaRPr>
           </a:p>
         </p:txBody>
       </p:sp>
@@ -10389,17 +9748,17 @@
             </a:lvl9pPr>
           </a:lstStyle>
           <a:p>
-            <a:endParaRPr lang="en-US" smtClean="0"/>
-          </a:p>
-          <a:p>
-            <a:r>
-              <a:rPr lang="en-US" smtClean="0"/>
+            <a:endParaRPr lang="en-US"/>
+          </a:p>
+          <a:p>
+            <a:r>
+              <a:rPr lang="en-US"/>
               <a:t>Typical desktop apps have a single entry point. In an Android app, any activity (screen) can be an entry point.</a:t>
             </a:r>
           </a:p>
           <a:p>
             <a:r>
-              <a:rPr lang="en-US" smtClean="0"/>
+              <a:rPr lang="en-US"/>
               <a:t>Similar to web applications. You can typically directly open any web page in a site. </a:t>
             </a:r>
           </a:p>
@@ -10408,7 +9767,7 @@
               <a:buFont typeface="Arial"/>
               <a:buNone/>
             </a:pPr>
-            <a:endParaRPr lang="en-US" smtClean="0"/>
+            <a:endParaRPr lang="en-US"/>
           </a:p>
           <a:p>
             <a:endParaRPr lang="en-US" dirty="0"/>
@@ -10425,13 +9784,6 @@
   <p:clrMapOvr>
     <a:masterClrMapping/>
   </p:clrMapOvr>
-  <p:timing>
-    <p:tnLst>
-      <p:par>
-        <p:cTn id="1" dur="indefinite" restart="never" nodeType="tmRoot"/>
-      </p:par>
-    </p:tnLst>
-  </p:timing>
 </p:sld>
 </file>
 
@@ -10489,18 +9841,13 @@
           </a:lstStyle>
           <a:p>
             <a:r>
-              <a:rPr lang="en-US" dirty="0" smtClean="0">
+              <a:rPr lang="en-US" dirty="0">
                 <a:solidFill>
                   <a:srgbClr val="2D2DB9"/>
                 </a:solidFill>
               </a:rPr>
               <a:t>Context class</a:t>
             </a:r>
-            <a:endParaRPr lang="en-US" dirty="0">
-              <a:solidFill>
-                <a:srgbClr val="2D2DB9"/>
-              </a:solidFill>
-            </a:endParaRPr>
           </a:p>
         </p:txBody>
       </p:sp>
@@ -10664,58 +10011,49 @@
           </a:lstStyle>
           <a:p>
             <a:r>
-              <a:rPr lang="en-US" dirty="0" smtClean="0"/>
+              <a:rPr lang="en-US" dirty="0"/>
               <a:t>Provides a reference to the current application</a:t>
             </a:r>
           </a:p>
           <a:p>
             <a:r>
-              <a:rPr lang="en-US" dirty="0" smtClean="0"/>
+              <a:rPr lang="en-US" dirty="0"/>
               <a:t>Provides a means to access the Android operating system</a:t>
             </a:r>
           </a:p>
           <a:p>
             <a:r>
-              <a:rPr lang="en-US" dirty="0" smtClean="0"/>
+              <a:rPr lang="en-US" dirty="0"/>
               <a:t>Used for:</a:t>
             </a:r>
           </a:p>
           <a:p>
             <a:pPr lvl="1"/>
             <a:r>
-              <a:rPr lang="en-US" dirty="0" smtClean="0"/>
+              <a:rPr lang="en-US" dirty="0"/>
               <a:t>Accessing Android services</a:t>
             </a:r>
           </a:p>
           <a:p>
             <a:pPr lvl="1"/>
             <a:r>
-              <a:rPr lang="en-US" dirty="0" smtClean="0"/>
+              <a:rPr lang="en-US" dirty="0"/>
               <a:t>Accessing preferences (settings) and permissions</a:t>
             </a:r>
           </a:p>
           <a:p>
             <a:pPr lvl="1"/>
             <a:r>
-              <a:rPr lang="en-US" dirty="0" smtClean="0"/>
-              <a:t>Creating new views </a:t>
-            </a:r>
-            <a:r>
-              <a:rPr lang="en-US" dirty="0" smtClean="0"/>
-              <a:t>(widgets, aka controls</a:t>
-            </a:r>
-            <a:r>
-              <a:rPr lang="en-US" dirty="0" smtClean="0"/>
-              <a:t>)</a:t>
+              <a:rPr lang="en-US" dirty="0"/>
+              <a:t>Creating new views (widgets, aka controls)</a:t>
             </a:r>
           </a:p>
           <a:p>
             <a:pPr lvl="1"/>
             <a:r>
-              <a:rPr lang="en-US" dirty="0" smtClean="0"/>
+              <a:rPr lang="en-US" dirty="0"/>
               <a:t>Accessing device resources</a:t>
             </a:r>
-            <a:endParaRPr lang="en-US" dirty="0"/>
           </a:p>
         </p:txBody>
       </p:sp>
@@ -10729,13 +10067,6 @@
   <p:clrMapOvr>
     <a:masterClrMapping/>
   </p:clrMapOvr>
-  <p:timing>
-    <p:tnLst>
-      <p:par>
-        <p:cTn id="1" dur="indefinite" restart="never" nodeType="tmRoot"/>
-      </p:par>
-    </p:tnLst>
-  </p:timing>
 </p:sld>
 </file>
 
